--- a/Bell_ASPConnections_SPAwithBreeze_APA306.pptx
+++ b/Bell_ASPConnections_SPAwithBreeze_APA306.pptx
@@ -6,10 +6,10 @@
     <p:sldMasterId id="2147483660" r:id="rId2"/>
   </p:sldMasterIdLst>
   <p:notesMasterIdLst>
-    <p:notesMasterId r:id="rId42"/>
+    <p:notesMasterId r:id="rId45"/>
   </p:notesMasterIdLst>
   <p:handoutMasterIdLst>
-    <p:handoutMasterId r:id="rId43"/>
+    <p:handoutMasterId r:id="rId46"/>
   </p:handoutMasterIdLst>
   <p:sldIdLst>
     <p:sldId id="376" r:id="rId3"/>
@@ -29,28 +29,31 @@
     <p:sldId id="410" r:id="rId17"/>
     <p:sldId id="389" r:id="rId18"/>
     <p:sldId id="372" r:id="rId19"/>
-    <p:sldId id="392" r:id="rId20"/>
-    <p:sldId id="393" r:id="rId21"/>
-    <p:sldId id="381" r:id="rId22"/>
-    <p:sldId id="394" r:id="rId23"/>
-    <p:sldId id="390" r:id="rId24"/>
-    <p:sldId id="396" r:id="rId25"/>
-    <p:sldId id="397" r:id="rId26"/>
-    <p:sldId id="395" r:id="rId27"/>
-    <p:sldId id="398" r:id="rId28"/>
-    <p:sldId id="399" r:id="rId29"/>
-    <p:sldId id="400" r:id="rId30"/>
-    <p:sldId id="403" r:id="rId31"/>
-    <p:sldId id="401" r:id="rId32"/>
-    <p:sldId id="402" r:id="rId33"/>
-    <p:sldId id="404" r:id="rId34"/>
-    <p:sldId id="405" r:id="rId35"/>
-    <p:sldId id="406" r:id="rId36"/>
-    <p:sldId id="407" r:id="rId37"/>
-    <p:sldId id="408" r:id="rId38"/>
-    <p:sldId id="382" r:id="rId39"/>
-    <p:sldId id="384" r:id="rId40"/>
-    <p:sldId id="377" r:id="rId41"/>
+    <p:sldId id="413" r:id="rId20"/>
+    <p:sldId id="392" r:id="rId21"/>
+    <p:sldId id="393" r:id="rId22"/>
+    <p:sldId id="381" r:id="rId23"/>
+    <p:sldId id="394" r:id="rId24"/>
+    <p:sldId id="390" r:id="rId25"/>
+    <p:sldId id="396" r:id="rId26"/>
+    <p:sldId id="397" r:id="rId27"/>
+    <p:sldId id="395" r:id="rId28"/>
+    <p:sldId id="398" r:id="rId29"/>
+    <p:sldId id="399" r:id="rId30"/>
+    <p:sldId id="400" r:id="rId31"/>
+    <p:sldId id="403" r:id="rId32"/>
+    <p:sldId id="401" r:id="rId33"/>
+    <p:sldId id="402" r:id="rId34"/>
+    <p:sldId id="404" r:id="rId35"/>
+    <p:sldId id="412" r:id="rId36"/>
+    <p:sldId id="405" r:id="rId37"/>
+    <p:sldId id="406" r:id="rId38"/>
+    <p:sldId id="407" r:id="rId39"/>
+    <p:sldId id="414" r:id="rId40"/>
+    <p:sldId id="408" r:id="rId41"/>
+    <p:sldId id="382" r:id="rId42"/>
+    <p:sldId id="415" r:id="rId43"/>
+    <p:sldId id="384" r:id="rId44"/>
   </p:sldIdLst>
   <p:sldSz cx="9144000" cy="5143500" type="screen16x9"/>
   <p:notesSz cx="6858000" cy="9144000"/>
@@ -1223,7 +1226,7 @@
               <a:pPr>
                 <a:defRPr/>
               </a:pPr>
-              <a:t>29</a:t>
+              <a:t>30</a:t>
             </a:fld>
             <a:endParaRPr lang="en-US" dirty="0"/>
           </a:p>
@@ -1261,145 +1264,6 @@
         <p14:creationId xmlns:p14="http://schemas.microsoft.com/office/powerpoint/2010/main" val="3883036474"/>
       </p:ext>
     </p:extLst>
-  </p:cSld>
-  <p:clrMapOvr>
-    <a:masterClrMapping/>
-  </p:clrMapOvr>
-</p:notes>
-</file>
-
-<file path=ppt/notesSlides/notesSlide4.xml><?xml version="1.0" encoding="utf-8"?>
-<p:notes xmlns:a="http://schemas.openxmlformats.org/drawingml/2006/main" xmlns:r="http://schemas.openxmlformats.org/officeDocument/2006/relationships" xmlns:p="http://schemas.openxmlformats.org/presentationml/2006/main">
-  <p:cSld>
-    <p:spTree>
-      <p:nvGrpSpPr>
-        <p:cNvPr id="1" name=""/>
-        <p:cNvGrpSpPr/>
-        <p:nvPr/>
-      </p:nvGrpSpPr>
-      <p:grpSpPr>
-        <a:xfrm>
-          <a:off x="0" y="0"/>
-          <a:ext cx="0" cy="0"/>
-          <a:chOff x="0" y="0"/>
-          <a:chExt cx="0" cy="0"/>
-        </a:xfrm>
-      </p:grpSpPr>
-      <p:sp>
-        <p:nvSpPr>
-          <p:cNvPr id="8194" name="Slide Image Placeholder 1"/>
-          <p:cNvSpPr>
-            <a:spLocks noGrp="1" noRot="1" noChangeAspect="1" noTextEdit="1"/>
-          </p:cNvSpPr>
-          <p:nvPr>
-            <p:ph type="sldImg"/>
-          </p:nvPr>
-        </p:nvSpPr>
-        <p:spPr>
-          <a:xfrm>
-            <a:off x="381000" y="685800"/>
-            <a:ext cx="6096000" cy="3429000"/>
-          </a:xfrm>
-          <a:ln/>
-        </p:spPr>
-      </p:sp>
-      <p:sp>
-        <p:nvSpPr>
-          <p:cNvPr id="8195" name="Notes Placeholder 2"/>
-          <p:cNvSpPr>
-            <a:spLocks noGrp="1"/>
-          </p:cNvSpPr>
-          <p:nvPr>
-            <p:ph type="body" idx="1"/>
-          </p:nvPr>
-        </p:nvSpPr>
-        <p:spPr>
-          <a:noFill/>
-          <a:ln/>
-        </p:spPr>
-        <p:txBody>
-          <a:bodyPr/>
-          <a:lstStyle/>
-          <a:p>
-            <a:endParaRPr lang="en-US" smtClean="0"/>
-          </a:p>
-        </p:txBody>
-      </p:sp>
-      <p:sp>
-        <p:nvSpPr>
-          <p:cNvPr id="8196" name="Header Placeholder 3"/>
-          <p:cNvSpPr>
-            <a:spLocks noGrp="1"/>
-          </p:cNvSpPr>
-          <p:nvPr>
-            <p:ph type="hdr" sz="quarter"/>
-          </p:nvPr>
-        </p:nvSpPr>
-        <p:spPr>
-          <a:noFill/>
-        </p:spPr>
-        <p:txBody>
-          <a:bodyPr/>
-          <a:lstStyle/>
-          <a:p>
-            <a:r>
-              <a:rPr lang="en-US" smtClean="0"/>
-              <a:t>Visual Studio Connections</a:t>
-            </a:r>
-          </a:p>
-        </p:txBody>
-      </p:sp>
-      <p:sp>
-        <p:nvSpPr>
-          <p:cNvPr id="8197" name="Footer Placeholder 4"/>
-          <p:cNvSpPr>
-            <a:spLocks noGrp="1"/>
-          </p:cNvSpPr>
-          <p:nvPr>
-            <p:ph type="ftr" sz="quarter" idx="4"/>
-          </p:nvPr>
-        </p:nvSpPr>
-        <p:spPr>
-          <a:noFill/>
-        </p:spPr>
-        <p:txBody>
-          <a:bodyPr/>
-          <a:lstStyle/>
-          <a:p>
-            <a:r>
-              <a:rPr lang="en-US"/>
-              <a:t>Updates will be available at http://www.devconnections.com/updates/LasVegas_Fall08/VS</a:t>
-            </a:r>
-          </a:p>
-        </p:txBody>
-      </p:sp>
-      <p:sp>
-        <p:nvSpPr>
-          <p:cNvPr id="8198" name="Slide Number Placeholder 5"/>
-          <p:cNvSpPr>
-            <a:spLocks noGrp="1"/>
-          </p:cNvSpPr>
-          <p:nvPr>
-            <p:ph type="sldNum" sz="quarter" idx="5"/>
-          </p:nvPr>
-        </p:nvSpPr>
-        <p:spPr>
-          <a:noFill/>
-        </p:spPr>
-        <p:txBody>
-          <a:bodyPr/>
-          <a:lstStyle/>
-          <a:p>
-            <a:fld id="{676EAB40-3BED-4879-909B-D791B02DA3CD}" type="slidenum">
-              <a:rPr lang="en-US" smtClean="0"/>
-              <a:pPr/>
-              <a:t>39</a:t>
-            </a:fld>
-            <a:endParaRPr lang="en-US" smtClean="0"/>
-          </a:p>
-        </p:txBody>
-      </p:sp>
-    </p:spTree>
   </p:cSld>
   <p:clrMapOvr>
     <a:masterClrMapping/>
@@ -2504,7 +2368,7 @@
           <a:p>
             <a:fld id="{F2B89835-01F0-4476-B657-5D686B291B2E}" type="datetimeFigureOut">
               <a:rPr lang="en-US" smtClean="0"/>
-              <a:t>10/31/2012</a:t>
+              <a:t>11/15/2012</a:t>
             </a:fld>
             <a:endParaRPr lang="en-US"/>
           </a:p>
@@ -2674,7 +2538,7 @@
           <a:p>
             <a:fld id="{F2B89835-01F0-4476-B657-5D686B291B2E}" type="datetimeFigureOut">
               <a:rPr lang="en-US" smtClean="0"/>
-              <a:t>10/31/2012</a:t>
+              <a:t>11/15/2012</a:t>
             </a:fld>
             <a:endParaRPr lang="en-US"/>
           </a:p>
@@ -2920,7 +2784,7 @@
           <a:p>
             <a:fld id="{F2B89835-01F0-4476-B657-5D686B291B2E}" type="datetimeFigureOut">
               <a:rPr lang="en-US" smtClean="0"/>
-              <a:t>10/31/2012</a:t>
+              <a:t>11/15/2012</a:t>
             </a:fld>
             <a:endParaRPr lang="en-US"/>
           </a:p>
@@ -3208,7 +3072,7 @@
           <a:p>
             <a:fld id="{F2B89835-01F0-4476-B657-5D686B291B2E}" type="datetimeFigureOut">
               <a:rPr lang="en-US" smtClean="0"/>
-              <a:t>10/31/2012</a:t>
+              <a:t>11/15/2012</a:t>
             </a:fld>
             <a:endParaRPr lang="en-US"/>
           </a:p>
@@ -3630,7 +3494,7 @@
           <a:p>
             <a:fld id="{F2B89835-01F0-4476-B657-5D686B291B2E}" type="datetimeFigureOut">
               <a:rPr lang="en-US" smtClean="0"/>
-              <a:t>10/31/2012</a:t>
+              <a:t>11/15/2012</a:t>
             </a:fld>
             <a:endParaRPr lang="en-US"/>
           </a:p>
@@ -3939,7 +3803,7 @@
           <a:p>
             <a:fld id="{F2B89835-01F0-4476-B657-5D686B291B2E}" type="datetimeFigureOut">
               <a:rPr lang="en-US" smtClean="0"/>
-              <a:t>10/31/2012</a:t>
+              <a:t>11/15/2012</a:t>
             </a:fld>
             <a:endParaRPr lang="en-US"/>
           </a:p>
@@ -4034,7 +3898,7 @@
           <a:p>
             <a:fld id="{F2B89835-01F0-4476-B657-5D686B291B2E}" type="datetimeFigureOut">
               <a:rPr lang="en-US" smtClean="0"/>
-              <a:t>10/31/2012</a:t>
+              <a:t>11/15/2012</a:t>
             </a:fld>
             <a:endParaRPr lang="en-US"/>
           </a:p>
@@ -4311,7 +4175,7 @@
           <a:p>
             <a:fld id="{F2B89835-01F0-4476-B657-5D686B291B2E}" type="datetimeFigureOut">
               <a:rPr lang="en-US" smtClean="0"/>
-              <a:t>10/31/2012</a:t>
+              <a:t>11/15/2012</a:t>
             </a:fld>
             <a:endParaRPr lang="en-US"/>
           </a:p>
@@ -4564,7 +4428,7 @@
           <a:p>
             <a:fld id="{F2B89835-01F0-4476-B657-5D686B291B2E}" type="datetimeFigureOut">
               <a:rPr lang="en-US" smtClean="0"/>
-              <a:t>10/31/2012</a:t>
+              <a:t>11/15/2012</a:t>
             </a:fld>
             <a:endParaRPr lang="en-US"/>
           </a:p>
@@ -4734,7 +4598,7 @@
           <a:p>
             <a:fld id="{F2B89835-01F0-4476-B657-5D686B291B2E}" type="datetimeFigureOut">
               <a:rPr lang="en-US" smtClean="0"/>
-              <a:t>10/31/2012</a:t>
+              <a:t>11/15/2012</a:t>
             </a:fld>
             <a:endParaRPr lang="en-US"/>
           </a:p>
@@ -4914,7 +4778,7 @@
           <a:p>
             <a:fld id="{F2B89835-01F0-4476-B657-5D686B291B2E}" type="datetimeFigureOut">
               <a:rPr lang="en-US" smtClean="0"/>
-              <a:t>10/31/2012</a:t>
+              <a:t>11/15/2012</a:t>
             </a:fld>
             <a:endParaRPr lang="en-US"/>
           </a:p>
@@ -7659,7 +7523,7 @@
           <a:p>
             <a:fld id="{F2B89835-01F0-4476-B657-5D686B291B2E}" type="datetimeFigureOut">
               <a:rPr lang="en-US" smtClean="0"/>
-              <a:t>10/31/2012</a:t>
+              <a:t>11/15/2012</a:t>
             </a:fld>
             <a:endParaRPr lang="en-US"/>
           </a:p>
@@ -8038,36 +7902,6 @@
           <a:chExt cx="0" cy="0"/>
         </a:xfrm>
       </p:grpSpPr>
-      <p:pic>
-        <p:nvPicPr>
-          <p:cNvPr id="4" name="Picture 3"/>
-          <p:cNvPicPr>
-            <a:picLocks noChangeAspect="1"/>
-          </p:cNvPicPr>
-          <p:nvPr/>
-        </p:nvPicPr>
-        <p:blipFill>
-          <a:blip r:embed="rId3">
-            <a:extLst>
-              <a:ext uri="{28A0092B-C50C-407E-A947-70E740481C1C}">
-                <a14:useLocalDpi xmlns:a14="http://schemas.microsoft.com/office/drawing/2010/main" val="0"/>
-              </a:ext>
-            </a:extLst>
-          </a:blip>
-          <a:stretch>
-            <a:fillRect/>
-          </a:stretch>
-        </p:blipFill>
-        <p:spPr>
-          <a:xfrm>
-            <a:off x="883" y="0"/>
-            <a:ext cx="9142233" cy="5143500"/>
-          </a:xfrm>
-          <a:prstGeom prst="rect">
-            <a:avLst/>
-          </a:prstGeom>
-        </p:spPr>
-      </p:pic>
       <p:sp>
         <p:nvSpPr>
           <p:cNvPr id="2050" name="Rectangle 2"/>
@@ -8078,7 +7912,12 @@
             <p:ph type="ctrTitle"/>
           </p:nvPr>
         </p:nvSpPr>
-        <p:spPr/>
+        <p:spPr>
+          <a:xfrm>
+            <a:off x="685800" y="1276350"/>
+            <a:ext cx="7772400" cy="1102519"/>
+          </a:xfrm>
+        </p:spPr>
         <p:txBody>
           <a:bodyPr/>
           <a:lstStyle/>
@@ -8088,7 +7927,6 @@
               <a:rPr lang="en-US" dirty="0" smtClean="0"/>
               <a:t>SPA Data with Breeze</a:t>
             </a:r>
-            <a:endParaRPr lang="en-US" dirty="0" smtClean="0"/>
           </a:p>
         </p:txBody>
       </p:sp>
@@ -8104,8 +7942,8 @@
         </p:nvSpPr>
         <p:spPr>
           <a:xfrm>
-            <a:off x="76200" y="2914650"/>
-            <a:ext cx="8991600" cy="1314450"/>
+            <a:off x="76200" y="2647950"/>
+            <a:ext cx="8991600" cy="2057400"/>
           </a:xfrm>
           <a:noFill/>
         </p:spPr>
@@ -8127,14 +7965,18 @@
             </a:r>
           </a:p>
           <a:p>
-            <a:pPr marL="2625725" algn="l" eaLnBrk="1" hangingPunct="1"/>
+            <a:pPr marL="2625725" algn="l" eaLnBrk="1" hangingPunct="1">
+              <a:spcBef>
+                <a:spcPts val="1200"/>
+              </a:spcBef>
+            </a:pPr>
             <a:r>
               <a:rPr lang="en-US" sz="2000" dirty="0" smtClean="0"/>
               <a:t>email: </a:t>
             </a:r>
             <a:r>
               <a:rPr lang="en-US" sz="2000" dirty="0" smtClean="0">
-                <a:hlinkClick r:id="rId4"/>
+                <a:hlinkClick r:id="rId3"/>
               </a:rPr>
               <a:t>wardb@ideablade.com</a:t>
             </a:r>
@@ -8151,40 +7993,11 @@
             </a:r>
             <a:r>
               <a:rPr lang="en-US" sz="2000" u="sng" dirty="0" err="1" smtClean="0">
-                <a:hlinkClick r:id="rId5"/>
+                <a:hlinkClick r:id="rId4"/>
               </a:rPr>
               <a:t>wardbell</a:t>
             </a:r>
             <a:endParaRPr lang="en-US" sz="2000" dirty="0" smtClean="0"/>
-          </a:p>
-        </p:txBody>
-      </p:sp>
-      <p:sp>
-        <p:nvSpPr>
-          <p:cNvPr id="3" name="Rectangle 2"/>
-          <p:cNvSpPr/>
-          <p:nvPr/>
-        </p:nvSpPr>
-        <p:spPr>
-          <a:xfrm>
-            <a:off x="304800" y="209550"/>
-            <a:ext cx="1475660" cy="523220"/>
-          </a:xfrm>
-          <a:prstGeom prst="rect">
-            <a:avLst/>
-          </a:prstGeom>
-        </p:spPr>
-        <p:txBody>
-          <a:bodyPr wrap="none">
-            <a:spAutoFit/>
-          </a:bodyPr>
-          <a:lstStyle/>
-          <a:p>
-            <a:r>
-              <a:rPr lang="en-US" sz="2800" dirty="0" smtClean="0"/>
-              <a:t>APA306</a:t>
-            </a:r>
-            <a:endParaRPr lang="en-US" sz="2800" dirty="0"/>
           </a:p>
         </p:txBody>
       </p:sp>
@@ -8198,13 +8011,13 @@
   <p:clrMapOvr>
     <a:masterClrMapping/>
   </p:clrMapOvr>
-  <mc:AlternateContent xmlns:mc="http://schemas.openxmlformats.org/markup-compatibility/2006">
-    <mc:Choice xmlns:p14="http://schemas.microsoft.com/office/powerpoint/2010/main" Requires="p14">
+  <mc:AlternateContent xmlns:mc="http://schemas.openxmlformats.org/markup-compatibility/2006" xmlns:p14="http://schemas.microsoft.com/office/powerpoint/2010/main">
+    <mc:Choice Requires="p14">
       <p:transition spd="med" p14:dur="700">
         <p:fade/>
       </p:transition>
     </mc:Choice>
-    <mc:Fallback>
+    <mc:Fallback xmlns="">
       <p:transition spd="med">
         <p:fade/>
       </p:transition>
@@ -8748,13 +8561,13 @@
   <p:clrMapOvr>
     <a:masterClrMapping/>
   </p:clrMapOvr>
-  <mc:AlternateContent xmlns:mc="http://schemas.openxmlformats.org/markup-compatibility/2006">
-    <mc:Choice xmlns:p14="http://schemas.microsoft.com/office/powerpoint/2010/main" Requires="p14">
+  <mc:AlternateContent xmlns:mc="http://schemas.openxmlformats.org/markup-compatibility/2006" xmlns:p14="http://schemas.microsoft.com/office/powerpoint/2010/main">
+    <mc:Choice Requires="p14">
       <p:transition spd="med" p14:dur="700">
         <p:fade/>
       </p:transition>
     </mc:Choice>
-    <mc:Fallback>
+    <mc:Fallback xmlns="">
       <p:transition spd="med">
         <p:fade/>
       </p:transition>
@@ -9644,13 +9457,13 @@
   <p:clrMapOvr>
     <a:masterClrMapping/>
   </p:clrMapOvr>
-  <mc:AlternateContent xmlns:mc="http://schemas.openxmlformats.org/markup-compatibility/2006">
-    <mc:Choice xmlns:p14="http://schemas.microsoft.com/office/powerpoint/2010/main" Requires="p14">
+  <mc:AlternateContent xmlns:mc="http://schemas.openxmlformats.org/markup-compatibility/2006" xmlns:p14="http://schemas.microsoft.com/office/powerpoint/2010/main">
+    <mc:Choice Requires="p14">
       <p:transition spd="med" p14:dur="700">
         <p:fade/>
       </p:transition>
     </mc:Choice>
-    <mc:Fallback>
+    <mc:Fallback xmlns="">
       <p:transition spd="med">
         <p:fade/>
       </p:transition>
@@ -10278,13 +10091,13 @@
   <p:clrMapOvr>
     <a:masterClrMapping/>
   </p:clrMapOvr>
-  <mc:AlternateContent xmlns:mc="http://schemas.openxmlformats.org/markup-compatibility/2006">
-    <mc:Choice xmlns:p14="http://schemas.microsoft.com/office/powerpoint/2010/main" Requires="p14">
+  <mc:AlternateContent xmlns:mc="http://schemas.openxmlformats.org/markup-compatibility/2006" xmlns:p14="http://schemas.microsoft.com/office/powerpoint/2010/main">
+    <mc:Choice Requires="p14">
       <p:transition spd="med" p14:dur="700">
         <p:fade/>
       </p:transition>
     </mc:Choice>
-    <mc:Fallback>
+    <mc:Fallback xmlns="">
       <p:transition spd="med">
         <p:fade/>
       </p:transition>
@@ -10523,7 +10336,9 @@
               <a:t>(</a:t>
             </a:r>
             <a:r>
-              <a:rPr lang="en-US" sz="2000" dirty="0" err="1" smtClean="0"/>
+              <a:rPr lang="en-US" sz="2000" dirty="0" err="1" smtClean="0">
+                <a:hlinkClick r:id="rId3"/>
+              </a:rPr>
               <a:t>GitHub</a:t>
             </a:r>
             <a:r>
@@ -10556,13 +10371,13 @@
   <p:clrMapOvr>
     <a:masterClrMapping/>
   </p:clrMapOvr>
-  <mc:AlternateContent xmlns:mc="http://schemas.openxmlformats.org/markup-compatibility/2006">
-    <mc:Choice xmlns:p14="http://schemas.microsoft.com/office/powerpoint/2010/main" Requires="p14">
+  <mc:AlternateContent xmlns:mc="http://schemas.openxmlformats.org/markup-compatibility/2006" xmlns:p14="http://schemas.microsoft.com/office/powerpoint/2010/main">
+    <mc:Choice Requires="p14">
       <p:transition spd="med" p14:dur="700">
         <p:fade/>
       </p:transition>
     </mc:Choice>
-    <mc:Fallback>
+    <mc:Fallback xmlns="">
       <p:transition spd="med">
         <p:fade/>
       </p:transition>
@@ -10694,6 +10509,41 @@
           </a:extLst>
         </p:spPr>
       </p:pic>
+      <p:sp>
+        <p:nvSpPr>
+          <p:cNvPr id="3" name="TextBox 2"/>
+          <p:cNvSpPr txBox="1"/>
+          <p:nvPr/>
+        </p:nvSpPr>
+        <p:spPr>
+          <a:xfrm>
+            <a:off x="1371600" y="3181350"/>
+            <a:ext cx="1752600" cy="369332"/>
+          </a:xfrm>
+          <a:prstGeom prst="rect">
+            <a:avLst/>
+          </a:prstGeom>
+          <a:noFill/>
+        </p:spPr>
+        <p:txBody>
+          <a:bodyPr wrap="square" rtlCol="0">
+            <a:spAutoFit/>
+          </a:bodyPr>
+          <a:lstStyle/>
+          <a:p>
+            <a:pPr algn="ctr"/>
+            <a:r>
+              <a:rPr lang="en-US" i="1" dirty="0" smtClean="0"/>
+              <a:t>with </a:t>
+            </a:r>
+            <a:r>
+              <a:rPr lang="en-US" i="1" dirty="0" err="1" smtClean="0"/>
+              <a:t>NuGet</a:t>
+            </a:r>
+            <a:endParaRPr lang="en-US" i="1" dirty="0"/>
+          </a:p>
+        </p:txBody>
+      </p:sp>
     </p:spTree>
     <p:extLst>
       <p:ext uri="{BB962C8B-B14F-4D97-AF65-F5344CB8AC3E}">
@@ -10704,13 +10554,13 @@
   <p:clrMapOvr>
     <a:masterClrMapping/>
   </p:clrMapOvr>
-  <mc:AlternateContent xmlns:mc="http://schemas.openxmlformats.org/markup-compatibility/2006">
-    <mc:Choice xmlns:p14="http://schemas.microsoft.com/office/powerpoint/2010/main" Requires="p14">
+  <mc:AlternateContent xmlns:mc="http://schemas.openxmlformats.org/markup-compatibility/2006" xmlns:p14="http://schemas.microsoft.com/office/powerpoint/2010/main">
+    <mc:Choice Requires="p14">
       <p:transition spd="med" p14:dur="700">
         <p:fade/>
       </p:transition>
     </mc:Choice>
-    <mc:Fallback>
+    <mc:Fallback xmlns="">
       <p:transition spd="med">
         <p:fade/>
       </p:transition>
@@ -11638,13 +11488,13 @@
   <p:clrMapOvr>
     <a:masterClrMapping/>
   </p:clrMapOvr>
-  <mc:AlternateContent xmlns:mc="http://schemas.openxmlformats.org/markup-compatibility/2006">
-    <mc:Choice xmlns:p14="http://schemas.microsoft.com/office/powerpoint/2010/main" Requires="p14">
+  <mc:AlternateContent xmlns:mc="http://schemas.openxmlformats.org/markup-compatibility/2006" xmlns:p14="http://schemas.microsoft.com/office/powerpoint/2010/main">
+    <mc:Choice Requires="p14">
       <p:transition spd="med" p14:dur="700">
         <p:fade/>
       </p:transition>
     </mc:Choice>
-    <mc:Fallback>
+    <mc:Fallback xmlns="">
       <p:transition spd="med">
         <p:fade/>
       </p:transition>
@@ -12606,13 +12456,13 @@
   <p:clrMapOvr>
     <a:masterClrMapping/>
   </p:clrMapOvr>
-  <mc:AlternateContent xmlns:mc="http://schemas.openxmlformats.org/markup-compatibility/2006">
-    <mc:Choice xmlns:p14="http://schemas.microsoft.com/office/powerpoint/2010/main" Requires="p14">
+  <mc:AlternateContent xmlns:mc="http://schemas.openxmlformats.org/markup-compatibility/2006" xmlns:p14="http://schemas.microsoft.com/office/powerpoint/2010/main">
+    <mc:Choice Requires="p14">
       <p:transition spd="med" p14:dur="700">
         <p:fade/>
       </p:transition>
     </mc:Choice>
-    <mc:Fallback>
+    <mc:Fallback xmlns="">
       <p:transition spd="med">
         <p:fade/>
       </p:transition>
@@ -13232,6 +13082,1863 @@
           <a:chExt cx="0" cy="0"/>
         </a:xfrm>
       </p:grpSpPr>
+      <p:sp>
+        <p:nvSpPr>
+          <p:cNvPr id="4" name="Title 3"/>
+          <p:cNvSpPr>
+            <a:spLocks noGrp="1"/>
+          </p:cNvSpPr>
+          <p:nvPr>
+            <p:ph type="title"/>
+          </p:nvPr>
+        </p:nvSpPr>
+        <p:spPr/>
+        <p:txBody>
+          <a:bodyPr/>
+          <a:lstStyle/>
+          <a:p>
+            <a:r>
+              <a:rPr lang="en-US" dirty="0" smtClean="0"/>
+              <a:t>Breeze Web API controller</a:t>
+            </a:r>
+            <a:endParaRPr lang="en-US" dirty="0"/>
+          </a:p>
+        </p:txBody>
+      </p:sp>
+      <p:sp>
+        <p:nvSpPr>
+          <p:cNvPr id="5" name="Text Placeholder 4"/>
+          <p:cNvSpPr txBox="1">
+            <a:spLocks/>
+          </p:cNvSpPr>
+          <p:nvPr/>
+        </p:nvSpPr>
+        <p:spPr bwMode="auto">
+          <a:xfrm>
+            <a:off x="304800" y="1047750"/>
+            <a:ext cx="8458200" cy="3962400"/>
+          </a:xfrm>
+          <a:prstGeom prst="rect">
+            <a:avLst/>
+          </a:prstGeom>
+          <a:solidFill>
+            <a:schemeClr val="tx1"/>
+          </a:solidFill>
+          <a:ln w="9525">
+            <a:noFill/>
+            <a:miter lim="800000"/>
+            <a:headEnd/>
+            <a:tailEnd/>
+          </a:ln>
+          <a:effectLst/>
+        </p:spPr>
+        <p:txBody>
+          <a:bodyPr vert="horz" wrap="square" lIns="91440" tIns="45720" rIns="91440" bIns="45720" numCol="1" anchor="t" anchorCtr="0" compatLnSpc="1">
+            <a:prstTxWarp prst="textNoShape">
+              <a:avLst/>
+            </a:prstTxWarp>
+          </a:bodyPr>
+          <a:lstStyle>
+            <a:defPPr>
+              <a:defRPr lang="en-US"/>
+            </a:defPPr>
+            <a:lvl1pPr algn="l" rtl="0" fontAlgn="base">
+              <a:spcBef>
+                <a:spcPct val="0"/>
+              </a:spcBef>
+              <a:spcAft>
+                <a:spcPct val="0"/>
+              </a:spcAft>
+              <a:defRPr sz="1400" kern="1200">
+                <a:solidFill>
+                  <a:schemeClr val="tx1"/>
+                </a:solidFill>
+                <a:latin typeface="Arial" charset="0"/>
+                <a:ea typeface="+mn-ea"/>
+                <a:cs typeface="+mn-cs"/>
+              </a:defRPr>
+            </a:lvl1pPr>
+            <a:lvl2pPr marL="457200" algn="l" rtl="0" fontAlgn="base">
+              <a:spcBef>
+                <a:spcPct val="0"/>
+              </a:spcBef>
+              <a:spcAft>
+                <a:spcPct val="0"/>
+              </a:spcAft>
+              <a:defRPr kern="1200">
+                <a:solidFill>
+                  <a:schemeClr val="tx1"/>
+                </a:solidFill>
+                <a:latin typeface="Arial" charset="0"/>
+                <a:ea typeface="+mn-ea"/>
+                <a:cs typeface="+mn-cs"/>
+              </a:defRPr>
+            </a:lvl2pPr>
+            <a:lvl3pPr marL="914400" algn="l" rtl="0" fontAlgn="base">
+              <a:spcBef>
+                <a:spcPct val="0"/>
+              </a:spcBef>
+              <a:spcAft>
+                <a:spcPct val="0"/>
+              </a:spcAft>
+              <a:defRPr kern="1200">
+                <a:solidFill>
+                  <a:schemeClr val="tx1"/>
+                </a:solidFill>
+                <a:latin typeface="Arial" charset="0"/>
+                <a:ea typeface="+mn-ea"/>
+                <a:cs typeface="+mn-cs"/>
+              </a:defRPr>
+            </a:lvl3pPr>
+            <a:lvl4pPr marL="1371600" algn="l" rtl="0" fontAlgn="base">
+              <a:spcBef>
+                <a:spcPct val="0"/>
+              </a:spcBef>
+              <a:spcAft>
+                <a:spcPct val="0"/>
+              </a:spcAft>
+              <a:defRPr kern="1200">
+                <a:solidFill>
+                  <a:schemeClr val="tx1"/>
+                </a:solidFill>
+                <a:latin typeface="Arial" charset="0"/>
+                <a:ea typeface="+mn-ea"/>
+                <a:cs typeface="+mn-cs"/>
+              </a:defRPr>
+            </a:lvl4pPr>
+            <a:lvl5pPr marL="1828800" algn="l" rtl="0" fontAlgn="base">
+              <a:spcBef>
+                <a:spcPct val="0"/>
+              </a:spcBef>
+              <a:spcAft>
+                <a:spcPct val="0"/>
+              </a:spcAft>
+              <a:defRPr kern="1200">
+                <a:solidFill>
+                  <a:schemeClr val="tx1"/>
+                </a:solidFill>
+                <a:latin typeface="Arial" charset="0"/>
+                <a:ea typeface="+mn-ea"/>
+                <a:cs typeface="+mn-cs"/>
+              </a:defRPr>
+            </a:lvl5pPr>
+            <a:lvl6pPr marL="2286000" algn="l" defTabSz="914400" rtl="0" eaLnBrk="1" latinLnBrk="0" hangingPunct="1">
+              <a:defRPr kern="1200">
+                <a:solidFill>
+                  <a:schemeClr val="tx1"/>
+                </a:solidFill>
+                <a:latin typeface="Arial" charset="0"/>
+                <a:ea typeface="+mn-ea"/>
+                <a:cs typeface="+mn-cs"/>
+              </a:defRPr>
+            </a:lvl6pPr>
+            <a:lvl7pPr marL="2743200" algn="l" defTabSz="914400" rtl="0" eaLnBrk="1" latinLnBrk="0" hangingPunct="1">
+              <a:defRPr kern="1200">
+                <a:solidFill>
+                  <a:schemeClr val="tx1"/>
+                </a:solidFill>
+                <a:latin typeface="Arial" charset="0"/>
+                <a:ea typeface="+mn-ea"/>
+                <a:cs typeface="+mn-cs"/>
+              </a:defRPr>
+            </a:lvl7pPr>
+            <a:lvl8pPr marL="3200400" algn="l" defTabSz="914400" rtl="0" eaLnBrk="1" latinLnBrk="0" hangingPunct="1">
+              <a:defRPr kern="1200">
+                <a:solidFill>
+                  <a:schemeClr val="tx1"/>
+                </a:solidFill>
+                <a:latin typeface="Arial" charset="0"/>
+                <a:ea typeface="+mn-ea"/>
+                <a:cs typeface="+mn-cs"/>
+              </a:defRPr>
+            </a:lvl8pPr>
+            <a:lvl9pPr marL="3657600" algn="l" defTabSz="914400" rtl="0" eaLnBrk="1" latinLnBrk="0" hangingPunct="1">
+              <a:defRPr kern="1200">
+                <a:solidFill>
+                  <a:schemeClr val="tx1"/>
+                </a:solidFill>
+                <a:latin typeface="Arial" charset="0"/>
+                <a:ea typeface="+mn-ea"/>
+                <a:cs typeface="+mn-cs"/>
+              </a:defRPr>
+            </a:lvl9pPr>
+          </a:lstStyle>
+          <a:p>
+            <a:r>
+              <a:rPr lang="en-US" b="1" dirty="0">
+                <a:solidFill>
+                  <a:schemeClr val="bg1">
+                    <a:lumMod val="50000"/>
+                  </a:schemeClr>
+                </a:solidFill>
+                <a:latin typeface="Consolas" pitchFamily="49" charset="0"/>
+                <a:cs typeface="Consolas" pitchFamily="49" charset="0"/>
+              </a:rPr>
+              <a:t>[</a:t>
+            </a:r>
+            <a:r>
+              <a:rPr lang="en-US" b="1" dirty="0" err="1">
+                <a:solidFill>
+                  <a:srgbClr val="00B0F0"/>
+                </a:solidFill>
+                <a:latin typeface="Consolas" pitchFamily="49" charset="0"/>
+                <a:cs typeface="Consolas" pitchFamily="49" charset="0"/>
+              </a:rPr>
+              <a:t>JsonFormatter</a:t>
+            </a:r>
+            <a:r>
+              <a:rPr lang="en-US" b="1" dirty="0">
+                <a:solidFill>
+                  <a:schemeClr val="bg1">
+                    <a:lumMod val="50000"/>
+                  </a:schemeClr>
+                </a:solidFill>
+                <a:latin typeface="Consolas" pitchFamily="49" charset="0"/>
+                <a:cs typeface="Consolas" pitchFamily="49" charset="0"/>
+              </a:rPr>
+              <a:t>, </a:t>
+            </a:r>
+            <a:r>
+              <a:rPr lang="en-US" b="1" dirty="0" err="1">
+                <a:solidFill>
+                  <a:srgbClr val="00B0F0"/>
+                </a:solidFill>
+                <a:latin typeface="Consolas" pitchFamily="49" charset="0"/>
+                <a:cs typeface="Consolas" pitchFamily="49" charset="0"/>
+              </a:rPr>
+              <a:t>ODataActionFilter</a:t>
+            </a:r>
+            <a:r>
+              <a:rPr lang="en-US" b="1" dirty="0">
+                <a:solidFill>
+                  <a:schemeClr val="bg1">
+                    <a:lumMod val="50000"/>
+                  </a:schemeClr>
+                </a:solidFill>
+                <a:latin typeface="Consolas" pitchFamily="49" charset="0"/>
+                <a:cs typeface="Consolas" pitchFamily="49" charset="0"/>
+              </a:rPr>
+              <a:t>]</a:t>
+            </a:r>
+          </a:p>
+          <a:p>
+            <a:r>
+              <a:rPr lang="en-US" b="1" dirty="0">
+                <a:solidFill>
+                  <a:srgbClr val="002060"/>
+                </a:solidFill>
+                <a:latin typeface="Consolas" pitchFamily="49" charset="0"/>
+                <a:cs typeface="Consolas" pitchFamily="49" charset="0"/>
+              </a:rPr>
+              <a:t>public class </a:t>
+            </a:r>
+            <a:r>
+              <a:rPr lang="en-US" b="1" dirty="0" err="1">
+                <a:solidFill>
+                  <a:srgbClr val="00B0F0"/>
+                </a:solidFill>
+                <a:latin typeface="Consolas" pitchFamily="49" charset="0"/>
+                <a:cs typeface="Consolas" pitchFamily="49" charset="0"/>
+              </a:rPr>
+              <a:t>BreezeController</a:t>
+            </a:r>
+            <a:r>
+              <a:rPr lang="en-US" b="1" dirty="0">
+                <a:solidFill>
+                  <a:srgbClr val="00B0F0"/>
+                </a:solidFill>
+                <a:latin typeface="Consolas" pitchFamily="49" charset="0"/>
+                <a:cs typeface="Consolas" pitchFamily="49" charset="0"/>
+              </a:rPr>
+              <a:t> </a:t>
+            </a:r>
+            <a:r>
+              <a:rPr lang="en-US" b="1" dirty="0">
+                <a:solidFill>
+                  <a:schemeClr val="bg1">
+                    <a:lumMod val="50000"/>
+                  </a:schemeClr>
+                </a:solidFill>
+                <a:latin typeface="Consolas" pitchFamily="49" charset="0"/>
+                <a:cs typeface="Consolas" pitchFamily="49" charset="0"/>
+              </a:rPr>
+              <a:t>: </a:t>
+            </a:r>
+            <a:r>
+              <a:rPr lang="en-US" b="1" dirty="0" err="1">
+                <a:solidFill>
+                  <a:srgbClr val="00B0F0"/>
+                </a:solidFill>
+                <a:latin typeface="Consolas" pitchFamily="49" charset="0"/>
+                <a:cs typeface="Consolas" pitchFamily="49" charset="0"/>
+              </a:rPr>
+              <a:t>ApiController</a:t>
+            </a:r>
+            <a:endParaRPr lang="en-US" b="1" dirty="0">
+              <a:solidFill>
+                <a:srgbClr val="00B0F0"/>
+              </a:solidFill>
+              <a:latin typeface="Consolas" pitchFamily="49" charset="0"/>
+              <a:cs typeface="Consolas" pitchFamily="49" charset="0"/>
+            </a:endParaRPr>
+          </a:p>
+          <a:p>
+            <a:r>
+              <a:rPr lang="en-US" b="1" dirty="0">
+                <a:solidFill>
+                  <a:schemeClr val="bg1">
+                    <a:lumMod val="50000"/>
+                  </a:schemeClr>
+                </a:solidFill>
+                <a:latin typeface="Consolas" pitchFamily="49" charset="0"/>
+                <a:cs typeface="Consolas" pitchFamily="49" charset="0"/>
+              </a:rPr>
+              <a:t>{</a:t>
+            </a:r>
+          </a:p>
+          <a:p>
+            <a:r>
+              <a:rPr lang="en-US" b="1" dirty="0">
+                <a:solidFill>
+                  <a:schemeClr val="bg1">
+                    <a:lumMod val="50000"/>
+                  </a:schemeClr>
+                </a:solidFill>
+                <a:latin typeface="Consolas" pitchFamily="49" charset="0"/>
+                <a:cs typeface="Consolas" pitchFamily="49" charset="0"/>
+              </a:rPr>
+              <a:t>    </a:t>
+            </a:r>
+            <a:r>
+              <a:rPr lang="en-US" b="1" dirty="0" err="1">
+                <a:solidFill>
+                  <a:srgbClr val="002060"/>
+                </a:solidFill>
+                <a:latin typeface="Consolas" pitchFamily="49" charset="0"/>
+                <a:cs typeface="Consolas" pitchFamily="49" charset="0"/>
+              </a:rPr>
+              <a:t>readonly</a:t>
+            </a:r>
+            <a:r>
+              <a:rPr lang="en-US" b="1" dirty="0">
+                <a:solidFill>
+                  <a:srgbClr val="002060"/>
+                </a:solidFill>
+                <a:latin typeface="Consolas" pitchFamily="49" charset="0"/>
+                <a:cs typeface="Consolas" pitchFamily="49" charset="0"/>
+              </a:rPr>
+              <a:t> </a:t>
+            </a:r>
+            <a:r>
+              <a:rPr lang="en-US" b="1" dirty="0" err="1">
+                <a:solidFill>
+                  <a:srgbClr val="00B0F0"/>
+                </a:solidFill>
+                <a:latin typeface="Consolas" pitchFamily="49" charset="0"/>
+                <a:cs typeface="Consolas" pitchFamily="49" charset="0"/>
+              </a:rPr>
+              <a:t>EFContextProvider</a:t>
+            </a:r>
+            <a:r>
+              <a:rPr lang="en-US" b="1" dirty="0">
+                <a:solidFill>
+                  <a:schemeClr val="bg1">
+                    <a:lumMod val="50000"/>
+                  </a:schemeClr>
+                </a:solidFill>
+                <a:latin typeface="Consolas" pitchFamily="49" charset="0"/>
+                <a:cs typeface="Consolas" pitchFamily="49" charset="0"/>
+              </a:rPr>
+              <a:t>&lt;</a:t>
+            </a:r>
+            <a:r>
+              <a:rPr lang="en-US" b="1" dirty="0" err="1">
+                <a:solidFill>
+                  <a:srgbClr val="00B0F0"/>
+                </a:solidFill>
+                <a:latin typeface="Consolas" pitchFamily="49" charset="0"/>
+                <a:cs typeface="Consolas" pitchFamily="49" charset="0"/>
+              </a:rPr>
+              <a:t>CodeCamperDbContext</a:t>
+            </a:r>
+            <a:r>
+              <a:rPr lang="en-US" b="1" dirty="0">
+                <a:solidFill>
+                  <a:schemeClr val="bg1">
+                    <a:lumMod val="50000"/>
+                  </a:schemeClr>
+                </a:solidFill>
+                <a:latin typeface="Consolas" pitchFamily="49" charset="0"/>
+                <a:cs typeface="Consolas" pitchFamily="49" charset="0"/>
+              </a:rPr>
+              <a:t>&gt; _</a:t>
+            </a:r>
+            <a:r>
+              <a:rPr lang="en-US" b="1" dirty="0" err="1">
+                <a:solidFill>
+                  <a:schemeClr val="bg1">
+                    <a:lumMod val="50000"/>
+                  </a:schemeClr>
+                </a:solidFill>
+                <a:latin typeface="Consolas" pitchFamily="49" charset="0"/>
+                <a:cs typeface="Consolas" pitchFamily="49" charset="0"/>
+              </a:rPr>
+              <a:t>contextProvider</a:t>
+            </a:r>
+            <a:r>
+              <a:rPr lang="en-US" b="1" dirty="0">
+                <a:solidFill>
+                  <a:schemeClr val="bg1">
+                    <a:lumMod val="50000"/>
+                  </a:schemeClr>
+                </a:solidFill>
+                <a:latin typeface="Consolas" pitchFamily="49" charset="0"/>
+                <a:cs typeface="Consolas" pitchFamily="49" charset="0"/>
+              </a:rPr>
+              <a:t> =</a:t>
+            </a:r>
+          </a:p>
+          <a:p>
+            <a:r>
+              <a:rPr lang="en-US" b="1" dirty="0">
+                <a:solidFill>
+                  <a:schemeClr val="bg1">
+                    <a:lumMod val="50000"/>
+                  </a:schemeClr>
+                </a:solidFill>
+                <a:latin typeface="Consolas" pitchFamily="49" charset="0"/>
+                <a:cs typeface="Consolas" pitchFamily="49" charset="0"/>
+              </a:rPr>
+              <a:t>        </a:t>
+            </a:r>
+            <a:r>
+              <a:rPr lang="en-US" b="1" dirty="0">
+                <a:solidFill>
+                  <a:srgbClr val="0070C0"/>
+                </a:solidFill>
+                <a:latin typeface="Consolas" pitchFamily="49" charset="0"/>
+                <a:cs typeface="Consolas" pitchFamily="49" charset="0"/>
+              </a:rPr>
+              <a:t>new</a:t>
+            </a:r>
+            <a:r>
+              <a:rPr lang="en-US" b="1" dirty="0">
+                <a:solidFill>
+                  <a:schemeClr val="bg1">
+                    <a:lumMod val="50000"/>
+                  </a:schemeClr>
+                </a:solidFill>
+                <a:latin typeface="Consolas" pitchFamily="49" charset="0"/>
+                <a:cs typeface="Consolas" pitchFamily="49" charset="0"/>
+              </a:rPr>
+              <a:t> </a:t>
+            </a:r>
+            <a:r>
+              <a:rPr lang="en-US" b="1" dirty="0" err="1">
+                <a:solidFill>
+                  <a:srgbClr val="00B0F0"/>
+                </a:solidFill>
+                <a:latin typeface="Consolas" pitchFamily="49" charset="0"/>
+                <a:cs typeface="Consolas" pitchFamily="49" charset="0"/>
+              </a:rPr>
+              <a:t>EFContextProvider</a:t>
+            </a:r>
+            <a:r>
+              <a:rPr lang="en-US" b="1" dirty="0">
+                <a:solidFill>
+                  <a:schemeClr val="bg1">
+                    <a:lumMod val="50000"/>
+                  </a:schemeClr>
+                </a:solidFill>
+                <a:latin typeface="Consolas" pitchFamily="49" charset="0"/>
+                <a:cs typeface="Consolas" pitchFamily="49" charset="0"/>
+              </a:rPr>
+              <a:t>&lt;</a:t>
+            </a:r>
+            <a:r>
+              <a:rPr lang="en-US" b="1" dirty="0" err="1">
+                <a:solidFill>
+                  <a:srgbClr val="00B0F0"/>
+                </a:solidFill>
+                <a:latin typeface="Consolas" pitchFamily="49" charset="0"/>
+                <a:cs typeface="Consolas" pitchFamily="49" charset="0"/>
+              </a:rPr>
+              <a:t>CodeCamperDbContext</a:t>
+            </a:r>
+            <a:r>
+              <a:rPr lang="en-US" b="1" dirty="0" smtClean="0">
+                <a:solidFill>
+                  <a:schemeClr val="bg1">
+                    <a:lumMod val="50000"/>
+                  </a:schemeClr>
+                </a:solidFill>
+                <a:latin typeface="Consolas" pitchFamily="49" charset="0"/>
+                <a:cs typeface="Consolas" pitchFamily="49" charset="0"/>
+              </a:rPr>
+              <a:t>&gt;();</a:t>
+            </a:r>
+            <a:endParaRPr lang="en-US" b="1" dirty="0">
+              <a:solidFill>
+                <a:schemeClr val="bg1">
+                  <a:lumMod val="50000"/>
+                </a:schemeClr>
+              </a:solidFill>
+              <a:latin typeface="Consolas" pitchFamily="49" charset="0"/>
+              <a:cs typeface="Consolas" pitchFamily="49" charset="0"/>
+            </a:endParaRPr>
+          </a:p>
+          <a:p>
+            <a:endParaRPr lang="en-US" b="1" dirty="0">
+              <a:solidFill>
+                <a:schemeClr val="tx1">
+                  <a:lumMod val="10000"/>
+                </a:schemeClr>
+              </a:solidFill>
+              <a:latin typeface="Consolas" pitchFamily="49" charset="0"/>
+              <a:cs typeface="Consolas" pitchFamily="49" charset="0"/>
+            </a:endParaRPr>
+          </a:p>
+          <a:p>
+            <a:r>
+              <a:rPr lang="en-US" b="1" dirty="0" smtClean="0">
+                <a:solidFill>
+                  <a:schemeClr val="tx1">
+                    <a:lumMod val="10000"/>
+                  </a:schemeClr>
+                </a:solidFill>
+                <a:latin typeface="Consolas" pitchFamily="49" charset="0"/>
+                <a:cs typeface="Consolas" pitchFamily="49" charset="0"/>
+              </a:rPr>
+              <a:t>[</a:t>
+            </a:r>
+            <a:r>
+              <a:rPr lang="en-US" b="1" dirty="0" err="1">
+                <a:solidFill>
+                  <a:srgbClr val="00B0F0"/>
+                </a:solidFill>
+                <a:latin typeface="Consolas" pitchFamily="49" charset="0"/>
+                <a:cs typeface="Consolas" pitchFamily="49" charset="0"/>
+              </a:rPr>
+              <a:t>HttpGet</a:t>
+            </a:r>
+            <a:r>
+              <a:rPr lang="en-US" b="1" dirty="0" smtClean="0">
+                <a:solidFill>
+                  <a:schemeClr val="tx1">
+                    <a:lumMod val="10000"/>
+                  </a:schemeClr>
+                </a:solidFill>
+                <a:latin typeface="Consolas" pitchFamily="49" charset="0"/>
+                <a:cs typeface="Consolas" pitchFamily="49" charset="0"/>
+              </a:rPr>
+              <a:t>]</a:t>
+            </a:r>
+            <a:endParaRPr lang="en-US" b="1" dirty="0">
+              <a:solidFill>
+                <a:schemeClr val="tx1">
+                  <a:lumMod val="10000"/>
+                </a:schemeClr>
+              </a:solidFill>
+              <a:latin typeface="Consolas" pitchFamily="49" charset="0"/>
+              <a:cs typeface="Consolas" pitchFamily="49" charset="0"/>
+            </a:endParaRPr>
+          </a:p>
+          <a:p>
+            <a:r>
+              <a:rPr lang="en-US" b="1" dirty="0">
+                <a:solidFill>
+                  <a:srgbClr val="002060"/>
+                </a:solidFill>
+                <a:latin typeface="Consolas" pitchFamily="49" charset="0"/>
+                <a:cs typeface="Consolas" pitchFamily="49" charset="0"/>
+              </a:rPr>
+              <a:t>public </a:t>
+            </a:r>
+            <a:r>
+              <a:rPr lang="en-US" b="1" dirty="0" err="1" smtClean="0">
+                <a:solidFill>
+                  <a:srgbClr val="00B0F0"/>
+                </a:solidFill>
+                <a:latin typeface="Consolas" pitchFamily="49" charset="0"/>
+                <a:cs typeface="Consolas" pitchFamily="49" charset="0"/>
+              </a:rPr>
+              <a:t>IQueryable</a:t>
+            </a:r>
+            <a:r>
+              <a:rPr lang="en-US" b="1" dirty="0" smtClean="0">
+                <a:solidFill>
+                  <a:schemeClr val="tx1">
+                    <a:lumMod val="10000"/>
+                  </a:schemeClr>
+                </a:solidFill>
+                <a:latin typeface="Consolas" pitchFamily="49" charset="0"/>
+                <a:cs typeface="Consolas" pitchFamily="49" charset="0"/>
+              </a:rPr>
+              <a:t>&lt;</a:t>
+            </a:r>
+            <a:r>
+              <a:rPr lang="en-US" b="1" dirty="0" smtClean="0">
+                <a:solidFill>
+                  <a:srgbClr val="00B0F0"/>
+                </a:solidFill>
+                <a:latin typeface="Consolas" pitchFamily="49" charset="0"/>
+                <a:cs typeface="Consolas" pitchFamily="49" charset="0"/>
+              </a:rPr>
+              <a:t>Session</a:t>
+            </a:r>
+            <a:r>
+              <a:rPr lang="en-US" b="1" dirty="0">
+                <a:solidFill>
+                  <a:schemeClr val="tx1">
+                    <a:lumMod val="10000"/>
+                  </a:schemeClr>
+                </a:solidFill>
+                <a:latin typeface="Consolas" pitchFamily="49" charset="0"/>
+                <a:cs typeface="Consolas" pitchFamily="49" charset="0"/>
+              </a:rPr>
+              <a:t>&gt; Sessions()</a:t>
+            </a:r>
+          </a:p>
+          <a:p>
+            <a:r>
+              <a:rPr lang="en-US" b="1" dirty="0">
+                <a:solidFill>
+                  <a:schemeClr val="tx1">
+                    <a:lumMod val="10000"/>
+                  </a:schemeClr>
+                </a:solidFill>
+                <a:latin typeface="Consolas" pitchFamily="49" charset="0"/>
+                <a:cs typeface="Consolas" pitchFamily="49" charset="0"/>
+              </a:rPr>
+              <a:t>{</a:t>
+            </a:r>
+          </a:p>
+          <a:p>
+            <a:r>
+              <a:rPr lang="en-US" b="1" dirty="0">
+                <a:solidFill>
+                  <a:schemeClr val="tx1">
+                    <a:lumMod val="10000"/>
+                  </a:schemeClr>
+                </a:solidFill>
+                <a:latin typeface="Consolas" pitchFamily="49" charset="0"/>
+                <a:cs typeface="Consolas" pitchFamily="49" charset="0"/>
+              </a:rPr>
+              <a:t> </a:t>
+            </a:r>
+            <a:r>
+              <a:rPr lang="en-US" b="1" dirty="0" smtClean="0">
+                <a:solidFill>
+                  <a:schemeClr val="tx1">
+                    <a:lumMod val="10000"/>
+                  </a:schemeClr>
+                </a:solidFill>
+                <a:latin typeface="Consolas" pitchFamily="49" charset="0"/>
+                <a:cs typeface="Consolas" pitchFamily="49" charset="0"/>
+              </a:rPr>
+              <a:t>    </a:t>
+            </a:r>
+            <a:r>
+              <a:rPr lang="en-US" b="1" dirty="0" smtClean="0">
+                <a:solidFill>
+                  <a:srgbClr val="002060"/>
+                </a:solidFill>
+                <a:latin typeface="Consolas" pitchFamily="49" charset="0"/>
+                <a:cs typeface="Consolas" pitchFamily="49" charset="0"/>
+              </a:rPr>
+              <a:t>return </a:t>
+            </a:r>
+            <a:r>
+              <a:rPr lang="en-US" b="1" dirty="0" smtClean="0">
+                <a:solidFill>
+                  <a:schemeClr val="tx1">
+                    <a:lumMod val="10000"/>
+                  </a:schemeClr>
+                </a:solidFill>
+                <a:latin typeface="Consolas" pitchFamily="49" charset="0"/>
+                <a:cs typeface="Consolas" pitchFamily="49" charset="0"/>
+              </a:rPr>
+              <a:t>_</a:t>
+            </a:r>
+            <a:r>
+              <a:rPr lang="en-US" b="1" dirty="0" err="1">
+                <a:solidFill>
+                  <a:schemeClr val="tx1">
+                    <a:lumMod val="10000"/>
+                  </a:schemeClr>
+                </a:solidFill>
+                <a:latin typeface="Consolas" pitchFamily="49" charset="0"/>
+                <a:cs typeface="Consolas" pitchFamily="49" charset="0"/>
+              </a:rPr>
+              <a:t>contextProvider.Context.Sessions</a:t>
+            </a:r>
+            <a:r>
+              <a:rPr lang="en-US" b="1" dirty="0">
+                <a:solidFill>
+                  <a:schemeClr val="tx1">
+                    <a:lumMod val="10000"/>
+                  </a:schemeClr>
+                </a:solidFill>
+                <a:latin typeface="Consolas" pitchFamily="49" charset="0"/>
+                <a:cs typeface="Consolas" pitchFamily="49" charset="0"/>
+              </a:rPr>
+              <a:t>;</a:t>
+            </a:r>
+          </a:p>
+          <a:p>
+            <a:r>
+              <a:rPr lang="en-US" b="1" dirty="0">
+                <a:solidFill>
+                  <a:schemeClr val="tx1">
+                    <a:lumMod val="10000"/>
+                  </a:schemeClr>
+                </a:solidFill>
+                <a:latin typeface="Consolas" pitchFamily="49" charset="0"/>
+                <a:cs typeface="Consolas" pitchFamily="49" charset="0"/>
+              </a:rPr>
+              <a:t>}</a:t>
+            </a:r>
+          </a:p>
+          <a:p>
+            <a:endParaRPr lang="en-US" b="1" dirty="0">
+              <a:solidFill>
+                <a:schemeClr val="tx1">
+                  <a:lumMod val="10000"/>
+                </a:schemeClr>
+              </a:solidFill>
+              <a:latin typeface="Consolas" pitchFamily="49" charset="0"/>
+              <a:cs typeface="Consolas" pitchFamily="49" charset="0"/>
+            </a:endParaRPr>
+          </a:p>
+          <a:p>
+            <a:r>
+              <a:rPr lang="en-US" b="1" dirty="0" smtClean="0">
+                <a:solidFill>
+                  <a:schemeClr val="tx1">
+                    <a:lumMod val="10000"/>
+                  </a:schemeClr>
+                </a:solidFill>
+                <a:latin typeface="Consolas" pitchFamily="49" charset="0"/>
+                <a:cs typeface="Consolas" pitchFamily="49" charset="0"/>
+              </a:rPr>
+              <a:t>[</a:t>
+            </a:r>
+            <a:r>
+              <a:rPr lang="en-US" b="1" dirty="0" err="1">
+                <a:solidFill>
+                  <a:srgbClr val="00B0F0"/>
+                </a:solidFill>
+                <a:latin typeface="Consolas" pitchFamily="49" charset="0"/>
+                <a:cs typeface="Consolas" pitchFamily="49" charset="0"/>
+              </a:rPr>
+              <a:t>HttpGet</a:t>
+            </a:r>
+            <a:r>
+              <a:rPr lang="en-US" b="1" dirty="0" smtClean="0">
+                <a:solidFill>
+                  <a:schemeClr val="tx1">
+                    <a:lumMod val="10000"/>
+                  </a:schemeClr>
+                </a:solidFill>
+                <a:latin typeface="Consolas" pitchFamily="49" charset="0"/>
+                <a:cs typeface="Consolas" pitchFamily="49" charset="0"/>
+              </a:rPr>
+              <a:t>]</a:t>
+            </a:r>
+            <a:endParaRPr lang="en-US" b="1" dirty="0">
+              <a:solidFill>
+                <a:schemeClr val="tx1">
+                  <a:lumMod val="10000"/>
+                </a:schemeClr>
+              </a:solidFill>
+              <a:latin typeface="Consolas" pitchFamily="49" charset="0"/>
+              <a:cs typeface="Consolas" pitchFamily="49" charset="0"/>
+            </a:endParaRPr>
+          </a:p>
+          <a:p>
+            <a:r>
+              <a:rPr lang="en-US" b="1" dirty="0">
+                <a:solidFill>
+                  <a:srgbClr val="002060"/>
+                </a:solidFill>
+                <a:latin typeface="Consolas" pitchFamily="49" charset="0"/>
+                <a:cs typeface="Consolas" pitchFamily="49" charset="0"/>
+              </a:rPr>
+              <a:t>public </a:t>
+            </a:r>
+            <a:r>
+              <a:rPr lang="en-US" b="1" dirty="0" err="1" smtClean="0">
+                <a:solidFill>
+                  <a:srgbClr val="00B0F0"/>
+                </a:solidFill>
+                <a:latin typeface="Consolas" pitchFamily="49" charset="0"/>
+                <a:cs typeface="Consolas" pitchFamily="49" charset="0"/>
+              </a:rPr>
+              <a:t>IQueryable</a:t>
+            </a:r>
+            <a:r>
+              <a:rPr lang="en-US" b="1" dirty="0" smtClean="0">
+                <a:solidFill>
+                  <a:schemeClr val="tx1">
+                    <a:lumMod val="10000"/>
+                  </a:schemeClr>
+                </a:solidFill>
+                <a:latin typeface="Consolas" pitchFamily="49" charset="0"/>
+                <a:cs typeface="Consolas" pitchFamily="49" charset="0"/>
+              </a:rPr>
+              <a:t>&lt;</a:t>
+            </a:r>
+            <a:r>
+              <a:rPr lang="en-US" b="1" dirty="0" smtClean="0">
+                <a:solidFill>
+                  <a:srgbClr val="00B0F0"/>
+                </a:solidFill>
+                <a:latin typeface="Consolas" pitchFamily="49" charset="0"/>
+                <a:cs typeface="Consolas" pitchFamily="49" charset="0"/>
+              </a:rPr>
+              <a:t>Person</a:t>
+            </a:r>
+            <a:r>
+              <a:rPr lang="en-US" b="1" dirty="0">
+                <a:solidFill>
+                  <a:schemeClr val="tx1">
+                    <a:lumMod val="10000"/>
+                  </a:schemeClr>
+                </a:solidFill>
+                <a:latin typeface="Consolas" pitchFamily="49" charset="0"/>
+                <a:cs typeface="Consolas" pitchFamily="49" charset="0"/>
+              </a:rPr>
+              <a:t>&gt; Speakers()</a:t>
+            </a:r>
+          </a:p>
+          <a:p>
+            <a:r>
+              <a:rPr lang="en-US" b="1" dirty="0">
+                <a:solidFill>
+                  <a:schemeClr val="tx1">
+                    <a:lumMod val="10000"/>
+                  </a:schemeClr>
+                </a:solidFill>
+                <a:latin typeface="Consolas" pitchFamily="49" charset="0"/>
+                <a:cs typeface="Consolas" pitchFamily="49" charset="0"/>
+              </a:rPr>
+              <a:t>{</a:t>
+            </a:r>
+          </a:p>
+          <a:p>
+            <a:r>
+              <a:rPr lang="en-US" b="1" dirty="0">
+                <a:solidFill>
+                  <a:schemeClr val="tx1">
+                    <a:lumMod val="10000"/>
+                  </a:schemeClr>
+                </a:solidFill>
+                <a:latin typeface="Consolas" pitchFamily="49" charset="0"/>
+                <a:cs typeface="Consolas" pitchFamily="49" charset="0"/>
+              </a:rPr>
+              <a:t> </a:t>
+            </a:r>
+            <a:r>
+              <a:rPr lang="en-US" b="1" dirty="0" smtClean="0">
+                <a:solidFill>
+                  <a:schemeClr val="tx1">
+                    <a:lumMod val="10000"/>
+                  </a:schemeClr>
+                </a:solidFill>
+                <a:latin typeface="Consolas" pitchFamily="49" charset="0"/>
+                <a:cs typeface="Consolas" pitchFamily="49" charset="0"/>
+              </a:rPr>
+              <a:t>    </a:t>
+            </a:r>
+            <a:r>
+              <a:rPr lang="en-US" b="1" dirty="0" smtClean="0">
+                <a:solidFill>
+                  <a:srgbClr val="002060"/>
+                </a:solidFill>
+                <a:latin typeface="Consolas" pitchFamily="49" charset="0"/>
+                <a:cs typeface="Consolas" pitchFamily="49" charset="0"/>
+              </a:rPr>
+              <a:t>return </a:t>
+            </a:r>
+            <a:r>
+              <a:rPr lang="en-US" b="1" dirty="0" smtClean="0">
+                <a:solidFill>
+                  <a:schemeClr val="tx1">
+                    <a:lumMod val="10000"/>
+                  </a:schemeClr>
+                </a:solidFill>
+                <a:latin typeface="Consolas" pitchFamily="49" charset="0"/>
+                <a:cs typeface="Consolas" pitchFamily="49" charset="0"/>
+              </a:rPr>
+              <a:t>_</a:t>
+            </a:r>
+            <a:r>
+              <a:rPr lang="en-US" b="1" dirty="0" err="1">
+                <a:solidFill>
+                  <a:schemeClr val="tx1">
+                    <a:lumMod val="10000"/>
+                  </a:schemeClr>
+                </a:solidFill>
+                <a:latin typeface="Consolas" pitchFamily="49" charset="0"/>
+                <a:cs typeface="Consolas" pitchFamily="49" charset="0"/>
+              </a:rPr>
+              <a:t>contextProvider.Context.Persons.Where</a:t>
+            </a:r>
+            <a:r>
+              <a:rPr lang="en-US" b="1" dirty="0">
+                <a:solidFill>
+                  <a:schemeClr val="tx1">
+                    <a:lumMod val="10000"/>
+                  </a:schemeClr>
+                </a:solidFill>
+                <a:latin typeface="Consolas" pitchFamily="49" charset="0"/>
+                <a:cs typeface="Consolas" pitchFamily="49" charset="0"/>
+              </a:rPr>
+              <a:t>(p =&gt; </a:t>
+            </a:r>
+            <a:r>
+              <a:rPr lang="en-US" b="1" dirty="0" err="1">
+                <a:solidFill>
+                  <a:schemeClr val="tx1">
+                    <a:lumMod val="10000"/>
+                  </a:schemeClr>
+                </a:solidFill>
+                <a:latin typeface="Consolas" pitchFamily="49" charset="0"/>
+                <a:cs typeface="Consolas" pitchFamily="49" charset="0"/>
+              </a:rPr>
+              <a:t>p.SpeakerSessions.Any</a:t>
+            </a:r>
+            <a:r>
+              <a:rPr lang="en-US" b="1" dirty="0">
+                <a:solidFill>
+                  <a:schemeClr val="tx1">
+                    <a:lumMod val="10000"/>
+                  </a:schemeClr>
+                </a:solidFill>
+                <a:latin typeface="Consolas" pitchFamily="49" charset="0"/>
+                <a:cs typeface="Consolas" pitchFamily="49" charset="0"/>
+              </a:rPr>
+              <a:t>());</a:t>
+            </a:r>
+          </a:p>
+          <a:p>
+            <a:r>
+              <a:rPr lang="en-US" b="1" dirty="0">
+                <a:solidFill>
+                  <a:schemeClr val="tx1">
+                    <a:lumMod val="10000"/>
+                  </a:schemeClr>
+                </a:solidFill>
+                <a:latin typeface="Consolas" pitchFamily="49" charset="0"/>
+                <a:cs typeface="Consolas" pitchFamily="49" charset="0"/>
+              </a:rPr>
+              <a:t>}</a:t>
+            </a:r>
+          </a:p>
+          <a:p>
+            <a:r>
+              <a:rPr lang="en-US" b="1" dirty="0">
+                <a:solidFill>
+                  <a:schemeClr val="bg1">
+                    <a:lumMod val="50000"/>
+                  </a:schemeClr>
+                </a:solidFill>
+                <a:latin typeface="Consolas" pitchFamily="49" charset="0"/>
+                <a:cs typeface="Consolas" pitchFamily="49" charset="0"/>
+              </a:rPr>
+              <a:t>    </a:t>
+            </a:r>
+            <a:r>
+              <a:rPr lang="en-US" b="1" dirty="0" smtClean="0">
+                <a:solidFill>
+                  <a:schemeClr val="bg1">
+                    <a:lumMod val="50000"/>
+                  </a:schemeClr>
+                </a:solidFill>
+                <a:latin typeface="Consolas" pitchFamily="49" charset="0"/>
+                <a:cs typeface="Consolas" pitchFamily="49" charset="0"/>
+              </a:rPr>
+              <a:t>...</a:t>
+            </a:r>
+            <a:endParaRPr lang="en-US" b="1" dirty="0">
+              <a:solidFill>
+                <a:schemeClr val="bg1">
+                  <a:lumMod val="50000"/>
+                </a:schemeClr>
+              </a:solidFill>
+              <a:latin typeface="Consolas" pitchFamily="49" charset="0"/>
+              <a:cs typeface="Consolas" pitchFamily="49" charset="0"/>
+            </a:endParaRPr>
+          </a:p>
+        </p:txBody>
+      </p:sp>
+      <p:sp>
+        <p:nvSpPr>
+          <p:cNvPr id="7" name="TextBox 6"/>
+          <p:cNvSpPr txBox="1"/>
+          <p:nvPr/>
+        </p:nvSpPr>
+        <p:spPr>
+          <a:xfrm>
+            <a:off x="6477000" y="400050"/>
+            <a:ext cx="2667000" cy="523220"/>
+          </a:xfrm>
+          <a:prstGeom prst="rect">
+            <a:avLst/>
+          </a:prstGeom>
+          <a:noFill/>
+        </p:spPr>
+        <p:txBody>
+          <a:bodyPr wrap="square" rtlCol="0">
+            <a:spAutoFit/>
+          </a:bodyPr>
+          <a:lstStyle/>
+          <a:p>
+            <a:pPr algn="r"/>
+            <a:r>
+              <a:rPr lang="en-US" sz="2800" dirty="0" smtClean="0">
+                <a:solidFill>
+                  <a:srgbClr val="FFC000"/>
+                </a:solidFill>
+              </a:rPr>
+              <a:t>Query Methods</a:t>
+            </a:r>
+            <a:endParaRPr lang="en-US" sz="2800" dirty="0">
+              <a:solidFill>
+                <a:srgbClr val="FFC000"/>
+              </a:solidFill>
+            </a:endParaRPr>
+          </a:p>
+        </p:txBody>
+      </p:sp>
+    </p:spTree>
+    <p:extLst>
+      <p:ext uri="{BB962C8B-B14F-4D97-AF65-F5344CB8AC3E}">
+        <p14:creationId xmlns:p14="http://schemas.microsoft.com/office/powerpoint/2010/main" val="1697017254"/>
+      </p:ext>
+    </p:extLst>
+  </p:cSld>
+  <p:clrMapOvr>
+    <a:masterClrMapping/>
+  </p:clrMapOvr>
+  <mc:AlternateContent xmlns:mc="http://schemas.openxmlformats.org/markup-compatibility/2006">
+    <mc:Choice xmlns:p14="http://schemas.microsoft.com/office/powerpoint/2010/main" Requires="p14">
+      <p:transition spd="slow" p14:dur="2000"/>
+    </mc:Choice>
+    <mc:Fallback>
+      <p:transition spd="slow"/>
+    </mc:Fallback>
+  </mc:AlternateContent>
+  <p:timing>
+    <p:tnLst>
+      <p:par>
+        <p:cTn id="1" dur="indefinite" restart="never" nodeType="tmRoot">
+          <p:childTnLst>
+            <p:seq concurrent="1" nextAc="seek">
+              <p:cTn id="2" dur="indefinite" nodeType="mainSeq">
+                <p:childTnLst>
+                  <p:par>
+                    <p:cTn id="3" fill="hold">
+                      <p:stCondLst>
+                        <p:cond delay="indefinite"/>
+                      </p:stCondLst>
+                      <p:childTnLst>
+                        <p:par>
+                          <p:cTn id="4" fill="hold">
+                            <p:stCondLst>
+                              <p:cond delay="0"/>
+                            </p:stCondLst>
+                            <p:childTnLst>
+                              <p:par>
+                                <p:cTn id="5" presetID="10" presetClass="entr" presetSubtype="0" fill="hold" nodeType="clickEffect">
+                                  <p:stCondLst>
+                                    <p:cond delay="0"/>
+                                  </p:stCondLst>
+                                  <p:childTnLst>
+                                    <p:set>
+                                      <p:cBhvr>
+                                        <p:cTn id="6" dur="1" fill="hold">
+                                          <p:stCondLst>
+                                            <p:cond delay="0"/>
+                                          </p:stCondLst>
+                                        </p:cTn>
+                                        <p:tgtEl>
+                                          <p:spTgt spid="5">
+                                            <p:txEl>
+                                              <p:pRg st="0" end="0"/>
+                                            </p:txEl>
+                                          </p:spTgt>
+                                        </p:tgtEl>
+                                        <p:attrNameLst>
+                                          <p:attrName>style.visibility</p:attrName>
+                                        </p:attrNameLst>
+                                      </p:cBhvr>
+                                      <p:to>
+                                        <p:strVal val="visible"/>
+                                      </p:to>
+                                    </p:set>
+                                    <p:animEffect transition="in" filter="fade">
+                                      <p:cBhvr>
+                                        <p:cTn id="7" dur="500"/>
+                                        <p:tgtEl>
+                                          <p:spTgt spid="5">
+                                            <p:txEl>
+                                              <p:pRg st="0" end="0"/>
+                                            </p:txEl>
+                                          </p:spTgt>
+                                        </p:tgtEl>
+                                      </p:cBhvr>
+                                    </p:animEffect>
+                                  </p:childTnLst>
+                                </p:cTn>
+                              </p:par>
+                              <p:par>
+                                <p:cTn id="8" presetID="10" presetClass="entr" presetSubtype="0" fill="hold" nodeType="withEffect">
+                                  <p:stCondLst>
+                                    <p:cond delay="0"/>
+                                  </p:stCondLst>
+                                  <p:childTnLst>
+                                    <p:set>
+                                      <p:cBhvr>
+                                        <p:cTn id="9" dur="1" fill="hold">
+                                          <p:stCondLst>
+                                            <p:cond delay="0"/>
+                                          </p:stCondLst>
+                                        </p:cTn>
+                                        <p:tgtEl>
+                                          <p:spTgt spid="5">
+                                            <p:txEl>
+                                              <p:pRg st="1" end="1"/>
+                                            </p:txEl>
+                                          </p:spTgt>
+                                        </p:tgtEl>
+                                        <p:attrNameLst>
+                                          <p:attrName>style.visibility</p:attrName>
+                                        </p:attrNameLst>
+                                      </p:cBhvr>
+                                      <p:to>
+                                        <p:strVal val="visible"/>
+                                      </p:to>
+                                    </p:set>
+                                    <p:animEffect transition="in" filter="fade">
+                                      <p:cBhvr>
+                                        <p:cTn id="10" dur="500"/>
+                                        <p:tgtEl>
+                                          <p:spTgt spid="5">
+                                            <p:txEl>
+                                              <p:pRg st="1" end="1"/>
+                                            </p:txEl>
+                                          </p:spTgt>
+                                        </p:tgtEl>
+                                      </p:cBhvr>
+                                    </p:animEffect>
+                                  </p:childTnLst>
+                                </p:cTn>
+                              </p:par>
+                              <p:par>
+                                <p:cTn id="11" presetID="10" presetClass="entr" presetSubtype="0" fill="hold" nodeType="withEffect">
+                                  <p:stCondLst>
+                                    <p:cond delay="0"/>
+                                  </p:stCondLst>
+                                  <p:childTnLst>
+                                    <p:set>
+                                      <p:cBhvr>
+                                        <p:cTn id="12" dur="1" fill="hold">
+                                          <p:stCondLst>
+                                            <p:cond delay="0"/>
+                                          </p:stCondLst>
+                                        </p:cTn>
+                                        <p:tgtEl>
+                                          <p:spTgt spid="5">
+                                            <p:txEl>
+                                              <p:pRg st="2" end="2"/>
+                                            </p:txEl>
+                                          </p:spTgt>
+                                        </p:tgtEl>
+                                        <p:attrNameLst>
+                                          <p:attrName>style.visibility</p:attrName>
+                                        </p:attrNameLst>
+                                      </p:cBhvr>
+                                      <p:to>
+                                        <p:strVal val="visible"/>
+                                      </p:to>
+                                    </p:set>
+                                    <p:animEffect transition="in" filter="fade">
+                                      <p:cBhvr>
+                                        <p:cTn id="13" dur="500"/>
+                                        <p:tgtEl>
+                                          <p:spTgt spid="5">
+                                            <p:txEl>
+                                              <p:pRg st="2" end="2"/>
+                                            </p:txEl>
+                                          </p:spTgt>
+                                        </p:tgtEl>
+                                      </p:cBhvr>
+                                    </p:animEffect>
+                                  </p:childTnLst>
+                                </p:cTn>
+                              </p:par>
+                              <p:par>
+                                <p:cTn id="14" presetID="10" presetClass="entr" presetSubtype="0" fill="hold" nodeType="withEffect">
+                                  <p:stCondLst>
+                                    <p:cond delay="0"/>
+                                  </p:stCondLst>
+                                  <p:childTnLst>
+                                    <p:set>
+                                      <p:cBhvr>
+                                        <p:cTn id="15" dur="1" fill="hold">
+                                          <p:stCondLst>
+                                            <p:cond delay="0"/>
+                                          </p:stCondLst>
+                                        </p:cTn>
+                                        <p:tgtEl>
+                                          <p:spTgt spid="5">
+                                            <p:txEl>
+                                              <p:pRg st="16" end="16"/>
+                                            </p:txEl>
+                                          </p:spTgt>
+                                        </p:tgtEl>
+                                        <p:attrNameLst>
+                                          <p:attrName>style.visibility</p:attrName>
+                                        </p:attrNameLst>
+                                      </p:cBhvr>
+                                      <p:to>
+                                        <p:strVal val="visible"/>
+                                      </p:to>
+                                    </p:set>
+                                    <p:animEffect transition="in" filter="fade">
+                                      <p:cBhvr>
+                                        <p:cTn id="16" dur="500"/>
+                                        <p:tgtEl>
+                                          <p:spTgt spid="5">
+                                            <p:txEl>
+                                              <p:pRg st="16" end="16"/>
+                                            </p:txEl>
+                                          </p:spTgt>
+                                        </p:tgtEl>
+                                      </p:cBhvr>
+                                    </p:animEffect>
+                                  </p:childTnLst>
+                                </p:cTn>
+                              </p:par>
+                              <p:par>
+                                <p:cTn id="17" presetID="10" presetClass="entr" presetSubtype="0" fill="hold" nodeType="withEffect">
+                                  <p:stCondLst>
+                                    <p:cond delay="0"/>
+                                  </p:stCondLst>
+                                  <p:childTnLst>
+                                    <p:set>
+                                      <p:cBhvr>
+                                        <p:cTn id="18" dur="1" fill="hold">
+                                          <p:stCondLst>
+                                            <p:cond delay="0"/>
+                                          </p:stCondLst>
+                                        </p:cTn>
+                                        <p:tgtEl>
+                                          <p:spTgt spid="5">
+                                            <p:txEl>
+                                              <p:pRg st="17" end="17"/>
+                                            </p:txEl>
+                                          </p:spTgt>
+                                        </p:tgtEl>
+                                        <p:attrNameLst>
+                                          <p:attrName>style.visibility</p:attrName>
+                                        </p:attrNameLst>
+                                      </p:cBhvr>
+                                      <p:to>
+                                        <p:strVal val="visible"/>
+                                      </p:to>
+                                    </p:set>
+                                    <p:animEffect transition="in" filter="fade">
+                                      <p:cBhvr>
+                                        <p:cTn id="19" dur="500"/>
+                                        <p:tgtEl>
+                                          <p:spTgt spid="5">
+                                            <p:txEl>
+                                              <p:pRg st="17" end="17"/>
+                                            </p:txEl>
+                                          </p:spTgt>
+                                        </p:tgtEl>
+                                      </p:cBhvr>
+                                    </p:animEffect>
+                                  </p:childTnLst>
+                                </p:cTn>
+                              </p:par>
+                            </p:childTnLst>
+                          </p:cTn>
+                        </p:par>
+                      </p:childTnLst>
+                    </p:cTn>
+                  </p:par>
+                  <p:par>
+                    <p:cTn id="20" fill="hold">
+                      <p:stCondLst>
+                        <p:cond delay="indefinite"/>
+                      </p:stCondLst>
+                      <p:childTnLst>
+                        <p:par>
+                          <p:cTn id="21" fill="hold">
+                            <p:stCondLst>
+                              <p:cond delay="0"/>
+                            </p:stCondLst>
+                            <p:childTnLst>
+                              <p:par>
+                                <p:cTn id="22" presetID="10" presetClass="entr" presetSubtype="0" fill="hold" nodeType="clickEffect">
+                                  <p:stCondLst>
+                                    <p:cond delay="0"/>
+                                  </p:stCondLst>
+                                  <p:childTnLst>
+                                    <p:set>
+                                      <p:cBhvr>
+                                        <p:cTn id="23" dur="1" fill="hold">
+                                          <p:stCondLst>
+                                            <p:cond delay="0"/>
+                                          </p:stCondLst>
+                                        </p:cTn>
+                                        <p:tgtEl>
+                                          <p:spTgt spid="5">
+                                            <p:txEl>
+                                              <p:pRg st="3" end="3"/>
+                                            </p:txEl>
+                                          </p:spTgt>
+                                        </p:tgtEl>
+                                        <p:attrNameLst>
+                                          <p:attrName>style.visibility</p:attrName>
+                                        </p:attrNameLst>
+                                      </p:cBhvr>
+                                      <p:to>
+                                        <p:strVal val="visible"/>
+                                      </p:to>
+                                    </p:set>
+                                    <p:animEffect transition="in" filter="fade">
+                                      <p:cBhvr>
+                                        <p:cTn id="24" dur="500"/>
+                                        <p:tgtEl>
+                                          <p:spTgt spid="5">
+                                            <p:txEl>
+                                              <p:pRg st="3" end="3"/>
+                                            </p:txEl>
+                                          </p:spTgt>
+                                        </p:tgtEl>
+                                      </p:cBhvr>
+                                    </p:animEffect>
+                                  </p:childTnLst>
+                                </p:cTn>
+                              </p:par>
+                              <p:par>
+                                <p:cTn id="25" presetID="10" presetClass="entr" presetSubtype="0" fill="hold" nodeType="withEffect">
+                                  <p:stCondLst>
+                                    <p:cond delay="0"/>
+                                  </p:stCondLst>
+                                  <p:childTnLst>
+                                    <p:set>
+                                      <p:cBhvr>
+                                        <p:cTn id="26" dur="1" fill="hold">
+                                          <p:stCondLst>
+                                            <p:cond delay="0"/>
+                                          </p:stCondLst>
+                                        </p:cTn>
+                                        <p:tgtEl>
+                                          <p:spTgt spid="5">
+                                            <p:txEl>
+                                              <p:pRg st="4" end="4"/>
+                                            </p:txEl>
+                                          </p:spTgt>
+                                        </p:tgtEl>
+                                        <p:attrNameLst>
+                                          <p:attrName>style.visibility</p:attrName>
+                                        </p:attrNameLst>
+                                      </p:cBhvr>
+                                      <p:to>
+                                        <p:strVal val="visible"/>
+                                      </p:to>
+                                    </p:set>
+                                    <p:animEffect transition="in" filter="fade">
+                                      <p:cBhvr>
+                                        <p:cTn id="27" dur="500"/>
+                                        <p:tgtEl>
+                                          <p:spTgt spid="5">
+                                            <p:txEl>
+                                              <p:pRg st="4" end="4"/>
+                                            </p:txEl>
+                                          </p:spTgt>
+                                        </p:tgtEl>
+                                      </p:cBhvr>
+                                    </p:animEffect>
+                                  </p:childTnLst>
+                                </p:cTn>
+                              </p:par>
+                            </p:childTnLst>
+                          </p:cTn>
+                        </p:par>
+                      </p:childTnLst>
+                    </p:cTn>
+                  </p:par>
+                  <p:par>
+                    <p:cTn id="28" fill="hold">
+                      <p:stCondLst>
+                        <p:cond delay="indefinite"/>
+                      </p:stCondLst>
+                      <p:childTnLst>
+                        <p:par>
+                          <p:cTn id="29" fill="hold">
+                            <p:stCondLst>
+                              <p:cond delay="0"/>
+                            </p:stCondLst>
+                            <p:childTnLst>
+                              <p:par>
+                                <p:cTn id="30" presetID="10" presetClass="entr" presetSubtype="0" fill="hold" nodeType="clickEffect">
+                                  <p:stCondLst>
+                                    <p:cond delay="0"/>
+                                  </p:stCondLst>
+                                  <p:childTnLst>
+                                    <p:set>
+                                      <p:cBhvr>
+                                        <p:cTn id="31" dur="1" fill="hold">
+                                          <p:stCondLst>
+                                            <p:cond delay="0"/>
+                                          </p:stCondLst>
+                                        </p:cTn>
+                                        <p:tgtEl>
+                                          <p:spTgt spid="5">
+                                            <p:txEl>
+                                              <p:pRg st="6" end="6"/>
+                                            </p:txEl>
+                                          </p:spTgt>
+                                        </p:tgtEl>
+                                        <p:attrNameLst>
+                                          <p:attrName>style.visibility</p:attrName>
+                                        </p:attrNameLst>
+                                      </p:cBhvr>
+                                      <p:to>
+                                        <p:strVal val="visible"/>
+                                      </p:to>
+                                    </p:set>
+                                    <p:animEffect transition="in" filter="fade">
+                                      <p:cBhvr>
+                                        <p:cTn id="32" dur="500"/>
+                                        <p:tgtEl>
+                                          <p:spTgt spid="5">
+                                            <p:txEl>
+                                              <p:pRg st="6" end="6"/>
+                                            </p:txEl>
+                                          </p:spTgt>
+                                        </p:tgtEl>
+                                      </p:cBhvr>
+                                    </p:animEffect>
+                                  </p:childTnLst>
+                                </p:cTn>
+                              </p:par>
+                              <p:par>
+                                <p:cTn id="33" presetID="10" presetClass="entr" presetSubtype="0" fill="hold" nodeType="withEffect">
+                                  <p:stCondLst>
+                                    <p:cond delay="0"/>
+                                  </p:stCondLst>
+                                  <p:childTnLst>
+                                    <p:set>
+                                      <p:cBhvr>
+                                        <p:cTn id="34" dur="1" fill="hold">
+                                          <p:stCondLst>
+                                            <p:cond delay="0"/>
+                                          </p:stCondLst>
+                                        </p:cTn>
+                                        <p:tgtEl>
+                                          <p:spTgt spid="5">
+                                            <p:txEl>
+                                              <p:pRg st="7" end="7"/>
+                                            </p:txEl>
+                                          </p:spTgt>
+                                        </p:tgtEl>
+                                        <p:attrNameLst>
+                                          <p:attrName>style.visibility</p:attrName>
+                                        </p:attrNameLst>
+                                      </p:cBhvr>
+                                      <p:to>
+                                        <p:strVal val="visible"/>
+                                      </p:to>
+                                    </p:set>
+                                    <p:animEffect transition="in" filter="fade">
+                                      <p:cBhvr>
+                                        <p:cTn id="35" dur="500"/>
+                                        <p:tgtEl>
+                                          <p:spTgt spid="5">
+                                            <p:txEl>
+                                              <p:pRg st="7" end="7"/>
+                                            </p:txEl>
+                                          </p:spTgt>
+                                        </p:tgtEl>
+                                      </p:cBhvr>
+                                    </p:animEffect>
+                                  </p:childTnLst>
+                                </p:cTn>
+                              </p:par>
+                              <p:par>
+                                <p:cTn id="36" presetID="10" presetClass="entr" presetSubtype="0" fill="hold" nodeType="withEffect">
+                                  <p:stCondLst>
+                                    <p:cond delay="0"/>
+                                  </p:stCondLst>
+                                  <p:childTnLst>
+                                    <p:set>
+                                      <p:cBhvr>
+                                        <p:cTn id="37" dur="1" fill="hold">
+                                          <p:stCondLst>
+                                            <p:cond delay="0"/>
+                                          </p:stCondLst>
+                                        </p:cTn>
+                                        <p:tgtEl>
+                                          <p:spTgt spid="5">
+                                            <p:txEl>
+                                              <p:pRg st="8" end="8"/>
+                                            </p:txEl>
+                                          </p:spTgt>
+                                        </p:tgtEl>
+                                        <p:attrNameLst>
+                                          <p:attrName>style.visibility</p:attrName>
+                                        </p:attrNameLst>
+                                      </p:cBhvr>
+                                      <p:to>
+                                        <p:strVal val="visible"/>
+                                      </p:to>
+                                    </p:set>
+                                    <p:animEffect transition="in" filter="fade">
+                                      <p:cBhvr>
+                                        <p:cTn id="38" dur="500"/>
+                                        <p:tgtEl>
+                                          <p:spTgt spid="5">
+                                            <p:txEl>
+                                              <p:pRg st="8" end="8"/>
+                                            </p:txEl>
+                                          </p:spTgt>
+                                        </p:tgtEl>
+                                      </p:cBhvr>
+                                    </p:animEffect>
+                                  </p:childTnLst>
+                                </p:cTn>
+                              </p:par>
+                              <p:par>
+                                <p:cTn id="39" presetID="10" presetClass="entr" presetSubtype="0" fill="hold" nodeType="withEffect">
+                                  <p:stCondLst>
+                                    <p:cond delay="0"/>
+                                  </p:stCondLst>
+                                  <p:childTnLst>
+                                    <p:set>
+                                      <p:cBhvr>
+                                        <p:cTn id="40" dur="1" fill="hold">
+                                          <p:stCondLst>
+                                            <p:cond delay="0"/>
+                                          </p:stCondLst>
+                                        </p:cTn>
+                                        <p:tgtEl>
+                                          <p:spTgt spid="5">
+                                            <p:txEl>
+                                              <p:pRg st="9" end="9"/>
+                                            </p:txEl>
+                                          </p:spTgt>
+                                        </p:tgtEl>
+                                        <p:attrNameLst>
+                                          <p:attrName>style.visibility</p:attrName>
+                                        </p:attrNameLst>
+                                      </p:cBhvr>
+                                      <p:to>
+                                        <p:strVal val="visible"/>
+                                      </p:to>
+                                    </p:set>
+                                    <p:animEffect transition="in" filter="fade">
+                                      <p:cBhvr>
+                                        <p:cTn id="41" dur="500"/>
+                                        <p:tgtEl>
+                                          <p:spTgt spid="5">
+                                            <p:txEl>
+                                              <p:pRg st="9" end="9"/>
+                                            </p:txEl>
+                                          </p:spTgt>
+                                        </p:tgtEl>
+                                      </p:cBhvr>
+                                    </p:animEffect>
+                                  </p:childTnLst>
+                                </p:cTn>
+                              </p:par>
+                              <p:par>
+                                <p:cTn id="42" presetID="10" presetClass="entr" presetSubtype="0" fill="hold" nodeType="withEffect">
+                                  <p:stCondLst>
+                                    <p:cond delay="0"/>
+                                  </p:stCondLst>
+                                  <p:childTnLst>
+                                    <p:set>
+                                      <p:cBhvr>
+                                        <p:cTn id="43" dur="1" fill="hold">
+                                          <p:stCondLst>
+                                            <p:cond delay="0"/>
+                                          </p:stCondLst>
+                                        </p:cTn>
+                                        <p:tgtEl>
+                                          <p:spTgt spid="5">
+                                            <p:txEl>
+                                              <p:pRg st="10" end="10"/>
+                                            </p:txEl>
+                                          </p:spTgt>
+                                        </p:tgtEl>
+                                        <p:attrNameLst>
+                                          <p:attrName>style.visibility</p:attrName>
+                                        </p:attrNameLst>
+                                      </p:cBhvr>
+                                      <p:to>
+                                        <p:strVal val="visible"/>
+                                      </p:to>
+                                    </p:set>
+                                    <p:animEffect transition="in" filter="fade">
+                                      <p:cBhvr>
+                                        <p:cTn id="44" dur="500"/>
+                                        <p:tgtEl>
+                                          <p:spTgt spid="5">
+                                            <p:txEl>
+                                              <p:pRg st="10" end="10"/>
+                                            </p:txEl>
+                                          </p:spTgt>
+                                        </p:tgtEl>
+                                      </p:cBhvr>
+                                    </p:animEffect>
+                                  </p:childTnLst>
+                                </p:cTn>
+                              </p:par>
+                            </p:childTnLst>
+                          </p:cTn>
+                        </p:par>
+                      </p:childTnLst>
+                    </p:cTn>
+                  </p:par>
+                  <p:par>
+                    <p:cTn id="45" fill="hold">
+                      <p:stCondLst>
+                        <p:cond delay="indefinite"/>
+                      </p:stCondLst>
+                      <p:childTnLst>
+                        <p:par>
+                          <p:cTn id="46" fill="hold">
+                            <p:stCondLst>
+                              <p:cond delay="0"/>
+                            </p:stCondLst>
+                            <p:childTnLst>
+                              <p:par>
+                                <p:cTn id="47" presetID="10" presetClass="entr" presetSubtype="0" fill="hold" nodeType="clickEffect">
+                                  <p:stCondLst>
+                                    <p:cond delay="0"/>
+                                  </p:stCondLst>
+                                  <p:childTnLst>
+                                    <p:set>
+                                      <p:cBhvr>
+                                        <p:cTn id="48" dur="1" fill="hold">
+                                          <p:stCondLst>
+                                            <p:cond delay="0"/>
+                                          </p:stCondLst>
+                                        </p:cTn>
+                                        <p:tgtEl>
+                                          <p:spTgt spid="5">
+                                            <p:txEl>
+                                              <p:pRg st="12" end="12"/>
+                                            </p:txEl>
+                                          </p:spTgt>
+                                        </p:tgtEl>
+                                        <p:attrNameLst>
+                                          <p:attrName>style.visibility</p:attrName>
+                                        </p:attrNameLst>
+                                      </p:cBhvr>
+                                      <p:to>
+                                        <p:strVal val="visible"/>
+                                      </p:to>
+                                    </p:set>
+                                    <p:animEffect transition="in" filter="fade">
+                                      <p:cBhvr>
+                                        <p:cTn id="49" dur="500"/>
+                                        <p:tgtEl>
+                                          <p:spTgt spid="5">
+                                            <p:txEl>
+                                              <p:pRg st="12" end="12"/>
+                                            </p:txEl>
+                                          </p:spTgt>
+                                        </p:tgtEl>
+                                      </p:cBhvr>
+                                    </p:animEffect>
+                                  </p:childTnLst>
+                                </p:cTn>
+                              </p:par>
+                              <p:par>
+                                <p:cTn id="50" presetID="10" presetClass="entr" presetSubtype="0" fill="hold" nodeType="withEffect">
+                                  <p:stCondLst>
+                                    <p:cond delay="0"/>
+                                  </p:stCondLst>
+                                  <p:childTnLst>
+                                    <p:set>
+                                      <p:cBhvr>
+                                        <p:cTn id="51" dur="1" fill="hold">
+                                          <p:stCondLst>
+                                            <p:cond delay="0"/>
+                                          </p:stCondLst>
+                                        </p:cTn>
+                                        <p:tgtEl>
+                                          <p:spTgt spid="5">
+                                            <p:txEl>
+                                              <p:pRg st="13" end="13"/>
+                                            </p:txEl>
+                                          </p:spTgt>
+                                        </p:tgtEl>
+                                        <p:attrNameLst>
+                                          <p:attrName>style.visibility</p:attrName>
+                                        </p:attrNameLst>
+                                      </p:cBhvr>
+                                      <p:to>
+                                        <p:strVal val="visible"/>
+                                      </p:to>
+                                    </p:set>
+                                    <p:animEffect transition="in" filter="fade">
+                                      <p:cBhvr>
+                                        <p:cTn id="52" dur="500"/>
+                                        <p:tgtEl>
+                                          <p:spTgt spid="5">
+                                            <p:txEl>
+                                              <p:pRg st="13" end="13"/>
+                                            </p:txEl>
+                                          </p:spTgt>
+                                        </p:tgtEl>
+                                      </p:cBhvr>
+                                    </p:animEffect>
+                                  </p:childTnLst>
+                                </p:cTn>
+                              </p:par>
+                              <p:par>
+                                <p:cTn id="53" presetID="10" presetClass="entr" presetSubtype="0" fill="hold" nodeType="withEffect">
+                                  <p:stCondLst>
+                                    <p:cond delay="0"/>
+                                  </p:stCondLst>
+                                  <p:childTnLst>
+                                    <p:set>
+                                      <p:cBhvr>
+                                        <p:cTn id="54" dur="1" fill="hold">
+                                          <p:stCondLst>
+                                            <p:cond delay="0"/>
+                                          </p:stCondLst>
+                                        </p:cTn>
+                                        <p:tgtEl>
+                                          <p:spTgt spid="5">
+                                            <p:txEl>
+                                              <p:pRg st="14" end="14"/>
+                                            </p:txEl>
+                                          </p:spTgt>
+                                        </p:tgtEl>
+                                        <p:attrNameLst>
+                                          <p:attrName>style.visibility</p:attrName>
+                                        </p:attrNameLst>
+                                      </p:cBhvr>
+                                      <p:to>
+                                        <p:strVal val="visible"/>
+                                      </p:to>
+                                    </p:set>
+                                    <p:animEffect transition="in" filter="fade">
+                                      <p:cBhvr>
+                                        <p:cTn id="55" dur="500"/>
+                                        <p:tgtEl>
+                                          <p:spTgt spid="5">
+                                            <p:txEl>
+                                              <p:pRg st="14" end="14"/>
+                                            </p:txEl>
+                                          </p:spTgt>
+                                        </p:tgtEl>
+                                      </p:cBhvr>
+                                    </p:animEffect>
+                                  </p:childTnLst>
+                                </p:cTn>
+                              </p:par>
+                              <p:par>
+                                <p:cTn id="56" presetID="10" presetClass="entr" presetSubtype="0" fill="hold" nodeType="withEffect">
+                                  <p:stCondLst>
+                                    <p:cond delay="0"/>
+                                  </p:stCondLst>
+                                  <p:childTnLst>
+                                    <p:set>
+                                      <p:cBhvr>
+                                        <p:cTn id="57" dur="1" fill="hold">
+                                          <p:stCondLst>
+                                            <p:cond delay="0"/>
+                                          </p:stCondLst>
+                                        </p:cTn>
+                                        <p:tgtEl>
+                                          <p:spTgt spid="5">
+                                            <p:txEl>
+                                              <p:pRg st="15" end="15"/>
+                                            </p:txEl>
+                                          </p:spTgt>
+                                        </p:tgtEl>
+                                        <p:attrNameLst>
+                                          <p:attrName>style.visibility</p:attrName>
+                                        </p:attrNameLst>
+                                      </p:cBhvr>
+                                      <p:to>
+                                        <p:strVal val="visible"/>
+                                      </p:to>
+                                    </p:set>
+                                    <p:animEffect transition="in" filter="fade">
+                                      <p:cBhvr>
+                                        <p:cTn id="58" dur="500"/>
+                                        <p:tgtEl>
+                                          <p:spTgt spid="5">
+                                            <p:txEl>
+                                              <p:pRg st="15" end="15"/>
+                                            </p:txEl>
+                                          </p:spTgt>
+                                        </p:tgtEl>
+                                      </p:cBhvr>
+                                    </p:animEffect>
+                                  </p:childTnLst>
+                                </p:cTn>
+                              </p:par>
+                            </p:childTnLst>
+                          </p:cTn>
+                        </p:par>
+                      </p:childTnLst>
+                    </p:cTn>
+                  </p:par>
+                </p:childTnLst>
+              </p:cTn>
+              <p:prevCondLst>
+                <p:cond evt="onPrev" delay="0">
+                  <p:tgtEl>
+                    <p:sldTgt/>
+                  </p:tgtEl>
+                </p:cond>
+              </p:prevCondLst>
+              <p:nextCondLst>
+                <p:cond evt="onNext" delay="0">
+                  <p:tgtEl>
+                    <p:sldTgt/>
+                  </p:tgtEl>
+                </p:cond>
+              </p:nextCondLst>
+            </p:seq>
+          </p:childTnLst>
+        </p:cTn>
+      </p:par>
+    </p:tnLst>
+  </p:timing>
+</p:sld>
+</file>
+
+<file path=ppt/slides/slide19.xml><?xml version="1.0" encoding="utf-8"?>
+<p:sld xmlns:a="http://schemas.openxmlformats.org/drawingml/2006/main" xmlns:r="http://schemas.openxmlformats.org/officeDocument/2006/relationships" xmlns:p="http://schemas.openxmlformats.org/presentationml/2006/main">
+  <p:cSld>
+    <p:spTree>
+      <p:nvGrpSpPr>
+        <p:cNvPr id="1" name=""/>
+        <p:cNvGrpSpPr/>
+        <p:nvPr/>
+      </p:nvGrpSpPr>
+      <p:grpSpPr>
+        <a:xfrm>
+          <a:off x="0" y="0"/>
+          <a:ext cx="0" cy="0"/>
+          <a:chOff x="0" y="0"/>
+          <a:chExt cx="0" cy="0"/>
+        </a:xfrm>
+      </p:grpSpPr>
       <p:pic>
         <p:nvPicPr>
           <p:cNvPr id="6146" name="Picture 2"/>
@@ -13423,13 +15130,13 @@
   <p:clrMapOvr>
     <a:masterClrMapping/>
   </p:clrMapOvr>
-  <mc:AlternateContent xmlns:mc="http://schemas.openxmlformats.org/markup-compatibility/2006">
-    <mc:Choice xmlns:p14="http://schemas.microsoft.com/office/powerpoint/2010/main" Requires="p14">
+  <mc:AlternateContent xmlns:mc="http://schemas.openxmlformats.org/markup-compatibility/2006" xmlns:p14="http://schemas.microsoft.com/office/powerpoint/2010/main">
+    <mc:Choice Requires="p14">
       <p:transition spd="med" p14:dur="700">
         <p:fade/>
       </p:transition>
     </mc:Choice>
-    <mc:Fallback>
+    <mc:Fallback xmlns="">
       <p:transition spd="med">
         <p:fade/>
       </p:transition>
@@ -13445,7 +15152,164 @@
 </p:sld>
 </file>
 
-<file path=ppt/slides/slide19.xml><?xml version="1.0" encoding="utf-8"?>
+<file path=ppt/slides/slide2.xml><?xml version="1.0" encoding="utf-8"?>
+<p:sld xmlns:a="http://schemas.openxmlformats.org/drawingml/2006/main" xmlns:r="http://schemas.openxmlformats.org/officeDocument/2006/relationships" xmlns:p="http://schemas.openxmlformats.org/presentationml/2006/main">
+  <p:cSld>
+    <p:spTree>
+      <p:nvGrpSpPr>
+        <p:cNvPr id="1" name=""/>
+        <p:cNvGrpSpPr/>
+        <p:nvPr/>
+      </p:nvGrpSpPr>
+      <p:grpSpPr>
+        <a:xfrm>
+          <a:off x="0" y="0"/>
+          <a:ext cx="0" cy="0"/>
+          <a:chOff x="0" y="0"/>
+          <a:chExt cx="0" cy="0"/>
+        </a:xfrm>
+      </p:grpSpPr>
+      <p:sp>
+        <p:nvSpPr>
+          <p:cNvPr id="2" name="Title 1"/>
+          <p:cNvSpPr>
+            <a:spLocks noGrp="1"/>
+          </p:cNvSpPr>
+          <p:nvPr>
+            <p:ph type="title"/>
+          </p:nvPr>
+        </p:nvSpPr>
+        <p:spPr/>
+        <p:txBody>
+          <a:bodyPr/>
+          <a:lstStyle/>
+          <a:p>
+            <a:r>
+              <a:rPr lang="en-US" dirty="0" smtClean="0"/>
+              <a:t>Single Page Application</a:t>
+            </a:r>
+            <a:endParaRPr lang="en-US" dirty="0"/>
+          </a:p>
+        </p:txBody>
+      </p:sp>
+      <p:sp>
+        <p:nvSpPr>
+          <p:cNvPr id="3" name="Rectangle 2"/>
+          <p:cNvSpPr/>
+          <p:nvPr/>
+        </p:nvSpPr>
+        <p:spPr>
+          <a:xfrm>
+            <a:off x="1066800" y="1585913"/>
+            <a:ext cx="7010400" cy="1971675"/>
+          </a:xfrm>
+          <a:prstGeom prst="rect">
+            <a:avLst/>
+          </a:prstGeom>
+          <a:solidFill>
+            <a:srgbClr val="0070C0"/>
+          </a:solidFill>
+          <a:ln>
+            <a:solidFill>
+              <a:schemeClr val="accent1">
+                <a:lumMod val="40000"/>
+                <a:lumOff val="60000"/>
+              </a:schemeClr>
+            </a:solidFill>
+          </a:ln>
+        </p:spPr>
+        <p:style>
+          <a:lnRef idx="2">
+            <a:schemeClr val="accent1">
+              <a:shade val="50000"/>
+            </a:schemeClr>
+          </a:lnRef>
+          <a:fillRef idx="1">
+            <a:schemeClr val="accent1"/>
+          </a:fillRef>
+          <a:effectRef idx="0">
+            <a:schemeClr val="accent1"/>
+          </a:effectRef>
+          <a:fontRef idx="minor">
+            <a:schemeClr val="lt1"/>
+          </a:fontRef>
+        </p:style>
+        <p:txBody>
+          <a:bodyPr rtlCol="0" anchor="ctr"/>
+          <a:lstStyle/>
+          <a:p>
+            <a:pPr algn="ctr"/>
+            <a:r>
+              <a:rPr lang="en-US" sz="3200" dirty="0" smtClean="0">
+                <a:solidFill>
+                  <a:schemeClr val="tx1"/>
+                </a:solidFill>
+              </a:rPr>
+              <a:t>A web page hosts layout &amp; content</a:t>
+            </a:r>
+          </a:p>
+          <a:p>
+            <a:pPr algn="ctr"/>
+            <a:r>
+              <a:rPr lang="en-US" sz="3200" dirty="0" smtClean="0">
+                <a:solidFill>
+                  <a:schemeClr val="tx1"/>
+                </a:solidFill>
+              </a:rPr>
+              <a:t>composed dynamically on the client</a:t>
+            </a:r>
+          </a:p>
+          <a:p>
+            <a:pPr algn="ctr"/>
+            <a:r>
+              <a:rPr lang="en-US" sz="3200" dirty="0" smtClean="0">
+                <a:solidFill>
+                  <a:schemeClr val="tx1"/>
+                </a:solidFill>
+              </a:rPr>
+              <a:t>with JavaScript</a:t>
+            </a:r>
+            <a:endParaRPr lang="en-US" sz="2000" dirty="0">
+              <a:solidFill>
+                <a:schemeClr val="tx1"/>
+              </a:solidFill>
+            </a:endParaRPr>
+          </a:p>
+        </p:txBody>
+      </p:sp>
+    </p:spTree>
+    <p:extLst>
+      <p:ext uri="{BB962C8B-B14F-4D97-AF65-F5344CB8AC3E}">
+        <p14:creationId xmlns:p14="http://schemas.microsoft.com/office/powerpoint/2010/main" val="1456674971"/>
+      </p:ext>
+    </p:extLst>
+  </p:cSld>
+  <p:clrMapOvr>
+    <a:masterClrMapping/>
+  </p:clrMapOvr>
+  <mc:AlternateContent xmlns:mc="http://schemas.openxmlformats.org/markup-compatibility/2006" xmlns:p14="http://schemas.microsoft.com/office/powerpoint/2010/main">
+    <mc:Choice Requires="p14">
+      <p:transition spd="med" p14:dur="700">
+        <p:fade/>
+      </p:transition>
+    </mc:Choice>
+    <mc:Fallback xmlns="">
+      <p:transition spd="med">
+        <p:fade/>
+      </p:transition>
+    </mc:Fallback>
+  </mc:AlternateContent>
+  <p:timing>
+    <p:tnLst>
+      <p:par>
+        <p:cTn id="1" dur="indefinite" restart="never" nodeType="tmRoot"/>
+      </p:par>
+    </p:tnLst>
+  </p:timing>
+</p:sld>
+</file>
+
+<file path=ppt/slides/slide20.xml><?xml version="1.0" encoding="utf-8"?>
 <p:sld xmlns:a="http://schemas.openxmlformats.org/drawingml/2006/main" xmlns:r="http://schemas.openxmlformats.org/officeDocument/2006/relationships" xmlns:p="http://schemas.openxmlformats.org/presentationml/2006/main">
   <p:cSld>
     <p:spTree>
@@ -13559,13 +15423,13 @@
   <p:clrMapOvr>
     <a:masterClrMapping/>
   </p:clrMapOvr>
-  <mc:AlternateContent xmlns:mc="http://schemas.openxmlformats.org/markup-compatibility/2006">
-    <mc:Choice xmlns:p14="http://schemas.microsoft.com/office/powerpoint/2010/main" Requires="p14">
+  <mc:AlternateContent xmlns:mc="http://schemas.openxmlformats.org/markup-compatibility/2006" xmlns:p14="http://schemas.microsoft.com/office/powerpoint/2010/main">
+    <mc:Choice Requires="p14">
       <p:transition spd="med" p14:dur="700">
         <p:fade/>
       </p:transition>
     </mc:Choice>
-    <mc:Fallback>
+    <mc:Fallback xmlns="">
       <p:transition spd="med">
         <p:fade/>
       </p:transition>
@@ -13581,164 +15445,7 @@
 </p:sld>
 </file>
 
-<file path=ppt/slides/slide2.xml><?xml version="1.0" encoding="utf-8"?>
-<p:sld xmlns:a="http://schemas.openxmlformats.org/drawingml/2006/main" xmlns:r="http://schemas.openxmlformats.org/officeDocument/2006/relationships" xmlns:p="http://schemas.openxmlformats.org/presentationml/2006/main">
-  <p:cSld>
-    <p:spTree>
-      <p:nvGrpSpPr>
-        <p:cNvPr id="1" name=""/>
-        <p:cNvGrpSpPr/>
-        <p:nvPr/>
-      </p:nvGrpSpPr>
-      <p:grpSpPr>
-        <a:xfrm>
-          <a:off x="0" y="0"/>
-          <a:ext cx="0" cy="0"/>
-          <a:chOff x="0" y="0"/>
-          <a:chExt cx="0" cy="0"/>
-        </a:xfrm>
-      </p:grpSpPr>
-      <p:sp>
-        <p:nvSpPr>
-          <p:cNvPr id="2" name="Title 1"/>
-          <p:cNvSpPr>
-            <a:spLocks noGrp="1"/>
-          </p:cNvSpPr>
-          <p:nvPr>
-            <p:ph type="title"/>
-          </p:nvPr>
-        </p:nvSpPr>
-        <p:spPr/>
-        <p:txBody>
-          <a:bodyPr/>
-          <a:lstStyle/>
-          <a:p>
-            <a:r>
-              <a:rPr lang="en-US" dirty="0" smtClean="0"/>
-              <a:t>Single Page Application</a:t>
-            </a:r>
-            <a:endParaRPr lang="en-US" dirty="0"/>
-          </a:p>
-        </p:txBody>
-      </p:sp>
-      <p:sp>
-        <p:nvSpPr>
-          <p:cNvPr id="3" name="Rectangle 2"/>
-          <p:cNvSpPr/>
-          <p:nvPr/>
-        </p:nvSpPr>
-        <p:spPr>
-          <a:xfrm>
-            <a:off x="1066800" y="1585913"/>
-            <a:ext cx="7010400" cy="1971675"/>
-          </a:xfrm>
-          <a:prstGeom prst="rect">
-            <a:avLst/>
-          </a:prstGeom>
-          <a:solidFill>
-            <a:srgbClr val="0070C0"/>
-          </a:solidFill>
-          <a:ln>
-            <a:solidFill>
-              <a:schemeClr val="accent1">
-                <a:lumMod val="40000"/>
-                <a:lumOff val="60000"/>
-              </a:schemeClr>
-            </a:solidFill>
-          </a:ln>
-        </p:spPr>
-        <p:style>
-          <a:lnRef idx="2">
-            <a:schemeClr val="accent1">
-              <a:shade val="50000"/>
-            </a:schemeClr>
-          </a:lnRef>
-          <a:fillRef idx="1">
-            <a:schemeClr val="accent1"/>
-          </a:fillRef>
-          <a:effectRef idx="0">
-            <a:schemeClr val="accent1"/>
-          </a:effectRef>
-          <a:fontRef idx="minor">
-            <a:schemeClr val="lt1"/>
-          </a:fontRef>
-        </p:style>
-        <p:txBody>
-          <a:bodyPr rtlCol="0" anchor="ctr"/>
-          <a:lstStyle/>
-          <a:p>
-            <a:pPr algn="ctr"/>
-            <a:r>
-              <a:rPr lang="en-US" sz="3200" dirty="0" smtClean="0">
-                <a:solidFill>
-                  <a:schemeClr val="tx1"/>
-                </a:solidFill>
-              </a:rPr>
-              <a:t>A web page hosts layout &amp; content</a:t>
-            </a:r>
-          </a:p>
-          <a:p>
-            <a:pPr algn="ctr"/>
-            <a:r>
-              <a:rPr lang="en-US" sz="3200" dirty="0" smtClean="0">
-                <a:solidFill>
-                  <a:schemeClr val="tx1"/>
-                </a:solidFill>
-              </a:rPr>
-              <a:t>composed dynamically on the client</a:t>
-            </a:r>
-          </a:p>
-          <a:p>
-            <a:pPr algn="ctr"/>
-            <a:r>
-              <a:rPr lang="en-US" sz="3200" dirty="0" smtClean="0">
-                <a:solidFill>
-                  <a:schemeClr val="tx1"/>
-                </a:solidFill>
-              </a:rPr>
-              <a:t>with JavaScript</a:t>
-            </a:r>
-            <a:endParaRPr lang="en-US" sz="2000" dirty="0">
-              <a:solidFill>
-                <a:schemeClr val="tx1"/>
-              </a:solidFill>
-            </a:endParaRPr>
-          </a:p>
-        </p:txBody>
-      </p:sp>
-    </p:spTree>
-    <p:extLst>
-      <p:ext uri="{BB962C8B-B14F-4D97-AF65-F5344CB8AC3E}">
-        <p14:creationId xmlns:p14="http://schemas.microsoft.com/office/powerpoint/2010/main" val="1456674971"/>
-      </p:ext>
-    </p:extLst>
-  </p:cSld>
-  <p:clrMapOvr>
-    <a:masterClrMapping/>
-  </p:clrMapOvr>
-  <mc:AlternateContent xmlns:mc="http://schemas.openxmlformats.org/markup-compatibility/2006">
-    <mc:Choice xmlns:p14="http://schemas.microsoft.com/office/powerpoint/2010/main" Requires="p14">
-      <p:transition spd="med" p14:dur="700">
-        <p:fade/>
-      </p:transition>
-    </mc:Choice>
-    <mc:Fallback>
-      <p:transition spd="med">
-        <p:fade/>
-      </p:transition>
-    </mc:Fallback>
-  </mc:AlternateContent>
-  <p:timing>
-    <p:tnLst>
-      <p:par>
-        <p:cTn id="1" dur="indefinite" restart="never" nodeType="tmRoot"/>
-      </p:par>
-    </p:tnLst>
-  </p:timing>
-</p:sld>
-</file>
-
-<file path=ppt/slides/slide20.xml><?xml version="1.0" encoding="utf-8"?>
+<file path=ppt/slides/slide21.xml><?xml version="1.0" encoding="utf-8"?>
 <p:sld xmlns:a="http://schemas.openxmlformats.org/drawingml/2006/main" xmlns:r="http://schemas.openxmlformats.org/officeDocument/2006/relationships" xmlns:p="http://schemas.openxmlformats.org/presentationml/2006/main">
   <p:cSld>
     <p:spTree>
@@ -13830,13 +15537,13 @@
   <p:clrMapOvr>
     <a:masterClrMapping/>
   </p:clrMapOvr>
-  <mc:AlternateContent xmlns:mc="http://schemas.openxmlformats.org/markup-compatibility/2006">
-    <mc:Choice xmlns:p14="http://schemas.microsoft.com/office/powerpoint/2010/main" Requires="p14">
+  <mc:AlternateContent xmlns:mc="http://schemas.openxmlformats.org/markup-compatibility/2006" xmlns:p14="http://schemas.microsoft.com/office/powerpoint/2010/main">
+    <mc:Choice Requires="p14">
       <p:transition spd="med" p14:dur="700">
         <p:fade/>
       </p:transition>
     </mc:Choice>
-    <mc:Fallback>
+    <mc:Fallback xmlns="">
       <p:transition spd="med">
         <p:fade/>
       </p:transition>
@@ -13852,7 +15559,7 @@
 </p:sld>
 </file>
 
-<file path=ppt/slides/slide21.xml><?xml version="1.0" encoding="utf-8"?>
+<file path=ppt/slides/slide22.xml><?xml version="1.0" encoding="utf-8"?>
 <p:sld xmlns:a="http://schemas.openxmlformats.org/drawingml/2006/main" xmlns:r="http://schemas.openxmlformats.org/officeDocument/2006/relationships" xmlns:p="http://schemas.openxmlformats.org/presentationml/2006/main">
   <p:cSld>
     <p:spTree>
@@ -13943,13 +15650,13 @@
   <p:clrMapOvr>
     <a:masterClrMapping/>
   </p:clrMapOvr>
-  <mc:AlternateContent xmlns:mc="http://schemas.openxmlformats.org/markup-compatibility/2006">
-    <mc:Choice xmlns:p14="http://schemas.microsoft.com/office/powerpoint/2010/main" Requires="p14">
+  <mc:AlternateContent xmlns:mc="http://schemas.openxmlformats.org/markup-compatibility/2006" xmlns:p14="http://schemas.microsoft.com/office/powerpoint/2010/main">
+    <mc:Choice Requires="p14">
       <p:transition spd="med" p14:dur="700">
         <p:fade/>
       </p:transition>
     </mc:Choice>
-    <mc:Fallback>
+    <mc:Fallback xmlns="">
       <p:transition spd="med">
         <p:fade/>
       </p:transition>
@@ -13965,7 +15672,7 @@
 </p:sld>
 </file>
 
-<file path=ppt/slides/slide22.xml><?xml version="1.0" encoding="utf-8"?>
+<file path=ppt/slides/slide23.xml><?xml version="1.0" encoding="utf-8"?>
 <p:sld xmlns:a="http://schemas.openxmlformats.org/drawingml/2006/main" xmlns:r="http://schemas.openxmlformats.org/officeDocument/2006/relationships" xmlns:p="http://schemas.openxmlformats.org/presentationml/2006/main">
   <p:cSld>
     <p:spTree>
@@ -14250,6 +15957,81 @@
           </a:p>
         </p:txBody>
       </p:sp>
+      <p:sp>
+        <p:nvSpPr>
+          <p:cNvPr id="10" name="TextBox 9"/>
+          <p:cNvSpPr txBox="1"/>
+          <p:nvPr/>
+        </p:nvSpPr>
+        <p:spPr>
+          <a:xfrm>
+            <a:off x="4191000" y="1734197"/>
+            <a:ext cx="4572000" cy="830997"/>
+          </a:xfrm>
+          <a:prstGeom prst="rect">
+            <a:avLst/>
+          </a:prstGeom>
+          <a:noFill/>
+        </p:spPr>
+        <p:txBody>
+          <a:bodyPr wrap="square" rtlCol="0">
+            <a:spAutoFit/>
+          </a:bodyPr>
+          <a:lstStyle/>
+          <a:p>
+            <a:r>
+              <a:rPr lang="en-US" sz="2400" dirty="0" smtClean="0"/>
+              <a:t>Queried and created entities held in client-side cache(s)</a:t>
+            </a:r>
+            <a:endParaRPr lang="en-US" sz="2400" dirty="0">
+              <a:solidFill>
+                <a:srgbClr val="FFC000"/>
+              </a:solidFill>
+            </a:endParaRPr>
+          </a:p>
+        </p:txBody>
+      </p:sp>
+      <p:sp>
+        <p:nvSpPr>
+          <p:cNvPr id="11" name="TextBox 10"/>
+          <p:cNvSpPr txBox="1"/>
+          <p:nvPr/>
+        </p:nvSpPr>
+        <p:spPr>
+          <a:xfrm>
+            <a:off x="4223657" y="3036153"/>
+            <a:ext cx="4572000" cy="830997"/>
+          </a:xfrm>
+          <a:prstGeom prst="rect">
+            <a:avLst/>
+          </a:prstGeom>
+          <a:noFill/>
+        </p:spPr>
+        <p:txBody>
+          <a:bodyPr wrap="square" rtlCol="0">
+            <a:spAutoFit/>
+          </a:bodyPr>
+          <a:lstStyle/>
+          <a:p>
+            <a:r>
+              <a:rPr lang="en-US" sz="2400" dirty="0" smtClean="0"/>
+              <a:t>Serialize cached models </a:t>
+            </a:r>
+            <a:br>
+              <a:rPr lang="en-US" sz="2400" dirty="0" smtClean="0"/>
+            </a:br>
+            <a:r>
+              <a:rPr lang="en-US" sz="2400" dirty="0" smtClean="0"/>
+              <a:t>to local storage or …</a:t>
+            </a:r>
+            <a:endParaRPr lang="en-US" sz="2400" dirty="0">
+              <a:solidFill>
+                <a:srgbClr val="FFC000"/>
+              </a:solidFill>
+            </a:endParaRPr>
+          </a:p>
+        </p:txBody>
+      </p:sp>
     </p:spTree>
     <p:extLst>
       <p:ext uri="{BB962C8B-B14F-4D97-AF65-F5344CB8AC3E}">
@@ -14260,13 +16042,13 @@
   <p:clrMapOvr>
     <a:masterClrMapping/>
   </p:clrMapOvr>
-  <mc:AlternateContent xmlns:mc="http://schemas.openxmlformats.org/markup-compatibility/2006">
-    <mc:Choice xmlns:p14="http://schemas.microsoft.com/office/powerpoint/2010/main" Requires="p14">
+  <mc:AlternateContent xmlns:mc="http://schemas.openxmlformats.org/markup-compatibility/2006" xmlns:p14="http://schemas.microsoft.com/office/powerpoint/2010/main">
+    <mc:Choice Requires="p14">
       <p:transition spd="med" p14:dur="700">
         <p:fade/>
       </p:transition>
     </mc:Choice>
-    <mc:Fallback>
+    <mc:Fallback xmlns="">
       <p:transition spd="med">
         <p:fade/>
       </p:transition>
@@ -14275,14 +16057,147 @@
   <p:timing>
     <p:tnLst>
       <p:par>
-        <p:cTn id="1" dur="indefinite" restart="never" nodeType="tmRoot"/>
+        <p:cTn id="1" dur="indefinite" restart="never" nodeType="tmRoot">
+          <p:childTnLst>
+            <p:seq concurrent="1" nextAc="seek">
+              <p:cTn id="2" dur="indefinite" nodeType="mainSeq">
+                <p:childTnLst>
+                  <p:par>
+                    <p:cTn id="3" fill="hold">
+                      <p:stCondLst>
+                        <p:cond delay="indefinite"/>
+                      </p:stCondLst>
+                      <p:childTnLst>
+                        <p:par>
+                          <p:cTn id="4" fill="hold">
+                            <p:stCondLst>
+                              <p:cond delay="0"/>
+                            </p:stCondLst>
+                            <p:childTnLst>
+                              <p:par>
+                                <p:cTn id="5" presetID="10" presetClass="entr" presetSubtype="0" fill="hold" grpId="0" nodeType="clickEffect">
+                                  <p:stCondLst>
+                                    <p:cond delay="0"/>
+                                  </p:stCondLst>
+                                  <p:childTnLst>
+                                    <p:set>
+                                      <p:cBhvr>
+                                        <p:cTn id="6" dur="1" fill="hold">
+                                          <p:stCondLst>
+                                            <p:cond delay="0"/>
+                                          </p:stCondLst>
+                                        </p:cTn>
+                                        <p:tgtEl>
+                                          <p:spTgt spid="10"/>
+                                        </p:tgtEl>
+                                        <p:attrNameLst>
+                                          <p:attrName>style.visibility</p:attrName>
+                                        </p:attrNameLst>
+                                      </p:cBhvr>
+                                      <p:to>
+                                        <p:strVal val="visible"/>
+                                      </p:to>
+                                    </p:set>
+                                    <p:animEffect transition="in" filter="fade">
+                                      <p:cBhvr>
+                                        <p:cTn id="7" dur="500"/>
+                                        <p:tgtEl>
+                                          <p:spTgt spid="10"/>
+                                        </p:tgtEl>
+                                      </p:cBhvr>
+                                    </p:animEffect>
+                                  </p:childTnLst>
+                                </p:cTn>
+                              </p:par>
+                            </p:childTnLst>
+                          </p:cTn>
+                        </p:par>
+                      </p:childTnLst>
+                    </p:cTn>
+                  </p:par>
+                  <p:par>
+                    <p:cTn id="8" fill="hold">
+                      <p:stCondLst>
+                        <p:cond delay="indefinite"/>
+                      </p:stCondLst>
+                      <p:childTnLst>
+                        <p:par>
+                          <p:cTn id="9" fill="hold">
+                            <p:stCondLst>
+                              <p:cond delay="0"/>
+                            </p:stCondLst>
+                            <p:childTnLst>
+                              <p:par>
+                                <p:cTn id="10" presetID="10" presetClass="entr" presetSubtype="0" fill="hold" grpId="0" nodeType="clickEffect">
+                                  <p:stCondLst>
+                                    <p:cond delay="0"/>
+                                  </p:stCondLst>
+                                  <p:childTnLst>
+                                    <p:set>
+                                      <p:cBhvr>
+                                        <p:cTn id="11" dur="1" fill="hold">
+                                          <p:stCondLst>
+                                            <p:cond delay="0"/>
+                                          </p:stCondLst>
+                                        </p:cTn>
+                                        <p:tgtEl>
+                                          <p:spTgt spid="11"/>
+                                        </p:tgtEl>
+                                        <p:attrNameLst>
+                                          <p:attrName>style.visibility</p:attrName>
+                                        </p:attrNameLst>
+                                      </p:cBhvr>
+                                      <p:to>
+                                        <p:strVal val="visible"/>
+                                      </p:to>
+                                    </p:set>
+                                    <p:animEffect transition="in" filter="fade">
+                                      <p:cBhvr>
+                                        <p:cTn id="12" dur="500"/>
+                                        <p:tgtEl>
+                                          <p:spTgt spid="11"/>
+                                        </p:tgtEl>
+                                      </p:cBhvr>
+                                    </p:animEffect>
+                                  </p:childTnLst>
+                                </p:cTn>
+                              </p:par>
+                            </p:childTnLst>
+                          </p:cTn>
+                        </p:par>
+                      </p:childTnLst>
+                    </p:cTn>
+                  </p:par>
+                </p:childTnLst>
+              </p:cTn>
+              <p:prevCondLst>
+                <p:cond evt="onPrev" delay="0">
+                  <p:tgtEl>
+                    <p:sldTgt/>
+                  </p:tgtEl>
+                </p:cond>
+              </p:prevCondLst>
+              <p:nextCondLst>
+                <p:cond evt="onNext" delay="0">
+                  <p:tgtEl>
+                    <p:sldTgt/>
+                  </p:tgtEl>
+                </p:cond>
+              </p:nextCondLst>
+            </p:seq>
+          </p:childTnLst>
+        </p:cTn>
       </p:par>
     </p:tnLst>
+    <p:bldLst>
+      <p:bldP spid="10" grpId="0"/>
+      <p:bldP spid="11" grpId="0"/>
+    </p:bldLst>
   </p:timing>
 </p:sld>
 </file>
 
-<file path=ppt/slides/slide23.xml><?xml version="1.0" encoding="utf-8"?>
+<file path=ppt/slides/slide24.xml><?xml version="1.0" encoding="utf-8"?>
 <p:sld xmlns:a="http://schemas.openxmlformats.org/drawingml/2006/main" xmlns:r="http://schemas.openxmlformats.org/officeDocument/2006/relationships" xmlns:p="http://schemas.openxmlformats.org/presentationml/2006/main">
   <p:cSld>
     <p:spTree>
@@ -14580,13 +16495,13 @@
   <p:clrMapOvr>
     <a:masterClrMapping/>
   </p:clrMapOvr>
-  <mc:AlternateContent xmlns:mc="http://schemas.openxmlformats.org/markup-compatibility/2006">
-    <mc:Choice xmlns:p14="http://schemas.microsoft.com/office/powerpoint/2010/main" Requires="p14">
+  <mc:AlternateContent xmlns:mc="http://schemas.openxmlformats.org/markup-compatibility/2006" xmlns:p14="http://schemas.microsoft.com/office/powerpoint/2010/main">
+    <mc:Choice Requires="p14">
       <p:transition spd="med" p14:dur="700">
         <p:fade/>
       </p:transition>
     </mc:Choice>
-    <mc:Fallback>
+    <mc:Fallback xmlns="">
       <p:transition spd="med">
         <p:fade/>
       </p:transition>
@@ -14792,7 +16707,7 @@
 </p:sld>
 </file>
 
-<file path=ppt/slides/slide24.xml><?xml version="1.0" encoding="utf-8"?>
+<file path=ppt/slides/slide25.xml><?xml version="1.0" encoding="utf-8"?>
 <p:sld xmlns:a="http://schemas.openxmlformats.org/drawingml/2006/main" xmlns:r="http://schemas.openxmlformats.org/officeDocument/2006/relationships" xmlns:p="http://schemas.openxmlformats.org/presentationml/2006/main">
   <p:cSld>
     <p:spTree>
@@ -15077,6 +16992,40 @@
           </a:p>
         </p:txBody>
       </p:sp>
+      <p:sp>
+        <p:nvSpPr>
+          <p:cNvPr id="10" name="TextBox 9"/>
+          <p:cNvSpPr txBox="1"/>
+          <p:nvPr/>
+        </p:nvSpPr>
+        <p:spPr>
+          <a:xfrm>
+            <a:off x="4191000" y="2156252"/>
+            <a:ext cx="4572000" cy="830997"/>
+          </a:xfrm>
+          <a:prstGeom prst="rect">
+            <a:avLst/>
+          </a:prstGeom>
+          <a:noFill/>
+        </p:spPr>
+        <p:txBody>
+          <a:bodyPr wrap="square" rtlCol="0">
+            <a:spAutoFit/>
+          </a:bodyPr>
+          <a:lstStyle/>
+          <a:p>
+            <a:r>
+              <a:rPr lang="en-US" sz="2400" dirty="0" smtClean="0"/>
+              <a:t>Navigate among parent and child entities in cache</a:t>
+            </a:r>
+            <a:endParaRPr lang="en-US" sz="2400" dirty="0">
+              <a:solidFill>
+                <a:srgbClr val="FFC000"/>
+              </a:solidFill>
+            </a:endParaRPr>
+          </a:p>
+        </p:txBody>
+      </p:sp>
     </p:spTree>
     <p:extLst>
       <p:ext uri="{BB962C8B-B14F-4D97-AF65-F5344CB8AC3E}">
@@ -15087,13 +17036,13 @@
   <p:clrMapOvr>
     <a:masterClrMapping/>
   </p:clrMapOvr>
-  <mc:AlternateContent xmlns:mc="http://schemas.openxmlformats.org/markup-compatibility/2006">
-    <mc:Choice xmlns:p14="http://schemas.microsoft.com/office/powerpoint/2010/main" Requires="p14">
+  <mc:AlternateContent xmlns:mc="http://schemas.openxmlformats.org/markup-compatibility/2006" xmlns:p14="http://schemas.microsoft.com/office/powerpoint/2010/main">
+    <mc:Choice Requires="p14">
       <p:transition spd="med" p14:dur="700">
         <p:fade/>
       </p:transition>
     </mc:Choice>
-    <mc:Fallback>
+    <mc:Fallback xmlns="">
       <p:transition spd="med">
         <p:fade/>
       </p:transition>
@@ -15102,14 +17051,93 @@
   <p:timing>
     <p:tnLst>
       <p:par>
-        <p:cTn id="1" dur="indefinite" restart="never" nodeType="tmRoot"/>
+        <p:cTn id="1" dur="indefinite" restart="never" nodeType="tmRoot">
+          <p:childTnLst>
+            <p:seq concurrent="1" nextAc="seek">
+              <p:cTn id="2" dur="indefinite" nodeType="mainSeq">
+                <p:childTnLst>
+                  <p:par>
+                    <p:cTn id="3" fill="hold">
+                      <p:stCondLst>
+                        <p:cond delay="indefinite"/>
+                      </p:stCondLst>
+                      <p:childTnLst>
+                        <p:par>
+                          <p:cTn id="4" fill="hold">
+                            <p:stCondLst>
+                              <p:cond delay="0"/>
+                            </p:stCondLst>
+                            <p:childTnLst>
+                              <p:par>
+                                <p:cTn id="5" presetID="10" presetClass="entr" presetSubtype="0" fill="hold" grpId="0" nodeType="clickEffect">
+                                  <p:stCondLst>
+                                    <p:cond delay="0"/>
+                                  </p:stCondLst>
+                                  <p:childTnLst>
+                                    <p:set>
+                                      <p:cBhvr>
+                                        <p:cTn id="6" dur="1" fill="hold">
+                                          <p:stCondLst>
+                                            <p:cond delay="0"/>
+                                          </p:stCondLst>
+                                        </p:cTn>
+                                        <p:tgtEl>
+                                          <p:spTgt spid="10"/>
+                                        </p:tgtEl>
+                                        <p:attrNameLst>
+                                          <p:attrName>style.visibility</p:attrName>
+                                        </p:attrNameLst>
+                                      </p:cBhvr>
+                                      <p:to>
+                                        <p:strVal val="visible"/>
+                                      </p:to>
+                                    </p:set>
+                                    <p:animEffect transition="in" filter="fade">
+                                      <p:cBhvr>
+                                        <p:cTn id="7" dur="500"/>
+                                        <p:tgtEl>
+                                          <p:spTgt spid="10"/>
+                                        </p:tgtEl>
+                                      </p:cBhvr>
+                                    </p:animEffect>
+                                  </p:childTnLst>
+                                </p:cTn>
+                              </p:par>
+                            </p:childTnLst>
+                          </p:cTn>
+                        </p:par>
+                      </p:childTnLst>
+                    </p:cTn>
+                  </p:par>
+                </p:childTnLst>
+              </p:cTn>
+              <p:prevCondLst>
+                <p:cond evt="onPrev" delay="0">
+                  <p:tgtEl>
+                    <p:sldTgt/>
+                  </p:tgtEl>
+                </p:cond>
+              </p:prevCondLst>
+              <p:nextCondLst>
+                <p:cond evt="onNext" delay="0">
+                  <p:tgtEl>
+                    <p:sldTgt/>
+                  </p:tgtEl>
+                </p:cond>
+              </p:nextCondLst>
+            </p:seq>
+          </p:childTnLst>
+        </p:cTn>
       </p:par>
     </p:tnLst>
+    <p:bldLst>
+      <p:bldP spid="10" grpId="0"/>
+    </p:bldLst>
   </p:timing>
 </p:sld>
 </file>
 
-<file path=ppt/slides/slide25.xml><?xml version="1.0" encoding="utf-8"?>
+<file path=ppt/slides/slide26.xml><?xml version="1.0" encoding="utf-8"?>
 <p:sld xmlns:a="http://schemas.openxmlformats.org/drawingml/2006/main" xmlns:r="http://schemas.openxmlformats.org/officeDocument/2006/relationships" xmlns:p="http://schemas.openxmlformats.org/presentationml/2006/main">
   <p:cSld>
     <p:spTree>
@@ -15453,13 +17481,13 @@
   <p:clrMapOvr>
     <a:masterClrMapping/>
   </p:clrMapOvr>
-  <mc:AlternateContent xmlns:mc="http://schemas.openxmlformats.org/markup-compatibility/2006">
-    <mc:Choice xmlns:p14="http://schemas.microsoft.com/office/powerpoint/2010/main" Requires="p14">
+  <mc:AlternateContent xmlns:mc="http://schemas.openxmlformats.org/markup-compatibility/2006" xmlns:p14="http://schemas.microsoft.com/office/powerpoint/2010/main">
+    <mc:Choice Requires="p14">
       <p:transition spd="med" p14:dur="700">
         <p:fade/>
       </p:transition>
     </mc:Choice>
-    <mc:Fallback>
+    <mc:Fallback xmlns="">
       <p:transition spd="med">
         <p:fade/>
       </p:transition>
@@ -15701,7 +17729,7 @@
 </p:sld>
 </file>
 
-<file path=ppt/slides/slide26.xml><?xml version="1.0" encoding="utf-8"?>
+<file path=ppt/slides/slide27.xml><?xml version="1.0" encoding="utf-8"?>
 <p:sld xmlns:a="http://schemas.openxmlformats.org/drawingml/2006/main" xmlns:r="http://schemas.openxmlformats.org/officeDocument/2006/relationships" xmlns:p="http://schemas.openxmlformats.org/presentationml/2006/main">
   <p:cSld>
     <p:spTree>
@@ -15951,13 +17979,13 @@
   <p:clrMapOvr>
     <a:masterClrMapping/>
   </p:clrMapOvr>
-  <mc:AlternateContent xmlns:mc="http://schemas.openxmlformats.org/markup-compatibility/2006">
-    <mc:Choice xmlns:p14="http://schemas.microsoft.com/office/powerpoint/2010/main" Requires="p14">
+  <mc:AlternateContent xmlns:mc="http://schemas.openxmlformats.org/markup-compatibility/2006" xmlns:p14="http://schemas.microsoft.com/office/powerpoint/2010/main">
+    <mc:Choice Requires="p14">
       <p:transition spd="med" p14:dur="700">
         <p:fade/>
       </p:transition>
     </mc:Choice>
-    <mc:Fallback>
+    <mc:Fallback xmlns="">
       <p:transition spd="med">
         <p:fade/>
       </p:transition>
@@ -15973,7 +18001,7 @@
 </p:sld>
 </file>
 
-<file path=ppt/slides/slide27.xml><?xml version="1.0" encoding="utf-8"?>
+<file path=ppt/slides/slide28.xml><?xml version="1.0" encoding="utf-8"?>
 <p:sld xmlns:a="http://schemas.openxmlformats.org/drawingml/2006/main" xmlns:r="http://schemas.openxmlformats.org/officeDocument/2006/relationships" xmlns:p="http://schemas.openxmlformats.org/presentationml/2006/main">
   <p:cSld>
     <p:spTree>
@@ -16087,13 +18115,13 @@
   <p:clrMapOvr>
     <a:masterClrMapping/>
   </p:clrMapOvr>
-  <mc:AlternateContent xmlns:mc="http://schemas.openxmlformats.org/markup-compatibility/2006">
-    <mc:Choice xmlns:p14="http://schemas.microsoft.com/office/powerpoint/2010/main" Requires="p14">
+  <mc:AlternateContent xmlns:mc="http://schemas.openxmlformats.org/markup-compatibility/2006" xmlns:p14="http://schemas.microsoft.com/office/powerpoint/2010/main">
+    <mc:Choice Requires="p14">
       <p:transition spd="med" p14:dur="700">
         <p:fade/>
       </p:transition>
     </mc:Choice>
-    <mc:Fallback>
+    <mc:Fallback xmlns="">
       <p:transition spd="med">
         <p:fade/>
       </p:transition>
@@ -16109,7 +18137,7 @@
 </p:sld>
 </file>
 
-<file path=ppt/slides/slide28.xml><?xml version="1.0" encoding="utf-8"?>
+<file path=ppt/slides/slide29.xml><?xml version="1.0" encoding="utf-8"?>
 <p:sld xmlns:a="http://schemas.openxmlformats.org/drawingml/2006/main" xmlns:r="http://schemas.openxmlformats.org/officeDocument/2006/relationships" xmlns:p="http://schemas.openxmlformats.org/presentationml/2006/main">
   <p:cSld>
     <p:spTree>
@@ -16394,6 +18422,48 @@
           </a:p>
         </p:txBody>
       </p:sp>
+      <p:sp>
+        <p:nvSpPr>
+          <p:cNvPr id="10" name="TextBox 9"/>
+          <p:cNvSpPr txBox="1"/>
+          <p:nvPr/>
+        </p:nvSpPr>
+        <p:spPr>
+          <a:xfrm>
+            <a:off x="4191000" y="2340918"/>
+            <a:ext cx="4572000" cy="461665"/>
+          </a:xfrm>
+          <a:prstGeom prst="rect">
+            <a:avLst/>
+          </a:prstGeom>
+          <a:noFill/>
+        </p:spPr>
+        <p:txBody>
+          <a:bodyPr wrap="square" rtlCol="0">
+            <a:spAutoFit/>
+          </a:bodyPr>
+          <a:lstStyle/>
+          <a:p>
+            <a:r>
+              <a:rPr lang="en-US" sz="2400" dirty="0" smtClean="0"/>
+              <a:t>Breeze entities are </a:t>
+            </a:r>
+            <a:r>
+              <a:rPr lang="en-US" sz="2400" dirty="0" smtClean="0">
+                <a:solidFill>
+                  <a:srgbClr val="FFC000"/>
+                </a:solidFill>
+              </a:rPr>
+              <a:t>self-tracking</a:t>
+            </a:r>
+            <a:endParaRPr lang="en-US" sz="2400" dirty="0">
+              <a:solidFill>
+                <a:srgbClr val="FFC000"/>
+              </a:solidFill>
+            </a:endParaRPr>
+          </a:p>
+        </p:txBody>
+      </p:sp>
     </p:spTree>
     <p:extLst>
       <p:ext uri="{BB962C8B-B14F-4D97-AF65-F5344CB8AC3E}">
@@ -16404,13 +18474,13 @@
   <p:clrMapOvr>
     <a:masterClrMapping/>
   </p:clrMapOvr>
-  <mc:AlternateContent xmlns:mc="http://schemas.openxmlformats.org/markup-compatibility/2006">
-    <mc:Choice xmlns:p14="http://schemas.microsoft.com/office/powerpoint/2010/main" Requires="p14">
+  <mc:AlternateContent xmlns:mc="http://schemas.openxmlformats.org/markup-compatibility/2006" xmlns:p14="http://schemas.microsoft.com/office/powerpoint/2010/main">
+    <mc:Choice Requires="p14">
       <p:transition spd="med" p14:dur="700">
         <p:fade/>
       </p:transition>
     </mc:Choice>
-    <mc:Fallback>
+    <mc:Fallback xmlns="">
       <p:transition spd="med">
         <p:fade/>
       </p:transition>
@@ -16419,14 +18489,323 @@
   <p:timing>
     <p:tnLst>
       <p:par>
-        <p:cTn id="1" dur="indefinite" restart="never" nodeType="tmRoot"/>
+        <p:cTn id="1" dur="indefinite" restart="never" nodeType="tmRoot">
+          <p:childTnLst>
+            <p:seq concurrent="1" nextAc="seek">
+              <p:cTn id="2" dur="indefinite" nodeType="mainSeq">
+                <p:childTnLst>
+                  <p:par>
+                    <p:cTn id="3" fill="hold">
+                      <p:stCondLst>
+                        <p:cond delay="indefinite"/>
+                      </p:stCondLst>
+                      <p:childTnLst>
+                        <p:par>
+                          <p:cTn id="4" fill="hold">
+                            <p:stCondLst>
+                              <p:cond delay="0"/>
+                            </p:stCondLst>
+                            <p:childTnLst>
+                              <p:par>
+                                <p:cTn id="5" presetID="10" presetClass="entr" presetSubtype="0" fill="hold" grpId="0" nodeType="clickEffect">
+                                  <p:stCondLst>
+                                    <p:cond delay="0"/>
+                                  </p:stCondLst>
+                                  <p:childTnLst>
+                                    <p:set>
+                                      <p:cBhvr>
+                                        <p:cTn id="6" dur="1" fill="hold">
+                                          <p:stCondLst>
+                                            <p:cond delay="0"/>
+                                          </p:stCondLst>
+                                        </p:cTn>
+                                        <p:tgtEl>
+                                          <p:spTgt spid="10"/>
+                                        </p:tgtEl>
+                                        <p:attrNameLst>
+                                          <p:attrName>style.visibility</p:attrName>
+                                        </p:attrNameLst>
+                                      </p:cBhvr>
+                                      <p:to>
+                                        <p:strVal val="visible"/>
+                                      </p:to>
+                                    </p:set>
+                                    <p:animEffect transition="in" filter="fade">
+                                      <p:cBhvr>
+                                        <p:cTn id="7" dur="500"/>
+                                        <p:tgtEl>
+                                          <p:spTgt spid="10"/>
+                                        </p:tgtEl>
+                                      </p:cBhvr>
+                                    </p:animEffect>
+                                  </p:childTnLst>
+                                </p:cTn>
+                              </p:par>
+                            </p:childTnLst>
+                          </p:cTn>
+                        </p:par>
+                      </p:childTnLst>
+                    </p:cTn>
+                  </p:par>
+                </p:childTnLst>
+              </p:cTn>
+              <p:prevCondLst>
+                <p:cond evt="onPrev" delay="0">
+                  <p:tgtEl>
+                    <p:sldTgt/>
+                  </p:tgtEl>
+                </p:cond>
+              </p:prevCondLst>
+              <p:nextCondLst>
+                <p:cond evt="onNext" delay="0">
+                  <p:tgtEl>
+                    <p:sldTgt/>
+                  </p:tgtEl>
+                </p:cond>
+              </p:nextCondLst>
+            </p:seq>
+          </p:childTnLst>
+        </p:cTn>
       </p:par>
     </p:tnLst>
+    <p:bldLst>
+      <p:bldP spid="10" grpId="0"/>
+    </p:bldLst>
   </p:timing>
 </p:sld>
 </file>
 
-<file path=ppt/slides/slide29.xml><?xml version="1.0" encoding="utf-8"?>
+<file path=ppt/slides/slide3.xml><?xml version="1.0" encoding="utf-8"?>
+<p:sld xmlns:a="http://schemas.openxmlformats.org/drawingml/2006/main" xmlns:r="http://schemas.openxmlformats.org/officeDocument/2006/relationships" xmlns:p="http://schemas.openxmlformats.org/presentationml/2006/main">
+  <p:cSld>
+    <p:spTree>
+      <p:nvGrpSpPr>
+        <p:cNvPr id="1" name=""/>
+        <p:cNvGrpSpPr/>
+        <p:nvPr/>
+      </p:nvGrpSpPr>
+      <p:grpSpPr>
+        <a:xfrm>
+          <a:off x="0" y="0"/>
+          <a:ext cx="0" cy="0"/>
+          <a:chOff x="0" y="0"/>
+          <a:chExt cx="0" cy="0"/>
+        </a:xfrm>
+      </p:grpSpPr>
+      <p:sp>
+        <p:nvSpPr>
+          <p:cNvPr id="2" name="Title 1"/>
+          <p:cNvSpPr>
+            <a:spLocks noGrp="1"/>
+          </p:cNvSpPr>
+          <p:nvPr>
+            <p:ph type="title"/>
+          </p:nvPr>
+        </p:nvSpPr>
+        <p:spPr/>
+        <p:txBody>
+          <a:bodyPr>
+            <a:normAutofit/>
+          </a:bodyPr>
+          <a:lstStyle/>
+          <a:p>
+            <a:r>
+              <a:rPr lang="en-US" b="0" dirty="0" smtClean="0">
+                <a:latin typeface="+mj-lt"/>
+              </a:rPr>
+              <a:t>Why SPA</a:t>
+            </a:r>
+            <a:endParaRPr lang="en-US" b="0" dirty="0">
+              <a:latin typeface="+mj-lt"/>
+            </a:endParaRPr>
+          </a:p>
+        </p:txBody>
+      </p:sp>
+      <p:sp>
+        <p:nvSpPr>
+          <p:cNvPr id="10" name="Rectangle 9"/>
+          <p:cNvSpPr/>
+          <p:nvPr/>
+        </p:nvSpPr>
+        <p:spPr bwMode="auto">
+          <a:xfrm>
+            <a:off x="609600" y="1657350"/>
+            <a:ext cx="7848600" cy="2590800"/>
+          </a:xfrm>
+          <a:prstGeom prst="rect">
+            <a:avLst/>
+          </a:prstGeom>
+          <a:solidFill>
+            <a:srgbClr val="0070C0"/>
+          </a:solidFill>
+          <a:ln>
+            <a:solidFill>
+              <a:schemeClr val="tx1"/>
+            </a:solidFill>
+            <a:headEnd/>
+            <a:tailEnd/>
+          </a:ln>
+        </p:spPr>
+        <p:style>
+          <a:lnRef idx="2">
+            <a:schemeClr val="accent2">
+              <a:shade val="50000"/>
+            </a:schemeClr>
+          </a:lnRef>
+          <a:fillRef idx="1">
+            <a:schemeClr val="accent2"/>
+          </a:fillRef>
+          <a:effectRef idx="0">
+            <a:schemeClr val="accent2"/>
+          </a:effectRef>
+          <a:fontRef idx="minor">
+            <a:schemeClr val="lt1"/>
+          </a:fontRef>
+        </p:style>
+        <p:txBody>
+          <a:bodyPr wrap="square" rtlCol="0" anchor="ctr"/>
+          <a:lstStyle/>
+          <a:p>
+            <a:pPr algn="ctr"/>
+            <a:r>
+              <a:rPr lang="en-US" sz="3200" dirty="0">
+                <a:solidFill>
+                  <a:schemeClr val="tx1"/>
+                </a:solidFill>
+              </a:rPr>
+              <a:t>As rich and responsive as a desktop app but built with </a:t>
+            </a:r>
+            <a:r>
+              <a:rPr lang="en-US" sz="3200" dirty="0" smtClean="0">
+                <a:solidFill>
+                  <a:schemeClr val="tx1"/>
+                </a:solidFill>
+              </a:rPr>
+              <a:t>HTML5 and </a:t>
+            </a:r>
+            <a:r>
+              <a:rPr lang="en-US" sz="3200" dirty="0">
+                <a:solidFill>
+                  <a:schemeClr val="tx1"/>
+                </a:solidFill>
+              </a:rPr>
+              <a:t>JavaScript</a:t>
+            </a:r>
+          </a:p>
+        </p:txBody>
+      </p:sp>
+    </p:spTree>
+    <p:extLst>
+      <p:ext uri="{BB962C8B-B14F-4D97-AF65-F5344CB8AC3E}">
+        <p14:creationId xmlns:p14="http://schemas.microsoft.com/office/powerpoint/2010/main" val="229082507"/>
+      </p:ext>
+    </p:extLst>
+  </p:cSld>
+  <p:clrMapOvr>
+    <a:masterClrMapping/>
+  </p:clrMapOvr>
+  <mc:AlternateContent xmlns:mc="http://schemas.openxmlformats.org/markup-compatibility/2006" xmlns:p14="http://schemas.microsoft.com/office/powerpoint/2010/main">
+    <mc:Choice Requires="p14">
+      <p:transition spd="med" p14:dur="700">
+        <p:fade/>
+      </p:transition>
+    </mc:Choice>
+    <mc:Fallback xmlns="">
+      <p:transition spd="med">
+        <p:fade/>
+      </p:transition>
+    </mc:Fallback>
+  </mc:AlternateContent>
+  <p:timing>
+    <p:tnLst>
+      <p:par>
+        <p:cTn id="1" dur="indefinite" restart="never" nodeType="tmRoot">
+          <p:childTnLst>
+            <p:seq concurrent="1" nextAc="seek">
+              <p:cTn id="2" dur="indefinite" nodeType="mainSeq">
+                <p:childTnLst>
+                  <p:par>
+                    <p:cTn id="3" fill="hold">
+                      <p:stCondLst>
+                        <p:cond delay="indefinite"/>
+                      </p:stCondLst>
+                      <p:childTnLst>
+                        <p:par>
+                          <p:cTn id="4" fill="hold">
+                            <p:stCondLst>
+                              <p:cond delay="0"/>
+                            </p:stCondLst>
+                            <p:childTnLst>
+                              <p:par>
+                                <p:cTn id="5" presetID="10" presetClass="entr" presetSubtype="0" fill="hold" grpId="0" nodeType="clickEffect">
+                                  <p:stCondLst>
+                                    <p:cond delay="0"/>
+                                  </p:stCondLst>
+                                  <p:childTnLst>
+                                    <p:set>
+                                      <p:cBhvr>
+                                        <p:cTn id="6" dur="1" fill="hold">
+                                          <p:stCondLst>
+                                            <p:cond delay="0"/>
+                                          </p:stCondLst>
+                                        </p:cTn>
+                                        <p:tgtEl>
+                                          <p:spTgt spid="10"/>
+                                        </p:tgtEl>
+                                        <p:attrNameLst>
+                                          <p:attrName>style.visibility</p:attrName>
+                                        </p:attrNameLst>
+                                      </p:cBhvr>
+                                      <p:to>
+                                        <p:strVal val="visible"/>
+                                      </p:to>
+                                    </p:set>
+                                    <p:animEffect transition="in" filter="fade">
+                                      <p:cBhvr>
+                                        <p:cTn id="7" dur="500"/>
+                                        <p:tgtEl>
+                                          <p:spTgt spid="10"/>
+                                        </p:tgtEl>
+                                      </p:cBhvr>
+                                    </p:animEffect>
+                                  </p:childTnLst>
+                                </p:cTn>
+                              </p:par>
+                            </p:childTnLst>
+                          </p:cTn>
+                        </p:par>
+                      </p:childTnLst>
+                    </p:cTn>
+                  </p:par>
+                </p:childTnLst>
+              </p:cTn>
+              <p:prevCondLst>
+                <p:cond evt="onPrev" delay="0">
+                  <p:tgtEl>
+                    <p:sldTgt/>
+                  </p:tgtEl>
+                </p:cond>
+              </p:prevCondLst>
+              <p:nextCondLst>
+                <p:cond evt="onNext" delay="0">
+                  <p:tgtEl>
+                    <p:sldTgt/>
+                  </p:tgtEl>
+                </p:cond>
+              </p:nextCondLst>
+            </p:seq>
+          </p:childTnLst>
+        </p:cTn>
+      </p:par>
+    </p:tnLst>
+    <p:bldLst>
+      <p:bldP spid="10" grpId="0" animBg="1"/>
+    </p:bldLst>
+  </p:timing>
+</p:sld>
+</file>
+
+<file path=ppt/slides/slide30.xml><?xml version="1.0" encoding="utf-8"?>
 <p:sld xmlns:a="http://schemas.openxmlformats.org/drawingml/2006/main" xmlns:r="http://schemas.openxmlformats.org/officeDocument/2006/relationships" xmlns:p="http://schemas.openxmlformats.org/presentationml/2006/main">
   <p:cSld>
     <p:spTree>
@@ -16489,7 +18868,7 @@
         </p:blipFill>
         <p:spPr bwMode="auto">
           <a:xfrm>
-            <a:off x="1638301" y="961501"/>
+            <a:off x="1638301" y="951976"/>
             <a:ext cx="5981699" cy="4162949"/>
           </a:xfrm>
           <a:prstGeom prst="rect">
@@ -16724,13 +19103,13 @@
   <p:clrMapOvr>
     <a:masterClrMapping/>
   </p:clrMapOvr>
-  <mc:AlternateContent xmlns:mc="http://schemas.openxmlformats.org/markup-compatibility/2006">
-    <mc:Choice xmlns:p14="http://schemas.microsoft.com/office/powerpoint/2010/main" Requires="p14">
+  <mc:AlternateContent xmlns:mc="http://schemas.openxmlformats.org/markup-compatibility/2006" xmlns:p14="http://schemas.microsoft.com/office/powerpoint/2010/main">
+    <mc:Choice Requires="p14">
       <p:transition spd="med" p14:dur="700">
         <p:fade/>
       </p:transition>
     </mc:Choice>
-    <mc:Fallback>
+    <mc:Fallback xmlns="">
       <p:transition spd="med">
         <p:fade/>
       </p:transition>
@@ -16936,243 +19315,7 @@
 </p:sld>
 </file>
 
-<file path=ppt/slides/slide3.xml><?xml version="1.0" encoding="utf-8"?>
-<p:sld xmlns:a="http://schemas.openxmlformats.org/drawingml/2006/main" xmlns:r="http://schemas.openxmlformats.org/officeDocument/2006/relationships" xmlns:p="http://schemas.openxmlformats.org/presentationml/2006/main">
-  <p:cSld>
-    <p:spTree>
-      <p:nvGrpSpPr>
-        <p:cNvPr id="1" name=""/>
-        <p:cNvGrpSpPr/>
-        <p:nvPr/>
-      </p:nvGrpSpPr>
-      <p:grpSpPr>
-        <a:xfrm>
-          <a:off x="0" y="0"/>
-          <a:ext cx="0" cy="0"/>
-          <a:chOff x="0" y="0"/>
-          <a:chExt cx="0" cy="0"/>
-        </a:xfrm>
-      </p:grpSpPr>
-      <p:sp>
-        <p:nvSpPr>
-          <p:cNvPr id="2" name="Title 1"/>
-          <p:cNvSpPr>
-            <a:spLocks noGrp="1"/>
-          </p:cNvSpPr>
-          <p:nvPr>
-            <p:ph type="title"/>
-          </p:nvPr>
-        </p:nvSpPr>
-        <p:spPr/>
-        <p:txBody>
-          <a:bodyPr>
-            <a:normAutofit/>
-          </a:bodyPr>
-          <a:lstStyle/>
-          <a:p>
-            <a:r>
-              <a:rPr lang="en-US" b="0" dirty="0" smtClean="0">
-                <a:latin typeface="+mj-lt"/>
-              </a:rPr>
-              <a:t>Why </a:t>
-            </a:r>
-            <a:r>
-              <a:rPr lang="en-US" b="0" dirty="0" smtClean="0">
-                <a:latin typeface="+mj-lt"/>
-              </a:rPr>
-              <a:t>SPA</a:t>
-            </a:r>
-            <a:endParaRPr lang="en-US" b="0" dirty="0">
-              <a:latin typeface="+mj-lt"/>
-            </a:endParaRPr>
-          </a:p>
-        </p:txBody>
-      </p:sp>
-      <p:sp>
-        <p:nvSpPr>
-          <p:cNvPr id="10" name="Rectangle 9"/>
-          <p:cNvSpPr/>
-          <p:nvPr/>
-        </p:nvSpPr>
-        <p:spPr bwMode="auto">
-          <a:xfrm>
-            <a:off x="609600" y="1657350"/>
-            <a:ext cx="7848600" cy="2590800"/>
-          </a:xfrm>
-          <a:prstGeom prst="rect">
-            <a:avLst/>
-          </a:prstGeom>
-          <a:solidFill>
-            <a:srgbClr val="0070C0"/>
-          </a:solidFill>
-          <a:ln>
-            <a:solidFill>
-              <a:schemeClr val="tx1"/>
-            </a:solidFill>
-            <a:headEnd/>
-            <a:tailEnd/>
-          </a:ln>
-        </p:spPr>
-        <p:style>
-          <a:lnRef idx="2">
-            <a:schemeClr val="accent2">
-              <a:shade val="50000"/>
-            </a:schemeClr>
-          </a:lnRef>
-          <a:fillRef idx="1">
-            <a:schemeClr val="accent2"/>
-          </a:fillRef>
-          <a:effectRef idx="0">
-            <a:schemeClr val="accent2"/>
-          </a:effectRef>
-          <a:fontRef idx="minor">
-            <a:schemeClr val="lt1"/>
-          </a:fontRef>
-        </p:style>
-        <p:txBody>
-          <a:bodyPr wrap="square" rtlCol="0" anchor="ctr"/>
-          <a:lstStyle/>
-          <a:p>
-            <a:pPr algn="ctr"/>
-            <a:r>
-              <a:rPr lang="en-US" sz="3200" dirty="0">
-                <a:solidFill>
-                  <a:schemeClr val="tx1"/>
-                </a:solidFill>
-              </a:rPr>
-              <a:t>As rich and responsive as a desktop app but built with </a:t>
-            </a:r>
-            <a:r>
-              <a:rPr lang="en-US" sz="3200" dirty="0" smtClean="0">
-                <a:solidFill>
-                  <a:schemeClr val="tx1"/>
-                </a:solidFill>
-              </a:rPr>
-              <a:t>HTML5 and </a:t>
-            </a:r>
-            <a:r>
-              <a:rPr lang="en-US" sz="3200" dirty="0">
-                <a:solidFill>
-                  <a:schemeClr val="tx1"/>
-                </a:solidFill>
-              </a:rPr>
-              <a:t>JavaScript</a:t>
-            </a:r>
-          </a:p>
-        </p:txBody>
-      </p:sp>
-    </p:spTree>
-    <p:extLst>
-      <p:ext uri="{BB962C8B-B14F-4D97-AF65-F5344CB8AC3E}">
-        <p14:creationId xmlns:p14="http://schemas.microsoft.com/office/powerpoint/2010/main" val="229082507"/>
-      </p:ext>
-    </p:extLst>
-  </p:cSld>
-  <p:clrMapOvr>
-    <a:masterClrMapping/>
-  </p:clrMapOvr>
-  <mc:AlternateContent xmlns:mc="http://schemas.openxmlformats.org/markup-compatibility/2006">
-    <mc:Choice xmlns:p14="http://schemas.microsoft.com/office/powerpoint/2010/main" Requires="p14">
-      <p:transition spd="med" p14:dur="700">
-        <p:fade/>
-      </p:transition>
-    </mc:Choice>
-    <mc:Fallback>
-      <p:transition spd="med">
-        <p:fade/>
-      </p:transition>
-    </mc:Fallback>
-  </mc:AlternateContent>
-  <p:timing>
-    <p:tnLst>
-      <p:par>
-        <p:cTn id="1" dur="indefinite" restart="never" nodeType="tmRoot">
-          <p:childTnLst>
-            <p:seq concurrent="1" nextAc="seek">
-              <p:cTn id="2" dur="indefinite" nodeType="mainSeq">
-                <p:childTnLst>
-                  <p:par>
-                    <p:cTn id="3" fill="hold">
-                      <p:stCondLst>
-                        <p:cond delay="indefinite"/>
-                      </p:stCondLst>
-                      <p:childTnLst>
-                        <p:par>
-                          <p:cTn id="4" fill="hold">
-                            <p:stCondLst>
-                              <p:cond delay="0"/>
-                            </p:stCondLst>
-                            <p:childTnLst>
-                              <p:par>
-                                <p:cTn id="5" presetID="10" presetClass="entr" presetSubtype="0" fill="hold" grpId="0" nodeType="clickEffect">
-                                  <p:stCondLst>
-                                    <p:cond delay="0"/>
-                                  </p:stCondLst>
-                                  <p:childTnLst>
-                                    <p:set>
-                                      <p:cBhvr>
-                                        <p:cTn id="6" dur="1" fill="hold">
-                                          <p:stCondLst>
-                                            <p:cond delay="0"/>
-                                          </p:stCondLst>
-                                        </p:cTn>
-                                        <p:tgtEl>
-                                          <p:spTgt spid="10"/>
-                                        </p:tgtEl>
-                                        <p:attrNameLst>
-                                          <p:attrName>style.visibility</p:attrName>
-                                        </p:attrNameLst>
-                                      </p:cBhvr>
-                                      <p:to>
-                                        <p:strVal val="visible"/>
-                                      </p:to>
-                                    </p:set>
-                                    <p:animEffect transition="in" filter="fade">
-                                      <p:cBhvr>
-                                        <p:cTn id="7" dur="500"/>
-                                        <p:tgtEl>
-                                          <p:spTgt spid="10"/>
-                                        </p:tgtEl>
-                                      </p:cBhvr>
-                                    </p:animEffect>
-                                  </p:childTnLst>
-                                </p:cTn>
-                              </p:par>
-                            </p:childTnLst>
-                          </p:cTn>
-                        </p:par>
-                      </p:childTnLst>
-                    </p:cTn>
-                  </p:par>
-                </p:childTnLst>
-              </p:cTn>
-              <p:prevCondLst>
-                <p:cond evt="onPrev" delay="0">
-                  <p:tgtEl>
-                    <p:sldTgt/>
-                  </p:tgtEl>
-                </p:cond>
-              </p:prevCondLst>
-              <p:nextCondLst>
-                <p:cond evt="onNext" delay="0">
-                  <p:tgtEl>
-                    <p:sldTgt/>
-                  </p:tgtEl>
-                </p:cond>
-              </p:nextCondLst>
-            </p:seq>
-          </p:childTnLst>
-        </p:cTn>
-      </p:par>
-    </p:tnLst>
-    <p:bldLst>
-      <p:bldP spid="10" grpId="0" animBg="1"/>
-    </p:bldLst>
-  </p:timing>
-</p:sld>
-</file>
-
-<file path=ppt/slides/slide30.xml><?xml version="1.0" encoding="utf-8"?>
+<file path=ppt/slides/slide31.xml><?xml version="1.0" encoding="utf-8"?>
 <p:sld xmlns:a="http://schemas.openxmlformats.org/drawingml/2006/main" xmlns:r="http://schemas.openxmlformats.org/officeDocument/2006/relationships" xmlns:p="http://schemas.openxmlformats.org/presentationml/2006/main">
   <p:cSld>
     <p:spTree>
@@ -17286,13 +19429,13 @@
   <p:clrMapOvr>
     <a:masterClrMapping/>
   </p:clrMapOvr>
-  <mc:AlternateContent xmlns:mc="http://schemas.openxmlformats.org/markup-compatibility/2006">
-    <mc:Choice xmlns:p14="http://schemas.microsoft.com/office/powerpoint/2010/main" Requires="p14">
+  <mc:AlternateContent xmlns:mc="http://schemas.openxmlformats.org/markup-compatibility/2006" xmlns:p14="http://schemas.microsoft.com/office/powerpoint/2010/main">
+    <mc:Choice Requires="p14">
       <p:transition spd="med" p14:dur="700">
         <p:fade/>
       </p:transition>
     </mc:Choice>
-    <mc:Fallback>
+    <mc:Fallback xmlns="">
       <p:transition spd="med">
         <p:fade/>
       </p:transition>
@@ -17308,7 +19451,7 @@
 </p:sld>
 </file>
 
-<file path=ppt/slides/slide31.xml><?xml version="1.0" encoding="utf-8"?>
+<file path=ppt/slides/slide32.xml><?xml version="1.0" encoding="utf-8"?>
 <p:sld xmlns:a="http://schemas.openxmlformats.org/drawingml/2006/main" xmlns:r="http://schemas.openxmlformats.org/officeDocument/2006/relationships" xmlns:p="http://schemas.openxmlformats.org/presentationml/2006/main">
   <p:cSld>
     <p:spTree>
@@ -17333,7 +19476,7 @@
           </p:cNvPicPr>
           <p:nvPr/>
         </p:nvPicPr>
-        <p:blipFill>
+        <p:blipFill rotWithShape="1">
           <a:blip r:embed="rId2">
             <a:extLst>
               <a:ext uri="{28A0092B-C50C-407E-A947-70E740481C1C}">
@@ -17341,22 +19484,25 @@
               </a:ext>
             </a:extLst>
           </a:blip>
-          <a:srcRect/>
-          <a:stretch>
-            <a:fillRect/>
-          </a:stretch>
+          <a:srcRect l="373" r="1346" b="2673"/>
+          <a:stretch/>
         </p:blipFill>
         <p:spPr bwMode="auto">
           <a:xfrm>
-            <a:off x="1124744" y="1657350"/>
-            <a:ext cx="6894513" cy="2619375"/>
+            <a:off x="685800" y="1038226"/>
+            <a:ext cx="7696200" cy="2895600"/>
           </a:xfrm>
           <a:prstGeom prst="rect">
             <a:avLst/>
           </a:prstGeom>
           <a:noFill/>
-          <a:ln>
-            <a:noFill/>
+          <a:ln w="28575">
+            <a:solidFill>
+              <a:srgbClr val="00B0F0"/>
+            </a:solidFill>
+            <a:miter lim="800000"/>
+            <a:headEnd/>
+            <a:tailEnd/>
           </a:ln>
           <a:effectLst/>
           <a:extLst>
@@ -17366,16 +19512,6 @@
                   <a:schemeClr val="accent1"/>
                 </a:solidFill>
               </a14:hiddenFill>
-            </a:ext>
-            <a:ext uri="{91240B29-F687-4F45-9708-019B960494DF}">
-              <a14:hiddenLine xmlns:a14="http://schemas.microsoft.com/office/drawing/2010/main" w="9525">
-                <a:solidFill>
-                  <a:schemeClr val="tx1"/>
-                </a:solidFill>
-                <a:miter lim="800000"/>
-                <a:headEnd/>
-                <a:tailEnd/>
-              </a14:hiddenLine>
             </a:ext>
             <a:ext uri="{AF507438-7753-43E0-B8FC-AC1667EBCBE1}">
               <a14:hiddenEffects xmlns:a14="http://schemas.microsoft.com/office/drawing/2010/main">
@@ -17420,7 +19556,7 @@
         </p:nvSpPr>
         <p:spPr>
           <a:xfrm>
-            <a:off x="2057400" y="4476750"/>
+            <a:off x="2057400" y="4412218"/>
             <a:ext cx="5029200" cy="369332"/>
           </a:xfrm>
           <a:prstGeom prst="rect">
@@ -17437,8 +19573,220 @@
             <a:pPr algn="ctr"/>
             <a:r>
               <a:rPr lang="en-US" dirty="0" smtClean="0"/>
-              <a:t>Save interceptor to screen save bundle</a:t>
-            </a:r>
+              <a:t>Save interceptor to </a:t>
+            </a:r>
+            <a:r>
+              <a:rPr lang="en-US" dirty="0" smtClean="0"/>
+              <a:t>validate </a:t>
+            </a:r>
+            <a:r>
+              <a:rPr lang="en-US" dirty="0" smtClean="0"/>
+              <a:t>save bundle</a:t>
+            </a:r>
+          </a:p>
+        </p:txBody>
+      </p:sp>
+      <p:sp>
+        <p:nvSpPr>
+          <p:cNvPr id="5" name="TextBox 4"/>
+          <p:cNvSpPr txBox="1"/>
+          <p:nvPr/>
+        </p:nvSpPr>
+        <p:spPr>
+          <a:xfrm>
+            <a:off x="2057400" y="4019550"/>
+            <a:ext cx="5029200" cy="369332"/>
+          </a:xfrm>
+          <a:prstGeom prst="rect">
+            <a:avLst/>
+          </a:prstGeom>
+          <a:noFill/>
+        </p:spPr>
+        <p:txBody>
+          <a:bodyPr wrap="square" rtlCol="0">
+            <a:spAutoFit/>
+          </a:bodyPr>
+          <a:lstStyle/>
+          <a:p>
+            <a:pPr algn="ctr"/>
+            <a:r>
+              <a:rPr lang="en-US" dirty="0" smtClean="0"/>
+              <a:t>One Save method to rule them all</a:t>
+            </a:r>
+            <a:endParaRPr lang="en-US" dirty="0" smtClean="0"/>
+          </a:p>
+        </p:txBody>
+      </p:sp>
+      <p:sp>
+        <p:nvSpPr>
+          <p:cNvPr id="6" name="Text Placeholder 4"/>
+          <p:cNvSpPr txBox="1">
+            <a:spLocks/>
+          </p:cNvSpPr>
+          <p:nvPr/>
+        </p:nvSpPr>
+        <p:spPr bwMode="auto">
+          <a:xfrm>
+            <a:off x="685801" y="1060451"/>
+            <a:ext cx="7696200" cy="1282700"/>
+          </a:xfrm>
+          <a:prstGeom prst="rect">
+            <a:avLst/>
+          </a:prstGeom>
+          <a:solidFill>
+            <a:schemeClr val="tx1">
+              <a:alpha val="69000"/>
+            </a:schemeClr>
+          </a:solidFill>
+          <a:ln w="9525">
+            <a:noFill/>
+            <a:miter lim="800000"/>
+            <a:headEnd/>
+            <a:tailEnd/>
+          </a:ln>
+          <a:effectLst/>
+        </p:spPr>
+        <p:txBody>
+          <a:bodyPr vert="horz" wrap="square" lIns="91440" tIns="45720" rIns="91440" bIns="45720" numCol="1" anchor="t" anchorCtr="0" compatLnSpc="1">
+            <a:prstTxWarp prst="textNoShape">
+              <a:avLst/>
+            </a:prstTxWarp>
+          </a:bodyPr>
+          <a:lstStyle>
+            <a:defPPr>
+              <a:defRPr lang="en-US"/>
+            </a:defPPr>
+            <a:lvl1pPr algn="l" rtl="0" fontAlgn="base">
+              <a:spcBef>
+                <a:spcPct val="0"/>
+              </a:spcBef>
+              <a:spcAft>
+                <a:spcPct val="0"/>
+              </a:spcAft>
+              <a:defRPr sz="1400" kern="1200">
+                <a:solidFill>
+                  <a:schemeClr val="tx1"/>
+                </a:solidFill>
+                <a:latin typeface="Arial" charset="0"/>
+                <a:ea typeface="+mn-ea"/>
+                <a:cs typeface="+mn-cs"/>
+              </a:defRPr>
+            </a:lvl1pPr>
+            <a:lvl2pPr marL="457200" algn="l" rtl="0" fontAlgn="base">
+              <a:spcBef>
+                <a:spcPct val="0"/>
+              </a:spcBef>
+              <a:spcAft>
+                <a:spcPct val="0"/>
+              </a:spcAft>
+              <a:defRPr kern="1200">
+                <a:solidFill>
+                  <a:schemeClr val="tx1"/>
+                </a:solidFill>
+                <a:latin typeface="Arial" charset="0"/>
+                <a:ea typeface="+mn-ea"/>
+                <a:cs typeface="+mn-cs"/>
+              </a:defRPr>
+            </a:lvl2pPr>
+            <a:lvl3pPr marL="914400" algn="l" rtl="0" fontAlgn="base">
+              <a:spcBef>
+                <a:spcPct val="0"/>
+              </a:spcBef>
+              <a:spcAft>
+                <a:spcPct val="0"/>
+              </a:spcAft>
+              <a:defRPr kern="1200">
+                <a:solidFill>
+                  <a:schemeClr val="tx1"/>
+                </a:solidFill>
+                <a:latin typeface="Arial" charset="0"/>
+                <a:ea typeface="+mn-ea"/>
+                <a:cs typeface="+mn-cs"/>
+              </a:defRPr>
+            </a:lvl3pPr>
+            <a:lvl4pPr marL="1371600" algn="l" rtl="0" fontAlgn="base">
+              <a:spcBef>
+                <a:spcPct val="0"/>
+              </a:spcBef>
+              <a:spcAft>
+                <a:spcPct val="0"/>
+              </a:spcAft>
+              <a:defRPr kern="1200">
+                <a:solidFill>
+                  <a:schemeClr val="tx1"/>
+                </a:solidFill>
+                <a:latin typeface="Arial" charset="0"/>
+                <a:ea typeface="+mn-ea"/>
+                <a:cs typeface="+mn-cs"/>
+              </a:defRPr>
+            </a:lvl4pPr>
+            <a:lvl5pPr marL="1828800" algn="l" rtl="0" fontAlgn="base">
+              <a:spcBef>
+                <a:spcPct val="0"/>
+              </a:spcBef>
+              <a:spcAft>
+                <a:spcPct val="0"/>
+              </a:spcAft>
+              <a:defRPr kern="1200">
+                <a:solidFill>
+                  <a:schemeClr val="tx1"/>
+                </a:solidFill>
+                <a:latin typeface="Arial" charset="0"/>
+                <a:ea typeface="+mn-ea"/>
+                <a:cs typeface="+mn-cs"/>
+              </a:defRPr>
+            </a:lvl5pPr>
+            <a:lvl6pPr marL="2286000" algn="l" defTabSz="914400" rtl="0" eaLnBrk="1" latinLnBrk="0" hangingPunct="1">
+              <a:defRPr kern="1200">
+                <a:solidFill>
+                  <a:schemeClr val="tx1"/>
+                </a:solidFill>
+                <a:latin typeface="Arial" charset="0"/>
+                <a:ea typeface="+mn-ea"/>
+                <a:cs typeface="+mn-cs"/>
+              </a:defRPr>
+            </a:lvl6pPr>
+            <a:lvl7pPr marL="2743200" algn="l" defTabSz="914400" rtl="0" eaLnBrk="1" latinLnBrk="0" hangingPunct="1">
+              <a:defRPr kern="1200">
+                <a:solidFill>
+                  <a:schemeClr val="tx1"/>
+                </a:solidFill>
+                <a:latin typeface="Arial" charset="0"/>
+                <a:ea typeface="+mn-ea"/>
+                <a:cs typeface="+mn-cs"/>
+              </a:defRPr>
+            </a:lvl7pPr>
+            <a:lvl8pPr marL="3200400" algn="l" defTabSz="914400" rtl="0" eaLnBrk="1" latinLnBrk="0" hangingPunct="1">
+              <a:defRPr kern="1200">
+                <a:solidFill>
+                  <a:schemeClr val="tx1"/>
+                </a:solidFill>
+                <a:latin typeface="Arial" charset="0"/>
+                <a:ea typeface="+mn-ea"/>
+                <a:cs typeface="+mn-cs"/>
+              </a:defRPr>
+            </a:lvl8pPr>
+            <a:lvl9pPr marL="3657600" algn="l" defTabSz="914400" rtl="0" eaLnBrk="1" latinLnBrk="0" hangingPunct="1">
+              <a:defRPr kern="1200">
+                <a:solidFill>
+                  <a:schemeClr val="tx1"/>
+                </a:solidFill>
+                <a:latin typeface="Arial" charset="0"/>
+                <a:ea typeface="+mn-ea"/>
+                <a:cs typeface="+mn-cs"/>
+              </a:defRPr>
+            </a:lvl9pPr>
+          </a:lstStyle>
+          <a:p>
+            <a:endParaRPr lang="en-US" sz="1600" b="1" dirty="0">
+              <a:solidFill>
+                <a:schemeClr val="bg1">
+                  <a:lumMod val="50000"/>
+                </a:schemeClr>
+              </a:solidFill>
+              <a:latin typeface="Consolas" pitchFamily="49" charset="0"/>
+              <a:cs typeface="Consolas" pitchFamily="49" charset="0"/>
+            </a:endParaRPr>
           </a:p>
         </p:txBody>
       </p:sp>
@@ -17452,13 +19800,13 @@
   <p:clrMapOvr>
     <a:masterClrMapping/>
   </p:clrMapOvr>
-  <mc:AlternateContent xmlns:mc="http://schemas.openxmlformats.org/markup-compatibility/2006">
-    <mc:Choice xmlns:p14="http://schemas.microsoft.com/office/powerpoint/2010/main" Requires="p14">
+  <mc:AlternateContent xmlns:mc="http://schemas.openxmlformats.org/markup-compatibility/2006" xmlns:p14="http://schemas.microsoft.com/office/powerpoint/2010/main">
+    <mc:Choice Requires="p14">
       <p:transition spd="med" p14:dur="700">
         <p:fade/>
       </p:transition>
     </mc:Choice>
-    <mc:Fallback>
+    <mc:Fallback xmlns="">
       <p:transition spd="med">
         <p:fade/>
       </p:transition>
@@ -17467,14 +19815,147 @@
   <p:timing>
     <p:tnLst>
       <p:par>
-        <p:cTn id="1" dur="indefinite" restart="never" nodeType="tmRoot"/>
+        <p:cTn id="1" dur="indefinite" restart="never" nodeType="tmRoot">
+          <p:childTnLst>
+            <p:seq concurrent="1" nextAc="seek">
+              <p:cTn id="2" dur="indefinite" nodeType="mainSeq">
+                <p:childTnLst>
+                  <p:par>
+                    <p:cTn id="3" fill="hold">
+                      <p:stCondLst>
+                        <p:cond delay="indefinite"/>
+                      </p:stCondLst>
+                      <p:childTnLst>
+                        <p:par>
+                          <p:cTn id="4" fill="hold">
+                            <p:stCondLst>
+                              <p:cond delay="0"/>
+                            </p:stCondLst>
+                            <p:childTnLst>
+                              <p:par>
+                                <p:cTn id="5" presetID="10" presetClass="entr" presetSubtype="0" fill="hold" grpId="0" nodeType="clickEffect">
+                                  <p:stCondLst>
+                                    <p:cond delay="0"/>
+                                  </p:stCondLst>
+                                  <p:childTnLst>
+                                    <p:set>
+                                      <p:cBhvr>
+                                        <p:cTn id="6" dur="1" fill="hold">
+                                          <p:stCondLst>
+                                            <p:cond delay="0"/>
+                                          </p:stCondLst>
+                                        </p:cTn>
+                                        <p:tgtEl>
+                                          <p:spTgt spid="5"/>
+                                        </p:tgtEl>
+                                        <p:attrNameLst>
+                                          <p:attrName>style.visibility</p:attrName>
+                                        </p:attrNameLst>
+                                      </p:cBhvr>
+                                      <p:to>
+                                        <p:strVal val="visible"/>
+                                      </p:to>
+                                    </p:set>
+                                    <p:animEffect transition="in" filter="fade">
+                                      <p:cBhvr>
+                                        <p:cTn id="7" dur="500"/>
+                                        <p:tgtEl>
+                                          <p:spTgt spid="5"/>
+                                        </p:tgtEl>
+                                      </p:cBhvr>
+                                    </p:animEffect>
+                                  </p:childTnLst>
+                                </p:cTn>
+                              </p:par>
+                            </p:childTnLst>
+                          </p:cTn>
+                        </p:par>
+                      </p:childTnLst>
+                    </p:cTn>
+                  </p:par>
+                  <p:par>
+                    <p:cTn id="8" fill="hold">
+                      <p:stCondLst>
+                        <p:cond delay="indefinite"/>
+                      </p:stCondLst>
+                      <p:childTnLst>
+                        <p:par>
+                          <p:cTn id="9" fill="hold">
+                            <p:stCondLst>
+                              <p:cond delay="0"/>
+                            </p:stCondLst>
+                            <p:childTnLst>
+                              <p:par>
+                                <p:cTn id="10" presetID="10" presetClass="entr" presetSubtype="0" fill="hold" grpId="0" nodeType="clickEffect">
+                                  <p:stCondLst>
+                                    <p:cond delay="0"/>
+                                  </p:stCondLst>
+                                  <p:childTnLst>
+                                    <p:set>
+                                      <p:cBhvr>
+                                        <p:cTn id="11" dur="1" fill="hold">
+                                          <p:stCondLst>
+                                            <p:cond delay="0"/>
+                                          </p:stCondLst>
+                                        </p:cTn>
+                                        <p:tgtEl>
+                                          <p:spTgt spid="4"/>
+                                        </p:tgtEl>
+                                        <p:attrNameLst>
+                                          <p:attrName>style.visibility</p:attrName>
+                                        </p:attrNameLst>
+                                      </p:cBhvr>
+                                      <p:to>
+                                        <p:strVal val="visible"/>
+                                      </p:to>
+                                    </p:set>
+                                    <p:animEffect transition="in" filter="fade">
+                                      <p:cBhvr>
+                                        <p:cTn id="12" dur="500"/>
+                                        <p:tgtEl>
+                                          <p:spTgt spid="4"/>
+                                        </p:tgtEl>
+                                      </p:cBhvr>
+                                    </p:animEffect>
+                                  </p:childTnLst>
+                                </p:cTn>
+                              </p:par>
+                            </p:childTnLst>
+                          </p:cTn>
+                        </p:par>
+                      </p:childTnLst>
+                    </p:cTn>
+                  </p:par>
+                </p:childTnLst>
+              </p:cTn>
+              <p:prevCondLst>
+                <p:cond evt="onPrev" delay="0">
+                  <p:tgtEl>
+                    <p:sldTgt/>
+                  </p:tgtEl>
+                </p:cond>
+              </p:prevCondLst>
+              <p:nextCondLst>
+                <p:cond evt="onNext" delay="0">
+                  <p:tgtEl>
+                    <p:sldTgt/>
+                  </p:tgtEl>
+                </p:cond>
+              </p:nextCondLst>
+            </p:seq>
+          </p:childTnLst>
+        </p:cTn>
       </p:par>
     </p:tnLst>
+    <p:bldLst>
+      <p:bldP spid="4" grpId="0"/>
+      <p:bldP spid="5" grpId="0"/>
+    </p:bldLst>
   </p:timing>
 </p:sld>
 </file>
 
-<file path=ppt/slides/slide32.xml><?xml version="1.0" encoding="utf-8"?>
+<file path=ppt/slides/slide33.xml><?xml version="1.0" encoding="utf-8"?>
 <p:sld xmlns:a="http://schemas.openxmlformats.org/drawingml/2006/main" xmlns:r="http://schemas.openxmlformats.org/officeDocument/2006/relationships" xmlns:p="http://schemas.openxmlformats.org/presentationml/2006/main">
   <p:cSld>
     <p:spTree>
@@ -17760,6 +20241,82 @@
           </a:p>
         </p:txBody>
       </p:sp>
+      <p:sp>
+        <p:nvSpPr>
+          <p:cNvPr id="2" name="TextBox 1"/>
+          <p:cNvSpPr txBox="1"/>
+          <p:nvPr/>
+        </p:nvSpPr>
+        <p:spPr>
+          <a:xfrm>
+            <a:off x="4191000" y="1730720"/>
+            <a:ext cx="4572000" cy="1200329"/>
+          </a:xfrm>
+          <a:prstGeom prst="rect">
+            <a:avLst/>
+          </a:prstGeom>
+          <a:noFill/>
+        </p:spPr>
+        <p:txBody>
+          <a:bodyPr wrap="square" rtlCol="0">
+            <a:spAutoFit/>
+          </a:bodyPr>
+          <a:lstStyle/>
+          <a:p>
+            <a:r>
+              <a:rPr lang="en-US" sz="2400" dirty="0" smtClean="0"/>
+              <a:t>JavaScript model types can be generated from server-provided </a:t>
+            </a:r>
+            <a:r>
+              <a:rPr lang="en-US" sz="2400" dirty="0" smtClean="0">
+                <a:solidFill>
+                  <a:srgbClr val="FFC000"/>
+                </a:solidFill>
+              </a:rPr>
+              <a:t>metadata</a:t>
+            </a:r>
+            <a:endParaRPr lang="en-US" sz="2400" dirty="0">
+              <a:solidFill>
+                <a:srgbClr val="FFC000"/>
+              </a:solidFill>
+            </a:endParaRPr>
+          </a:p>
+        </p:txBody>
+      </p:sp>
+      <p:sp>
+        <p:nvSpPr>
+          <p:cNvPr id="10" name="TextBox 9"/>
+          <p:cNvSpPr txBox="1"/>
+          <p:nvPr/>
+        </p:nvSpPr>
+        <p:spPr>
+          <a:xfrm>
+            <a:off x="4191000" y="3481685"/>
+            <a:ext cx="4572000" cy="461665"/>
+          </a:xfrm>
+          <a:prstGeom prst="rect">
+            <a:avLst/>
+          </a:prstGeom>
+          <a:noFill/>
+        </p:spPr>
+        <p:txBody>
+          <a:bodyPr wrap="square" rtlCol="0">
+            <a:spAutoFit/>
+          </a:bodyPr>
+          <a:lstStyle/>
+          <a:p>
+            <a:r>
+              <a:rPr lang="en-US" sz="2400" dirty="0" smtClean="0"/>
+              <a:t>and extended on the client</a:t>
+            </a:r>
+            <a:endParaRPr lang="en-US" sz="2400" dirty="0">
+              <a:solidFill>
+                <a:srgbClr val="FFC000"/>
+              </a:solidFill>
+            </a:endParaRPr>
+          </a:p>
+        </p:txBody>
+      </p:sp>
     </p:spTree>
     <p:extLst>
       <p:ext uri="{BB962C8B-B14F-4D97-AF65-F5344CB8AC3E}">
@@ -17770,16 +20327,1172 @@
   <p:clrMapOvr>
     <a:masterClrMapping/>
   </p:clrMapOvr>
-  <mc:AlternateContent xmlns:mc="http://schemas.openxmlformats.org/markup-compatibility/2006">
-    <mc:Choice xmlns:p14="http://schemas.microsoft.com/office/powerpoint/2010/main" Requires="p14">
+  <mc:AlternateContent xmlns:mc="http://schemas.openxmlformats.org/markup-compatibility/2006" xmlns:p14="http://schemas.microsoft.com/office/powerpoint/2010/main">
+    <mc:Choice Requires="p14">
       <p:transition spd="med" p14:dur="700">
         <p:fade/>
       </p:transition>
     </mc:Choice>
-    <mc:Fallback>
+    <mc:Fallback xmlns="">
       <p:transition spd="med">
         <p:fade/>
       </p:transition>
+    </mc:Fallback>
+  </mc:AlternateContent>
+  <p:timing>
+    <p:tnLst>
+      <p:par>
+        <p:cTn id="1" dur="indefinite" restart="never" nodeType="tmRoot">
+          <p:childTnLst>
+            <p:seq concurrent="1" nextAc="seek">
+              <p:cTn id="2" dur="indefinite" nodeType="mainSeq">
+                <p:childTnLst>
+                  <p:par>
+                    <p:cTn id="3" fill="hold">
+                      <p:stCondLst>
+                        <p:cond delay="indefinite"/>
+                      </p:stCondLst>
+                      <p:childTnLst>
+                        <p:par>
+                          <p:cTn id="4" fill="hold">
+                            <p:stCondLst>
+                              <p:cond delay="0"/>
+                            </p:stCondLst>
+                            <p:childTnLst>
+                              <p:par>
+                                <p:cTn id="5" presetID="10" presetClass="entr" presetSubtype="0" fill="hold" grpId="0" nodeType="clickEffect">
+                                  <p:stCondLst>
+                                    <p:cond delay="0"/>
+                                  </p:stCondLst>
+                                  <p:childTnLst>
+                                    <p:set>
+                                      <p:cBhvr>
+                                        <p:cTn id="6" dur="1" fill="hold">
+                                          <p:stCondLst>
+                                            <p:cond delay="0"/>
+                                          </p:stCondLst>
+                                        </p:cTn>
+                                        <p:tgtEl>
+                                          <p:spTgt spid="2"/>
+                                        </p:tgtEl>
+                                        <p:attrNameLst>
+                                          <p:attrName>style.visibility</p:attrName>
+                                        </p:attrNameLst>
+                                      </p:cBhvr>
+                                      <p:to>
+                                        <p:strVal val="visible"/>
+                                      </p:to>
+                                    </p:set>
+                                    <p:animEffect transition="in" filter="fade">
+                                      <p:cBhvr>
+                                        <p:cTn id="7" dur="500"/>
+                                        <p:tgtEl>
+                                          <p:spTgt spid="2"/>
+                                        </p:tgtEl>
+                                      </p:cBhvr>
+                                    </p:animEffect>
+                                  </p:childTnLst>
+                                </p:cTn>
+                              </p:par>
+                            </p:childTnLst>
+                          </p:cTn>
+                        </p:par>
+                      </p:childTnLst>
+                    </p:cTn>
+                  </p:par>
+                  <p:par>
+                    <p:cTn id="8" fill="hold">
+                      <p:stCondLst>
+                        <p:cond delay="indefinite"/>
+                      </p:stCondLst>
+                      <p:childTnLst>
+                        <p:par>
+                          <p:cTn id="9" fill="hold">
+                            <p:stCondLst>
+                              <p:cond delay="0"/>
+                            </p:stCondLst>
+                            <p:childTnLst>
+                              <p:par>
+                                <p:cTn id="10" presetID="10" presetClass="entr" presetSubtype="0" fill="hold" grpId="0" nodeType="clickEffect">
+                                  <p:stCondLst>
+                                    <p:cond delay="0"/>
+                                  </p:stCondLst>
+                                  <p:childTnLst>
+                                    <p:set>
+                                      <p:cBhvr>
+                                        <p:cTn id="11" dur="1" fill="hold">
+                                          <p:stCondLst>
+                                            <p:cond delay="0"/>
+                                          </p:stCondLst>
+                                        </p:cTn>
+                                        <p:tgtEl>
+                                          <p:spTgt spid="10"/>
+                                        </p:tgtEl>
+                                        <p:attrNameLst>
+                                          <p:attrName>style.visibility</p:attrName>
+                                        </p:attrNameLst>
+                                      </p:cBhvr>
+                                      <p:to>
+                                        <p:strVal val="visible"/>
+                                      </p:to>
+                                    </p:set>
+                                    <p:animEffect transition="in" filter="fade">
+                                      <p:cBhvr>
+                                        <p:cTn id="12" dur="500"/>
+                                        <p:tgtEl>
+                                          <p:spTgt spid="10"/>
+                                        </p:tgtEl>
+                                      </p:cBhvr>
+                                    </p:animEffect>
+                                  </p:childTnLst>
+                                </p:cTn>
+                              </p:par>
+                            </p:childTnLst>
+                          </p:cTn>
+                        </p:par>
+                      </p:childTnLst>
+                    </p:cTn>
+                  </p:par>
+                </p:childTnLst>
+              </p:cTn>
+              <p:prevCondLst>
+                <p:cond evt="onPrev" delay="0">
+                  <p:tgtEl>
+                    <p:sldTgt/>
+                  </p:tgtEl>
+                </p:cond>
+              </p:prevCondLst>
+              <p:nextCondLst>
+                <p:cond evt="onNext" delay="0">
+                  <p:tgtEl>
+                    <p:sldTgt/>
+                  </p:tgtEl>
+                </p:cond>
+              </p:nextCondLst>
+            </p:seq>
+          </p:childTnLst>
+        </p:cTn>
+      </p:par>
+    </p:tnLst>
+    <p:bldLst>
+      <p:bldP spid="2" grpId="0"/>
+      <p:bldP spid="10" grpId="0"/>
+    </p:bldLst>
+  </p:timing>
+</p:sld>
+</file>
+
+<file path=ppt/slides/slide34.xml><?xml version="1.0" encoding="utf-8"?>
+<p:sld xmlns:a="http://schemas.openxmlformats.org/drawingml/2006/main" xmlns:r="http://schemas.openxmlformats.org/officeDocument/2006/relationships" xmlns:p="http://schemas.openxmlformats.org/presentationml/2006/main">
+  <p:cSld>
+    <p:spTree>
+      <p:nvGrpSpPr>
+        <p:cNvPr id="1" name=""/>
+        <p:cNvGrpSpPr/>
+        <p:nvPr/>
+      </p:nvGrpSpPr>
+      <p:grpSpPr>
+        <a:xfrm>
+          <a:off x="0" y="0"/>
+          <a:ext cx="0" cy="0"/>
+          <a:chOff x="0" y="0"/>
+          <a:chExt cx="0" cy="0"/>
+        </a:xfrm>
+      </p:grpSpPr>
+      <p:sp>
+        <p:nvSpPr>
+          <p:cNvPr id="7" name="TextBox 6"/>
+          <p:cNvSpPr txBox="1"/>
+          <p:nvPr/>
+        </p:nvSpPr>
+        <p:spPr>
+          <a:xfrm>
+            <a:off x="6705600" y="386775"/>
+            <a:ext cx="2209800" cy="584775"/>
+          </a:xfrm>
+          <a:prstGeom prst="rect">
+            <a:avLst/>
+          </a:prstGeom>
+          <a:noFill/>
+        </p:spPr>
+        <p:txBody>
+          <a:bodyPr wrap="square" rtlCol="0">
+            <a:spAutoFit/>
+          </a:bodyPr>
+          <a:lstStyle/>
+          <a:p>
+            <a:r>
+              <a:rPr lang="en-US" sz="3200" dirty="0" smtClean="0">
+                <a:solidFill>
+                  <a:srgbClr val="FFC000"/>
+                </a:solidFill>
+              </a:rPr>
+              <a:t>Metadata</a:t>
+            </a:r>
+            <a:endParaRPr lang="en-US" sz="3200" dirty="0">
+              <a:solidFill>
+                <a:srgbClr val="FFC000"/>
+              </a:solidFill>
+            </a:endParaRPr>
+          </a:p>
+        </p:txBody>
+      </p:sp>
+      <p:sp>
+        <p:nvSpPr>
+          <p:cNvPr id="4" name="Title 3"/>
+          <p:cNvSpPr>
+            <a:spLocks noGrp="1"/>
+          </p:cNvSpPr>
+          <p:nvPr>
+            <p:ph type="title"/>
+          </p:nvPr>
+        </p:nvSpPr>
+        <p:spPr/>
+        <p:txBody>
+          <a:bodyPr/>
+          <a:lstStyle/>
+          <a:p>
+            <a:r>
+              <a:rPr lang="en-US" dirty="0" smtClean="0"/>
+              <a:t>Breeze Web API controller</a:t>
+            </a:r>
+            <a:endParaRPr lang="en-US" dirty="0"/>
+          </a:p>
+        </p:txBody>
+      </p:sp>
+      <p:sp>
+        <p:nvSpPr>
+          <p:cNvPr id="5" name="Text Placeholder 4"/>
+          <p:cNvSpPr txBox="1">
+            <a:spLocks/>
+          </p:cNvSpPr>
+          <p:nvPr/>
+        </p:nvSpPr>
+        <p:spPr bwMode="auto">
+          <a:xfrm>
+            <a:off x="304800" y="1428750"/>
+            <a:ext cx="8458200" cy="3505200"/>
+          </a:xfrm>
+          <a:prstGeom prst="rect">
+            <a:avLst/>
+          </a:prstGeom>
+          <a:solidFill>
+            <a:schemeClr val="tx1"/>
+          </a:solidFill>
+          <a:ln w="9525">
+            <a:noFill/>
+            <a:miter lim="800000"/>
+            <a:headEnd/>
+            <a:tailEnd/>
+          </a:ln>
+          <a:effectLst/>
+        </p:spPr>
+        <p:txBody>
+          <a:bodyPr vert="horz" wrap="square" lIns="91440" tIns="45720" rIns="91440" bIns="45720" numCol="1" anchor="t" anchorCtr="0" compatLnSpc="1">
+            <a:prstTxWarp prst="textNoShape">
+              <a:avLst/>
+            </a:prstTxWarp>
+          </a:bodyPr>
+          <a:lstStyle>
+            <a:defPPr>
+              <a:defRPr lang="en-US"/>
+            </a:defPPr>
+            <a:lvl1pPr algn="l" rtl="0" fontAlgn="base">
+              <a:spcBef>
+                <a:spcPct val="0"/>
+              </a:spcBef>
+              <a:spcAft>
+                <a:spcPct val="0"/>
+              </a:spcAft>
+              <a:defRPr sz="1400" kern="1200">
+                <a:solidFill>
+                  <a:schemeClr val="tx1"/>
+                </a:solidFill>
+                <a:latin typeface="Arial" charset="0"/>
+                <a:ea typeface="+mn-ea"/>
+                <a:cs typeface="+mn-cs"/>
+              </a:defRPr>
+            </a:lvl1pPr>
+            <a:lvl2pPr marL="457200" algn="l" rtl="0" fontAlgn="base">
+              <a:spcBef>
+                <a:spcPct val="0"/>
+              </a:spcBef>
+              <a:spcAft>
+                <a:spcPct val="0"/>
+              </a:spcAft>
+              <a:defRPr kern="1200">
+                <a:solidFill>
+                  <a:schemeClr val="tx1"/>
+                </a:solidFill>
+                <a:latin typeface="Arial" charset="0"/>
+                <a:ea typeface="+mn-ea"/>
+                <a:cs typeface="+mn-cs"/>
+              </a:defRPr>
+            </a:lvl2pPr>
+            <a:lvl3pPr marL="914400" algn="l" rtl="0" fontAlgn="base">
+              <a:spcBef>
+                <a:spcPct val="0"/>
+              </a:spcBef>
+              <a:spcAft>
+                <a:spcPct val="0"/>
+              </a:spcAft>
+              <a:defRPr kern="1200">
+                <a:solidFill>
+                  <a:schemeClr val="tx1"/>
+                </a:solidFill>
+                <a:latin typeface="Arial" charset="0"/>
+                <a:ea typeface="+mn-ea"/>
+                <a:cs typeface="+mn-cs"/>
+              </a:defRPr>
+            </a:lvl3pPr>
+            <a:lvl4pPr marL="1371600" algn="l" rtl="0" fontAlgn="base">
+              <a:spcBef>
+                <a:spcPct val="0"/>
+              </a:spcBef>
+              <a:spcAft>
+                <a:spcPct val="0"/>
+              </a:spcAft>
+              <a:defRPr kern="1200">
+                <a:solidFill>
+                  <a:schemeClr val="tx1"/>
+                </a:solidFill>
+                <a:latin typeface="Arial" charset="0"/>
+                <a:ea typeface="+mn-ea"/>
+                <a:cs typeface="+mn-cs"/>
+              </a:defRPr>
+            </a:lvl4pPr>
+            <a:lvl5pPr marL="1828800" algn="l" rtl="0" fontAlgn="base">
+              <a:spcBef>
+                <a:spcPct val="0"/>
+              </a:spcBef>
+              <a:spcAft>
+                <a:spcPct val="0"/>
+              </a:spcAft>
+              <a:defRPr kern="1200">
+                <a:solidFill>
+                  <a:schemeClr val="tx1"/>
+                </a:solidFill>
+                <a:latin typeface="Arial" charset="0"/>
+                <a:ea typeface="+mn-ea"/>
+                <a:cs typeface="+mn-cs"/>
+              </a:defRPr>
+            </a:lvl5pPr>
+            <a:lvl6pPr marL="2286000" algn="l" defTabSz="914400" rtl="0" eaLnBrk="1" latinLnBrk="0" hangingPunct="1">
+              <a:defRPr kern="1200">
+                <a:solidFill>
+                  <a:schemeClr val="tx1"/>
+                </a:solidFill>
+                <a:latin typeface="Arial" charset="0"/>
+                <a:ea typeface="+mn-ea"/>
+                <a:cs typeface="+mn-cs"/>
+              </a:defRPr>
+            </a:lvl6pPr>
+            <a:lvl7pPr marL="2743200" algn="l" defTabSz="914400" rtl="0" eaLnBrk="1" latinLnBrk="0" hangingPunct="1">
+              <a:defRPr kern="1200">
+                <a:solidFill>
+                  <a:schemeClr val="tx1"/>
+                </a:solidFill>
+                <a:latin typeface="Arial" charset="0"/>
+                <a:ea typeface="+mn-ea"/>
+                <a:cs typeface="+mn-cs"/>
+              </a:defRPr>
+            </a:lvl7pPr>
+            <a:lvl8pPr marL="3200400" algn="l" defTabSz="914400" rtl="0" eaLnBrk="1" latinLnBrk="0" hangingPunct="1">
+              <a:defRPr kern="1200">
+                <a:solidFill>
+                  <a:schemeClr val="tx1"/>
+                </a:solidFill>
+                <a:latin typeface="Arial" charset="0"/>
+                <a:ea typeface="+mn-ea"/>
+                <a:cs typeface="+mn-cs"/>
+              </a:defRPr>
+            </a:lvl8pPr>
+            <a:lvl9pPr marL="3657600" algn="l" defTabSz="914400" rtl="0" eaLnBrk="1" latinLnBrk="0" hangingPunct="1">
+              <a:defRPr kern="1200">
+                <a:solidFill>
+                  <a:schemeClr val="tx1"/>
+                </a:solidFill>
+                <a:latin typeface="Arial" charset="0"/>
+                <a:ea typeface="+mn-ea"/>
+                <a:cs typeface="+mn-cs"/>
+              </a:defRPr>
+            </a:lvl9pPr>
+          </a:lstStyle>
+          <a:p>
+            <a:r>
+              <a:rPr lang="en-US" sz="1600" b="1" dirty="0">
+                <a:solidFill>
+                  <a:schemeClr val="bg1">
+                    <a:lumMod val="50000"/>
+                  </a:schemeClr>
+                </a:solidFill>
+                <a:latin typeface="Consolas" pitchFamily="49" charset="0"/>
+                <a:cs typeface="Consolas" pitchFamily="49" charset="0"/>
+              </a:rPr>
+              <a:t>[</a:t>
+            </a:r>
+            <a:r>
+              <a:rPr lang="en-US" sz="1600" b="1" dirty="0" err="1">
+                <a:solidFill>
+                  <a:srgbClr val="00B0F0"/>
+                </a:solidFill>
+                <a:latin typeface="Consolas" pitchFamily="49" charset="0"/>
+                <a:cs typeface="Consolas" pitchFamily="49" charset="0"/>
+              </a:rPr>
+              <a:t>JsonFormatter</a:t>
+            </a:r>
+            <a:r>
+              <a:rPr lang="en-US" sz="1600" b="1" dirty="0">
+                <a:solidFill>
+                  <a:schemeClr val="bg1">
+                    <a:lumMod val="50000"/>
+                  </a:schemeClr>
+                </a:solidFill>
+                <a:latin typeface="Consolas" pitchFamily="49" charset="0"/>
+                <a:cs typeface="Consolas" pitchFamily="49" charset="0"/>
+              </a:rPr>
+              <a:t>, </a:t>
+            </a:r>
+            <a:r>
+              <a:rPr lang="en-US" sz="1600" b="1" dirty="0" err="1">
+                <a:solidFill>
+                  <a:srgbClr val="00B0F0"/>
+                </a:solidFill>
+                <a:latin typeface="Consolas" pitchFamily="49" charset="0"/>
+                <a:cs typeface="Consolas" pitchFamily="49" charset="0"/>
+              </a:rPr>
+              <a:t>ODataActionFilter</a:t>
+            </a:r>
+            <a:r>
+              <a:rPr lang="en-US" sz="1600" b="1" dirty="0">
+                <a:solidFill>
+                  <a:schemeClr val="bg1">
+                    <a:lumMod val="50000"/>
+                  </a:schemeClr>
+                </a:solidFill>
+                <a:latin typeface="Consolas" pitchFamily="49" charset="0"/>
+                <a:cs typeface="Consolas" pitchFamily="49" charset="0"/>
+              </a:rPr>
+              <a:t>]</a:t>
+            </a:r>
+          </a:p>
+          <a:p>
+            <a:r>
+              <a:rPr lang="en-US" sz="1600" b="1" dirty="0">
+                <a:solidFill>
+                  <a:srgbClr val="002060"/>
+                </a:solidFill>
+                <a:latin typeface="Consolas" pitchFamily="49" charset="0"/>
+                <a:cs typeface="Consolas" pitchFamily="49" charset="0"/>
+              </a:rPr>
+              <a:t>public class </a:t>
+            </a:r>
+            <a:r>
+              <a:rPr lang="en-US" sz="1600" b="1" dirty="0" err="1">
+                <a:solidFill>
+                  <a:srgbClr val="00B0F0"/>
+                </a:solidFill>
+                <a:latin typeface="Consolas" pitchFamily="49" charset="0"/>
+                <a:cs typeface="Consolas" pitchFamily="49" charset="0"/>
+              </a:rPr>
+              <a:t>BreezeController</a:t>
+            </a:r>
+            <a:r>
+              <a:rPr lang="en-US" sz="1600" b="1" dirty="0">
+                <a:solidFill>
+                  <a:srgbClr val="00B0F0"/>
+                </a:solidFill>
+                <a:latin typeface="Consolas" pitchFamily="49" charset="0"/>
+                <a:cs typeface="Consolas" pitchFamily="49" charset="0"/>
+              </a:rPr>
+              <a:t> </a:t>
+            </a:r>
+            <a:r>
+              <a:rPr lang="en-US" sz="1600" b="1" dirty="0">
+                <a:solidFill>
+                  <a:schemeClr val="bg1">
+                    <a:lumMod val="50000"/>
+                  </a:schemeClr>
+                </a:solidFill>
+                <a:latin typeface="Consolas" pitchFamily="49" charset="0"/>
+                <a:cs typeface="Consolas" pitchFamily="49" charset="0"/>
+              </a:rPr>
+              <a:t>: </a:t>
+            </a:r>
+            <a:r>
+              <a:rPr lang="en-US" sz="1600" b="1" dirty="0" err="1">
+                <a:solidFill>
+                  <a:srgbClr val="00B0F0"/>
+                </a:solidFill>
+                <a:latin typeface="Consolas" pitchFamily="49" charset="0"/>
+                <a:cs typeface="Consolas" pitchFamily="49" charset="0"/>
+              </a:rPr>
+              <a:t>ApiController</a:t>
+            </a:r>
+            <a:endParaRPr lang="en-US" sz="1600" b="1" dirty="0">
+              <a:solidFill>
+                <a:srgbClr val="00B0F0"/>
+              </a:solidFill>
+              <a:latin typeface="Consolas" pitchFamily="49" charset="0"/>
+              <a:cs typeface="Consolas" pitchFamily="49" charset="0"/>
+            </a:endParaRPr>
+          </a:p>
+          <a:p>
+            <a:r>
+              <a:rPr lang="en-US" sz="1600" b="1" dirty="0">
+                <a:solidFill>
+                  <a:schemeClr val="bg1">
+                    <a:lumMod val="50000"/>
+                  </a:schemeClr>
+                </a:solidFill>
+                <a:latin typeface="Consolas" pitchFamily="49" charset="0"/>
+                <a:cs typeface="Consolas" pitchFamily="49" charset="0"/>
+              </a:rPr>
+              <a:t>{</a:t>
+            </a:r>
+          </a:p>
+          <a:p>
+            <a:r>
+              <a:rPr lang="en-US" sz="1600" b="1" dirty="0">
+                <a:solidFill>
+                  <a:schemeClr val="bg1">
+                    <a:lumMod val="50000"/>
+                  </a:schemeClr>
+                </a:solidFill>
+                <a:latin typeface="Consolas" pitchFamily="49" charset="0"/>
+                <a:cs typeface="Consolas" pitchFamily="49" charset="0"/>
+              </a:rPr>
+              <a:t>    </a:t>
+            </a:r>
+            <a:r>
+              <a:rPr lang="en-US" sz="1600" b="1" dirty="0" err="1">
+                <a:solidFill>
+                  <a:srgbClr val="002060"/>
+                </a:solidFill>
+                <a:latin typeface="Consolas" pitchFamily="49" charset="0"/>
+                <a:cs typeface="Consolas" pitchFamily="49" charset="0"/>
+              </a:rPr>
+              <a:t>readonly</a:t>
+            </a:r>
+            <a:r>
+              <a:rPr lang="en-US" sz="1600" b="1" dirty="0">
+                <a:solidFill>
+                  <a:srgbClr val="002060"/>
+                </a:solidFill>
+                <a:latin typeface="Consolas" pitchFamily="49" charset="0"/>
+                <a:cs typeface="Consolas" pitchFamily="49" charset="0"/>
+              </a:rPr>
+              <a:t> </a:t>
+            </a:r>
+            <a:r>
+              <a:rPr lang="en-US" sz="1600" b="1" dirty="0" err="1">
+                <a:solidFill>
+                  <a:srgbClr val="00B0F0"/>
+                </a:solidFill>
+                <a:latin typeface="Consolas" pitchFamily="49" charset="0"/>
+                <a:cs typeface="Consolas" pitchFamily="49" charset="0"/>
+              </a:rPr>
+              <a:t>EFContextProvider</a:t>
+            </a:r>
+            <a:r>
+              <a:rPr lang="en-US" sz="1600" b="1" dirty="0">
+                <a:solidFill>
+                  <a:schemeClr val="bg1">
+                    <a:lumMod val="50000"/>
+                  </a:schemeClr>
+                </a:solidFill>
+                <a:latin typeface="Consolas" pitchFamily="49" charset="0"/>
+                <a:cs typeface="Consolas" pitchFamily="49" charset="0"/>
+              </a:rPr>
+              <a:t>&lt;</a:t>
+            </a:r>
+            <a:r>
+              <a:rPr lang="en-US" sz="1600" b="1" dirty="0" err="1">
+                <a:solidFill>
+                  <a:srgbClr val="00B0F0"/>
+                </a:solidFill>
+                <a:latin typeface="Consolas" pitchFamily="49" charset="0"/>
+                <a:cs typeface="Consolas" pitchFamily="49" charset="0"/>
+              </a:rPr>
+              <a:t>CodeCamperDbContext</a:t>
+            </a:r>
+            <a:r>
+              <a:rPr lang="en-US" sz="1600" b="1" dirty="0">
+                <a:solidFill>
+                  <a:schemeClr val="bg1">
+                    <a:lumMod val="50000"/>
+                  </a:schemeClr>
+                </a:solidFill>
+                <a:latin typeface="Consolas" pitchFamily="49" charset="0"/>
+                <a:cs typeface="Consolas" pitchFamily="49" charset="0"/>
+              </a:rPr>
+              <a:t>&gt; _</a:t>
+            </a:r>
+            <a:r>
+              <a:rPr lang="en-US" sz="1600" b="1" dirty="0" err="1">
+                <a:solidFill>
+                  <a:schemeClr val="bg1">
+                    <a:lumMod val="50000"/>
+                  </a:schemeClr>
+                </a:solidFill>
+                <a:latin typeface="Consolas" pitchFamily="49" charset="0"/>
+                <a:cs typeface="Consolas" pitchFamily="49" charset="0"/>
+              </a:rPr>
+              <a:t>contextProvider</a:t>
+            </a:r>
+            <a:r>
+              <a:rPr lang="en-US" sz="1600" b="1" dirty="0">
+                <a:solidFill>
+                  <a:schemeClr val="bg1">
+                    <a:lumMod val="50000"/>
+                  </a:schemeClr>
+                </a:solidFill>
+                <a:latin typeface="Consolas" pitchFamily="49" charset="0"/>
+                <a:cs typeface="Consolas" pitchFamily="49" charset="0"/>
+              </a:rPr>
+              <a:t> =</a:t>
+            </a:r>
+          </a:p>
+          <a:p>
+            <a:r>
+              <a:rPr lang="en-US" sz="1600" b="1" dirty="0">
+                <a:solidFill>
+                  <a:schemeClr val="bg1">
+                    <a:lumMod val="50000"/>
+                  </a:schemeClr>
+                </a:solidFill>
+                <a:latin typeface="Consolas" pitchFamily="49" charset="0"/>
+                <a:cs typeface="Consolas" pitchFamily="49" charset="0"/>
+              </a:rPr>
+              <a:t>        </a:t>
+            </a:r>
+            <a:r>
+              <a:rPr lang="en-US" sz="1600" b="1" dirty="0">
+                <a:solidFill>
+                  <a:srgbClr val="0070C0"/>
+                </a:solidFill>
+                <a:latin typeface="Consolas" pitchFamily="49" charset="0"/>
+                <a:cs typeface="Consolas" pitchFamily="49" charset="0"/>
+              </a:rPr>
+              <a:t>new</a:t>
+            </a:r>
+            <a:r>
+              <a:rPr lang="en-US" sz="1600" b="1" dirty="0">
+                <a:solidFill>
+                  <a:schemeClr val="bg1">
+                    <a:lumMod val="50000"/>
+                  </a:schemeClr>
+                </a:solidFill>
+                <a:latin typeface="Consolas" pitchFamily="49" charset="0"/>
+                <a:cs typeface="Consolas" pitchFamily="49" charset="0"/>
+              </a:rPr>
+              <a:t> </a:t>
+            </a:r>
+            <a:r>
+              <a:rPr lang="en-US" sz="1600" b="1" dirty="0" err="1">
+                <a:solidFill>
+                  <a:srgbClr val="00B0F0"/>
+                </a:solidFill>
+                <a:latin typeface="Consolas" pitchFamily="49" charset="0"/>
+                <a:cs typeface="Consolas" pitchFamily="49" charset="0"/>
+              </a:rPr>
+              <a:t>EFContextProvider</a:t>
+            </a:r>
+            <a:r>
+              <a:rPr lang="en-US" sz="1600" b="1" dirty="0">
+                <a:solidFill>
+                  <a:schemeClr val="bg1">
+                    <a:lumMod val="50000"/>
+                  </a:schemeClr>
+                </a:solidFill>
+                <a:latin typeface="Consolas" pitchFamily="49" charset="0"/>
+                <a:cs typeface="Consolas" pitchFamily="49" charset="0"/>
+              </a:rPr>
+              <a:t>&lt;</a:t>
+            </a:r>
+            <a:r>
+              <a:rPr lang="en-US" sz="1600" b="1" dirty="0" err="1">
+                <a:solidFill>
+                  <a:srgbClr val="00B0F0"/>
+                </a:solidFill>
+                <a:latin typeface="Consolas" pitchFamily="49" charset="0"/>
+                <a:cs typeface="Consolas" pitchFamily="49" charset="0"/>
+              </a:rPr>
+              <a:t>CodeCamperDbContext</a:t>
+            </a:r>
+            <a:r>
+              <a:rPr lang="en-US" sz="1600" b="1" dirty="0" smtClean="0">
+                <a:solidFill>
+                  <a:schemeClr val="bg1">
+                    <a:lumMod val="50000"/>
+                  </a:schemeClr>
+                </a:solidFill>
+                <a:latin typeface="Consolas" pitchFamily="49" charset="0"/>
+                <a:cs typeface="Consolas" pitchFamily="49" charset="0"/>
+              </a:rPr>
+              <a:t>&gt;();</a:t>
+            </a:r>
+            <a:endParaRPr lang="en-US" sz="1600" b="1" dirty="0">
+              <a:solidFill>
+                <a:schemeClr val="bg1">
+                  <a:lumMod val="50000"/>
+                </a:schemeClr>
+              </a:solidFill>
+              <a:latin typeface="Consolas" pitchFamily="49" charset="0"/>
+              <a:cs typeface="Consolas" pitchFamily="49" charset="0"/>
+            </a:endParaRPr>
+          </a:p>
+          <a:p>
+            <a:endParaRPr lang="en-US" sz="1600" b="1" dirty="0">
+              <a:solidFill>
+                <a:schemeClr val="bg1">
+                  <a:lumMod val="50000"/>
+                </a:schemeClr>
+              </a:solidFill>
+              <a:latin typeface="Consolas" pitchFamily="49" charset="0"/>
+              <a:cs typeface="Consolas" pitchFamily="49" charset="0"/>
+            </a:endParaRPr>
+          </a:p>
+          <a:p>
+            <a:r>
+              <a:rPr lang="en-US" sz="1600" b="1" dirty="0">
+                <a:solidFill>
+                  <a:schemeClr val="bg1">
+                    <a:lumMod val="50000"/>
+                  </a:schemeClr>
+                </a:solidFill>
+                <a:latin typeface="Consolas" pitchFamily="49" charset="0"/>
+                <a:cs typeface="Consolas" pitchFamily="49" charset="0"/>
+              </a:rPr>
+              <a:t>    </a:t>
+            </a:r>
+            <a:r>
+              <a:rPr lang="en-US" sz="1600" b="1" dirty="0" smtClean="0">
+                <a:solidFill>
+                  <a:schemeClr val="bg1">
+                    <a:lumMod val="50000"/>
+                  </a:schemeClr>
+                </a:solidFill>
+                <a:latin typeface="Consolas" pitchFamily="49" charset="0"/>
+                <a:cs typeface="Consolas" pitchFamily="49" charset="0"/>
+              </a:rPr>
+              <a:t>[</a:t>
+            </a:r>
+            <a:r>
+              <a:rPr lang="en-US" sz="1600" b="1" dirty="0" err="1" smtClean="0">
+                <a:solidFill>
+                  <a:srgbClr val="00B0F0"/>
+                </a:solidFill>
+                <a:latin typeface="Consolas" pitchFamily="49" charset="0"/>
+                <a:cs typeface="Consolas" pitchFamily="49" charset="0"/>
+              </a:rPr>
+              <a:t>HttpGet</a:t>
+            </a:r>
+            <a:r>
+              <a:rPr lang="en-US" sz="1600" b="1" dirty="0" smtClean="0">
+                <a:solidFill>
+                  <a:schemeClr val="bg1">
+                    <a:lumMod val="50000"/>
+                  </a:schemeClr>
+                </a:solidFill>
+                <a:latin typeface="Consolas" pitchFamily="49" charset="0"/>
+                <a:cs typeface="Consolas" pitchFamily="49" charset="0"/>
+              </a:rPr>
+              <a:t>]</a:t>
+            </a:r>
+            <a:endParaRPr lang="en-US" sz="1600" b="1" dirty="0">
+              <a:solidFill>
+                <a:schemeClr val="bg1">
+                  <a:lumMod val="50000"/>
+                </a:schemeClr>
+              </a:solidFill>
+              <a:latin typeface="Consolas" pitchFamily="49" charset="0"/>
+              <a:cs typeface="Consolas" pitchFamily="49" charset="0"/>
+            </a:endParaRPr>
+          </a:p>
+          <a:p>
+            <a:r>
+              <a:rPr lang="en-US" sz="1600" b="1" dirty="0">
+                <a:solidFill>
+                  <a:schemeClr val="bg1">
+                    <a:lumMod val="50000"/>
+                  </a:schemeClr>
+                </a:solidFill>
+                <a:latin typeface="Consolas" pitchFamily="49" charset="0"/>
+                <a:cs typeface="Consolas" pitchFamily="49" charset="0"/>
+              </a:rPr>
+              <a:t>    </a:t>
+            </a:r>
+            <a:r>
+              <a:rPr lang="en-US" sz="1600" b="1" dirty="0">
+                <a:solidFill>
+                  <a:srgbClr val="002060"/>
+                </a:solidFill>
+                <a:latin typeface="Consolas" pitchFamily="49" charset="0"/>
+                <a:cs typeface="Consolas" pitchFamily="49" charset="0"/>
+              </a:rPr>
+              <a:t>public</a:t>
+            </a:r>
+            <a:r>
+              <a:rPr lang="en-US" sz="1600" b="1" dirty="0">
+                <a:solidFill>
+                  <a:schemeClr val="bg1">
+                    <a:lumMod val="50000"/>
+                  </a:schemeClr>
+                </a:solidFill>
+                <a:latin typeface="Consolas" pitchFamily="49" charset="0"/>
+                <a:cs typeface="Consolas" pitchFamily="49" charset="0"/>
+              </a:rPr>
+              <a:t> </a:t>
+            </a:r>
+            <a:r>
+              <a:rPr lang="en-US" sz="1600" b="1" dirty="0">
+                <a:solidFill>
+                  <a:srgbClr val="002060"/>
+                </a:solidFill>
+                <a:latin typeface="Consolas" pitchFamily="49" charset="0"/>
+                <a:cs typeface="Consolas" pitchFamily="49" charset="0"/>
+              </a:rPr>
+              <a:t>string</a:t>
+            </a:r>
+            <a:r>
+              <a:rPr lang="en-US" sz="1600" b="1" dirty="0">
+                <a:solidFill>
+                  <a:schemeClr val="bg1">
+                    <a:lumMod val="50000"/>
+                  </a:schemeClr>
+                </a:solidFill>
+                <a:latin typeface="Consolas" pitchFamily="49" charset="0"/>
+                <a:cs typeface="Consolas" pitchFamily="49" charset="0"/>
+              </a:rPr>
+              <a:t> Metadata()</a:t>
+            </a:r>
+          </a:p>
+          <a:p>
+            <a:r>
+              <a:rPr lang="en-US" sz="1600" b="1" dirty="0">
+                <a:solidFill>
+                  <a:schemeClr val="bg1">
+                    <a:lumMod val="50000"/>
+                  </a:schemeClr>
+                </a:solidFill>
+                <a:latin typeface="Consolas" pitchFamily="49" charset="0"/>
+                <a:cs typeface="Consolas" pitchFamily="49" charset="0"/>
+              </a:rPr>
+              <a:t>    {</a:t>
+            </a:r>
+          </a:p>
+          <a:p>
+            <a:r>
+              <a:rPr lang="en-US" sz="1600" b="1" dirty="0">
+                <a:solidFill>
+                  <a:schemeClr val="bg1">
+                    <a:lumMod val="50000"/>
+                  </a:schemeClr>
+                </a:solidFill>
+                <a:latin typeface="Consolas" pitchFamily="49" charset="0"/>
+                <a:cs typeface="Consolas" pitchFamily="49" charset="0"/>
+              </a:rPr>
+              <a:t>        </a:t>
+            </a:r>
+            <a:r>
+              <a:rPr lang="en-US" sz="1600" b="1" dirty="0">
+                <a:solidFill>
+                  <a:srgbClr val="002060"/>
+                </a:solidFill>
+                <a:latin typeface="Consolas" pitchFamily="49" charset="0"/>
+                <a:cs typeface="Consolas" pitchFamily="49" charset="0"/>
+              </a:rPr>
+              <a:t>return </a:t>
+            </a:r>
+            <a:r>
+              <a:rPr lang="en-US" sz="1600" b="1" dirty="0">
+                <a:solidFill>
+                  <a:schemeClr val="bg1">
+                    <a:lumMod val="50000"/>
+                  </a:schemeClr>
+                </a:solidFill>
+                <a:latin typeface="Consolas" pitchFamily="49" charset="0"/>
+                <a:cs typeface="Consolas" pitchFamily="49" charset="0"/>
+              </a:rPr>
+              <a:t>_</a:t>
+            </a:r>
+            <a:r>
+              <a:rPr lang="en-US" sz="1600" b="1" dirty="0" err="1">
+                <a:solidFill>
+                  <a:schemeClr val="bg1">
+                    <a:lumMod val="50000"/>
+                  </a:schemeClr>
+                </a:solidFill>
+                <a:latin typeface="Consolas" pitchFamily="49" charset="0"/>
+                <a:cs typeface="Consolas" pitchFamily="49" charset="0"/>
+              </a:rPr>
+              <a:t>contextProvider.Metadata</a:t>
+            </a:r>
+            <a:r>
+              <a:rPr lang="en-US" sz="1600" b="1" dirty="0">
+                <a:solidFill>
+                  <a:schemeClr val="bg1">
+                    <a:lumMod val="50000"/>
+                  </a:schemeClr>
+                </a:solidFill>
+                <a:latin typeface="Consolas" pitchFamily="49" charset="0"/>
+                <a:cs typeface="Consolas" pitchFamily="49" charset="0"/>
+              </a:rPr>
+              <a:t>();</a:t>
+            </a:r>
+          </a:p>
+          <a:p>
+            <a:r>
+              <a:rPr lang="en-US" sz="1600" b="1" dirty="0">
+                <a:solidFill>
+                  <a:schemeClr val="bg1">
+                    <a:lumMod val="50000"/>
+                  </a:schemeClr>
+                </a:solidFill>
+                <a:latin typeface="Consolas" pitchFamily="49" charset="0"/>
+                <a:cs typeface="Consolas" pitchFamily="49" charset="0"/>
+              </a:rPr>
+              <a:t>    }</a:t>
+            </a:r>
+          </a:p>
+          <a:p>
+            <a:endParaRPr lang="en-US" sz="1600" b="1" dirty="0">
+              <a:solidFill>
+                <a:schemeClr val="bg1">
+                  <a:lumMod val="50000"/>
+                </a:schemeClr>
+              </a:solidFill>
+              <a:latin typeface="Consolas" pitchFamily="49" charset="0"/>
+              <a:cs typeface="Consolas" pitchFamily="49" charset="0"/>
+            </a:endParaRPr>
+          </a:p>
+          <a:p>
+            <a:r>
+              <a:rPr lang="en-US" sz="1600" b="1" dirty="0">
+                <a:solidFill>
+                  <a:schemeClr val="bg1">
+                    <a:lumMod val="50000"/>
+                  </a:schemeClr>
+                </a:solidFill>
+                <a:latin typeface="Consolas" pitchFamily="49" charset="0"/>
+                <a:cs typeface="Consolas" pitchFamily="49" charset="0"/>
+              </a:rPr>
+              <a:t>    </a:t>
+            </a:r>
+            <a:r>
+              <a:rPr lang="en-US" sz="1600" b="1" dirty="0" smtClean="0">
+                <a:solidFill>
+                  <a:schemeClr val="bg1">
+                    <a:lumMod val="50000"/>
+                  </a:schemeClr>
+                </a:solidFill>
+                <a:latin typeface="Consolas" pitchFamily="49" charset="0"/>
+                <a:cs typeface="Consolas" pitchFamily="49" charset="0"/>
+              </a:rPr>
+              <a:t>...</a:t>
+            </a:r>
+            <a:endParaRPr lang="en-US" sz="1600" b="1" dirty="0">
+              <a:solidFill>
+                <a:schemeClr val="bg1">
+                  <a:lumMod val="50000"/>
+                </a:schemeClr>
+              </a:solidFill>
+              <a:latin typeface="Consolas" pitchFamily="49" charset="0"/>
+              <a:cs typeface="Consolas" pitchFamily="49" charset="0"/>
+            </a:endParaRPr>
+          </a:p>
+        </p:txBody>
+      </p:sp>
+      <p:sp>
+        <p:nvSpPr>
+          <p:cNvPr id="9" name="Text Placeholder 4"/>
+          <p:cNvSpPr txBox="1">
+            <a:spLocks/>
+          </p:cNvSpPr>
+          <p:nvPr/>
+        </p:nvSpPr>
+        <p:spPr bwMode="auto">
+          <a:xfrm>
+            <a:off x="304800" y="1428750"/>
+            <a:ext cx="8458200" cy="1295400"/>
+          </a:xfrm>
+          <a:prstGeom prst="rect">
+            <a:avLst/>
+          </a:prstGeom>
+          <a:solidFill>
+            <a:schemeClr val="tx1">
+              <a:alpha val="69000"/>
+            </a:schemeClr>
+          </a:solidFill>
+          <a:ln w="9525">
+            <a:noFill/>
+            <a:miter lim="800000"/>
+            <a:headEnd/>
+            <a:tailEnd/>
+          </a:ln>
+          <a:effectLst/>
+        </p:spPr>
+        <p:txBody>
+          <a:bodyPr vert="horz" wrap="square" lIns="91440" tIns="45720" rIns="91440" bIns="45720" numCol="1" anchor="t" anchorCtr="0" compatLnSpc="1">
+            <a:prstTxWarp prst="textNoShape">
+              <a:avLst/>
+            </a:prstTxWarp>
+          </a:bodyPr>
+          <a:lstStyle>
+            <a:defPPr>
+              <a:defRPr lang="en-US"/>
+            </a:defPPr>
+            <a:lvl1pPr algn="l" rtl="0" fontAlgn="base">
+              <a:spcBef>
+                <a:spcPct val="0"/>
+              </a:spcBef>
+              <a:spcAft>
+                <a:spcPct val="0"/>
+              </a:spcAft>
+              <a:defRPr sz="1400" kern="1200">
+                <a:solidFill>
+                  <a:schemeClr val="tx1"/>
+                </a:solidFill>
+                <a:latin typeface="Arial" charset="0"/>
+                <a:ea typeface="+mn-ea"/>
+                <a:cs typeface="+mn-cs"/>
+              </a:defRPr>
+            </a:lvl1pPr>
+            <a:lvl2pPr marL="457200" algn="l" rtl="0" fontAlgn="base">
+              <a:spcBef>
+                <a:spcPct val="0"/>
+              </a:spcBef>
+              <a:spcAft>
+                <a:spcPct val="0"/>
+              </a:spcAft>
+              <a:defRPr kern="1200">
+                <a:solidFill>
+                  <a:schemeClr val="tx1"/>
+                </a:solidFill>
+                <a:latin typeface="Arial" charset="0"/>
+                <a:ea typeface="+mn-ea"/>
+                <a:cs typeface="+mn-cs"/>
+              </a:defRPr>
+            </a:lvl2pPr>
+            <a:lvl3pPr marL="914400" algn="l" rtl="0" fontAlgn="base">
+              <a:spcBef>
+                <a:spcPct val="0"/>
+              </a:spcBef>
+              <a:spcAft>
+                <a:spcPct val="0"/>
+              </a:spcAft>
+              <a:defRPr kern="1200">
+                <a:solidFill>
+                  <a:schemeClr val="tx1"/>
+                </a:solidFill>
+                <a:latin typeface="Arial" charset="0"/>
+                <a:ea typeface="+mn-ea"/>
+                <a:cs typeface="+mn-cs"/>
+              </a:defRPr>
+            </a:lvl3pPr>
+            <a:lvl4pPr marL="1371600" algn="l" rtl="0" fontAlgn="base">
+              <a:spcBef>
+                <a:spcPct val="0"/>
+              </a:spcBef>
+              <a:spcAft>
+                <a:spcPct val="0"/>
+              </a:spcAft>
+              <a:defRPr kern="1200">
+                <a:solidFill>
+                  <a:schemeClr val="tx1"/>
+                </a:solidFill>
+                <a:latin typeface="Arial" charset="0"/>
+                <a:ea typeface="+mn-ea"/>
+                <a:cs typeface="+mn-cs"/>
+              </a:defRPr>
+            </a:lvl4pPr>
+            <a:lvl5pPr marL="1828800" algn="l" rtl="0" fontAlgn="base">
+              <a:spcBef>
+                <a:spcPct val="0"/>
+              </a:spcBef>
+              <a:spcAft>
+                <a:spcPct val="0"/>
+              </a:spcAft>
+              <a:defRPr kern="1200">
+                <a:solidFill>
+                  <a:schemeClr val="tx1"/>
+                </a:solidFill>
+                <a:latin typeface="Arial" charset="0"/>
+                <a:ea typeface="+mn-ea"/>
+                <a:cs typeface="+mn-cs"/>
+              </a:defRPr>
+            </a:lvl5pPr>
+            <a:lvl6pPr marL="2286000" algn="l" defTabSz="914400" rtl="0" eaLnBrk="1" latinLnBrk="0" hangingPunct="1">
+              <a:defRPr kern="1200">
+                <a:solidFill>
+                  <a:schemeClr val="tx1"/>
+                </a:solidFill>
+                <a:latin typeface="Arial" charset="0"/>
+                <a:ea typeface="+mn-ea"/>
+                <a:cs typeface="+mn-cs"/>
+              </a:defRPr>
+            </a:lvl6pPr>
+            <a:lvl7pPr marL="2743200" algn="l" defTabSz="914400" rtl="0" eaLnBrk="1" latinLnBrk="0" hangingPunct="1">
+              <a:defRPr kern="1200">
+                <a:solidFill>
+                  <a:schemeClr val="tx1"/>
+                </a:solidFill>
+                <a:latin typeface="Arial" charset="0"/>
+                <a:ea typeface="+mn-ea"/>
+                <a:cs typeface="+mn-cs"/>
+              </a:defRPr>
+            </a:lvl7pPr>
+            <a:lvl8pPr marL="3200400" algn="l" defTabSz="914400" rtl="0" eaLnBrk="1" latinLnBrk="0" hangingPunct="1">
+              <a:defRPr kern="1200">
+                <a:solidFill>
+                  <a:schemeClr val="tx1"/>
+                </a:solidFill>
+                <a:latin typeface="Arial" charset="0"/>
+                <a:ea typeface="+mn-ea"/>
+                <a:cs typeface="+mn-cs"/>
+              </a:defRPr>
+            </a:lvl8pPr>
+            <a:lvl9pPr marL="3657600" algn="l" defTabSz="914400" rtl="0" eaLnBrk="1" latinLnBrk="0" hangingPunct="1">
+              <a:defRPr kern="1200">
+                <a:solidFill>
+                  <a:schemeClr val="tx1"/>
+                </a:solidFill>
+                <a:latin typeface="Arial" charset="0"/>
+                <a:ea typeface="+mn-ea"/>
+                <a:cs typeface="+mn-cs"/>
+              </a:defRPr>
+            </a:lvl9pPr>
+          </a:lstStyle>
+          <a:p>
+            <a:endParaRPr lang="en-US" sz="1600" b="1" dirty="0">
+              <a:solidFill>
+                <a:schemeClr val="bg1">
+                  <a:lumMod val="50000"/>
+                </a:schemeClr>
+              </a:solidFill>
+              <a:latin typeface="Consolas" pitchFamily="49" charset="0"/>
+              <a:cs typeface="Consolas" pitchFamily="49" charset="0"/>
+            </a:endParaRPr>
+          </a:p>
+        </p:txBody>
+      </p:sp>
+    </p:spTree>
+    <p:extLst>
+      <p:ext uri="{BB962C8B-B14F-4D97-AF65-F5344CB8AC3E}">
+        <p14:creationId xmlns:p14="http://schemas.microsoft.com/office/powerpoint/2010/main" val="4291786384"/>
+      </p:ext>
+    </p:extLst>
+  </p:cSld>
+  <p:clrMapOvr>
+    <a:masterClrMapping/>
+  </p:clrMapOvr>
+  <mc:AlternateContent xmlns:mc="http://schemas.openxmlformats.org/markup-compatibility/2006">
+    <mc:Choice xmlns:p14="http://schemas.microsoft.com/office/powerpoint/2010/main" Requires="p14">
+      <p:transition spd="slow" p14:dur="2000"/>
+    </mc:Choice>
+    <mc:Fallback>
+      <p:transition spd="slow"/>
     </mc:Fallback>
   </mc:AlternateContent>
   <p:timing>
@@ -17792,7 +21505,7 @@
 </p:sld>
 </file>
 
-<file path=ppt/slides/slide33.xml><?xml version="1.0" encoding="utf-8"?>
+<file path=ppt/slides/slide35.xml><?xml version="1.0" encoding="utf-8"?>
 <p:sld xmlns:a="http://schemas.openxmlformats.org/drawingml/2006/main" xmlns:r="http://schemas.openxmlformats.org/officeDocument/2006/relationships" xmlns:p="http://schemas.openxmlformats.org/presentationml/2006/main">
   <p:cSld>
     <p:spTree>
@@ -17974,13 +21687,13 @@
   <p:clrMapOvr>
     <a:masterClrMapping/>
   </p:clrMapOvr>
-  <mc:AlternateContent xmlns:mc="http://schemas.openxmlformats.org/markup-compatibility/2006">
-    <mc:Choice xmlns:p14="http://schemas.microsoft.com/office/powerpoint/2010/main" Requires="p14">
+  <mc:AlternateContent xmlns:mc="http://schemas.openxmlformats.org/markup-compatibility/2006" xmlns:p14="http://schemas.microsoft.com/office/powerpoint/2010/main">
+    <mc:Choice Requires="p14">
       <p:transition spd="med" p14:dur="700">
         <p:fade/>
       </p:transition>
     </mc:Choice>
-    <mc:Fallback>
+    <mc:Fallback xmlns="">
       <p:transition spd="med">
         <p:fade/>
       </p:transition>
@@ -17989,14 +21702,90 @@
   <p:timing>
     <p:tnLst>
       <p:par>
-        <p:cTn id="1" dur="indefinite" restart="never" nodeType="tmRoot"/>
+        <p:cTn id="1" dur="indefinite" restart="never" nodeType="tmRoot">
+          <p:childTnLst>
+            <p:seq concurrent="1" nextAc="seek">
+              <p:cTn id="2" dur="indefinite" nodeType="mainSeq">
+                <p:childTnLst>
+                  <p:par>
+                    <p:cTn id="3" fill="hold">
+                      <p:stCondLst>
+                        <p:cond delay="indefinite"/>
+                      </p:stCondLst>
+                      <p:childTnLst>
+                        <p:par>
+                          <p:cTn id="4" fill="hold">
+                            <p:stCondLst>
+                              <p:cond delay="0"/>
+                            </p:stCondLst>
+                            <p:childTnLst>
+                              <p:par>
+                                <p:cTn id="5" presetID="10" presetClass="entr" presetSubtype="0" fill="hold" nodeType="clickEffect">
+                                  <p:stCondLst>
+                                    <p:cond delay="0"/>
+                                  </p:stCondLst>
+                                  <p:childTnLst>
+                                    <p:set>
+                                      <p:cBhvr>
+                                        <p:cTn id="6" dur="1" fill="hold">
+                                          <p:stCondLst>
+                                            <p:cond delay="0"/>
+                                          </p:stCondLst>
+                                        </p:cTn>
+                                        <p:tgtEl>
+                                          <p:spTgt spid="15363"/>
+                                        </p:tgtEl>
+                                        <p:attrNameLst>
+                                          <p:attrName>style.visibility</p:attrName>
+                                        </p:attrNameLst>
+                                      </p:cBhvr>
+                                      <p:to>
+                                        <p:strVal val="visible"/>
+                                      </p:to>
+                                    </p:set>
+                                    <p:animEffect transition="in" filter="fade">
+                                      <p:cBhvr>
+                                        <p:cTn id="7" dur="500"/>
+                                        <p:tgtEl>
+                                          <p:spTgt spid="15363"/>
+                                        </p:tgtEl>
+                                      </p:cBhvr>
+                                    </p:animEffect>
+                                  </p:childTnLst>
+                                </p:cTn>
+                              </p:par>
+                            </p:childTnLst>
+                          </p:cTn>
+                        </p:par>
+                      </p:childTnLst>
+                    </p:cTn>
+                  </p:par>
+                </p:childTnLst>
+              </p:cTn>
+              <p:prevCondLst>
+                <p:cond evt="onPrev" delay="0">
+                  <p:tgtEl>
+                    <p:sldTgt/>
+                  </p:tgtEl>
+                </p:cond>
+              </p:prevCondLst>
+              <p:nextCondLst>
+                <p:cond evt="onNext" delay="0">
+                  <p:tgtEl>
+                    <p:sldTgt/>
+                  </p:tgtEl>
+                </p:cond>
+              </p:nextCondLst>
+            </p:seq>
+          </p:childTnLst>
+        </p:cTn>
       </p:par>
     </p:tnLst>
   </p:timing>
 </p:sld>
 </file>
 
-<file path=ppt/slides/slide34.xml><?xml version="1.0" encoding="utf-8"?>
+<file path=ppt/slides/slide36.xml><?xml version="1.0" encoding="utf-8"?>
 <p:sld xmlns:a="http://schemas.openxmlformats.org/drawingml/2006/main" xmlns:r="http://schemas.openxmlformats.org/officeDocument/2006/relationships" xmlns:p="http://schemas.openxmlformats.org/presentationml/2006/main">
   <p:cSld>
     <p:spTree>
@@ -18271,13 +22060,13 @@
   <p:clrMapOvr>
     <a:masterClrMapping/>
   </p:clrMapOvr>
-  <mc:AlternateContent xmlns:mc="http://schemas.openxmlformats.org/markup-compatibility/2006">
-    <mc:Choice xmlns:p14="http://schemas.microsoft.com/office/powerpoint/2010/main" Requires="p14">
+  <mc:AlternateContent xmlns:mc="http://schemas.openxmlformats.org/markup-compatibility/2006" xmlns:p14="http://schemas.microsoft.com/office/powerpoint/2010/main">
+    <mc:Choice Requires="p14">
       <p:transition spd="med" p14:dur="700">
         <p:fade/>
       </p:transition>
     </mc:Choice>
-    <mc:Fallback>
+    <mc:Fallback xmlns="">
       <p:transition spd="med">
         <p:fade/>
       </p:transition>
@@ -18483,7 +22272,7 @@
 </p:sld>
 </file>
 
-<file path=ppt/slides/slide35.xml><?xml version="1.0" encoding="utf-8"?>
+<file path=ppt/slides/slide37.xml><?xml version="1.0" encoding="utf-8"?>
 <p:sld xmlns:a="http://schemas.openxmlformats.org/drawingml/2006/main" xmlns:r="http://schemas.openxmlformats.org/officeDocument/2006/relationships" xmlns:p="http://schemas.openxmlformats.org/presentationml/2006/main">
   <p:cSld>
     <p:spTree>
@@ -18538,13 +22327,13 @@
   <p:clrMapOvr>
     <a:masterClrMapping/>
   </p:clrMapOvr>
-  <mc:AlternateContent xmlns:mc="http://schemas.openxmlformats.org/markup-compatibility/2006">
-    <mc:Choice xmlns:p14="http://schemas.microsoft.com/office/powerpoint/2010/main" Requires="p14">
+  <mc:AlternateContent xmlns:mc="http://schemas.openxmlformats.org/markup-compatibility/2006" xmlns:p14="http://schemas.microsoft.com/office/powerpoint/2010/main">
+    <mc:Choice Requires="p14">
       <p:transition spd="med" p14:dur="700">
         <p:fade/>
       </p:transition>
     </mc:Choice>
-    <mc:Fallback>
+    <mc:Fallback xmlns="">
       <p:transition spd="med">
         <p:fade/>
       </p:transition>
@@ -18560,7 +22349,7 @@
 </p:sld>
 </file>
 
-<file path=ppt/slides/slide36.xml><?xml version="1.0" encoding="utf-8"?>
+<file path=ppt/slides/slide38.xml><?xml version="1.0" encoding="utf-8"?>
 <p:sld xmlns:a="http://schemas.openxmlformats.org/drawingml/2006/main" xmlns:r="http://schemas.openxmlformats.org/officeDocument/2006/relationships" xmlns:p="http://schemas.openxmlformats.org/presentationml/2006/main">
   <p:cSld>
     <p:spTree>
@@ -18579,7 +22368,7 @@
       </p:grpSpPr>
       <p:pic>
         <p:nvPicPr>
-          <p:cNvPr id="17410" name="Picture 2">
+          <p:cNvPr id="3074" name="Picture 2">
             <a:hlinkClick r:id="rId2"/>
           </p:cNvPr>
           <p:cNvPicPr>
@@ -18602,8 +22391,111 @@
         </p:blipFill>
         <p:spPr bwMode="auto">
           <a:xfrm>
-            <a:off x="606778" y="17236"/>
-            <a:ext cx="7930444" cy="5126264"/>
+            <a:off x="417970" y="58677"/>
+            <a:ext cx="8308060" cy="5026147"/>
+          </a:xfrm>
+          <a:prstGeom prst="rect">
+            <a:avLst/>
+          </a:prstGeom>
+          <a:noFill/>
+          <a:ln>
+            <a:noFill/>
+          </a:ln>
+          <a:effectLst/>
+          <a:extLst>
+            <a:ext uri="{909E8E84-426E-40DD-AFC4-6F175D3DCCD1}">
+              <a14:hiddenFill xmlns:a14="http://schemas.microsoft.com/office/drawing/2010/main">
+                <a:solidFill>
+                  <a:schemeClr val="accent1"/>
+                </a:solidFill>
+              </a14:hiddenFill>
+            </a:ext>
+            <a:ext uri="{91240B29-F687-4F45-9708-019B960494DF}">
+              <a14:hiddenLine xmlns:a14="http://schemas.microsoft.com/office/drawing/2010/main" w="9525">
+                <a:solidFill>
+                  <a:schemeClr val="tx1"/>
+                </a:solidFill>
+                <a:miter lim="800000"/>
+                <a:headEnd/>
+                <a:tailEnd/>
+              </a14:hiddenLine>
+            </a:ext>
+            <a:ext uri="{AF507438-7753-43E0-B8FC-AC1667EBCBE1}">
+              <a14:hiddenEffects xmlns:a14="http://schemas.microsoft.com/office/drawing/2010/main">
+                <a:effectLst>
+                  <a:outerShdw dist="35921" dir="2700000" algn="ctr" rotWithShape="0">
+                    <a:schemeClr val="bg2"/>
+                  </a:outerShdw>
+                </a:effectLst>
+              </a14:hiddenEffects>
+            </a:ext>
+          </a:extLst>
+        </p:spPr>
+      </p:pic>
+    </p:spTree>
+    <p:extLst>
+      <p:ext uri="{BB962C8B-B14F-4D97-AF65-F5344CB8AC3E}">
+        <p14:creationId xmlns:p14="http://schemas.microsoft.com/office/powerpoint/2010/main" val="410011664"/>
+      </p:ext>
+    </p:extLst>
+  </p:cSld>
+  <p:clrMapOvr>
+    <a:masterClrMapping/>
+  </p:clrMapOvr>
+  <p:timing>
+    <p:tnLst>
+      <p:par>
+        <p:cTn id="1" dur="indefinite" restart="never" nodeType="tmRoot"/>
+      </p:par>
+    </p:tnLst>
+  </p:timing>
+</p:sld>
+</file>
+
+<file path=ppt/slides/slide39.xml><?xml version="1.0" encoding="utf-8"?>
+<p:sld xmlns:a="http://schemas.openxmlformats.org/drawingml/2006/main" xmlns:r="http://schemas.openxmlformats.org/officeDocument/2006/relationships" xmlns:p="http://schemas.openxmlformats.org/presentationml/2006/main">
+  <p:cSld>
+    <p:spTree>
+      <p:nvGrpSpPr>
+        <p:cNvPr id="1" name=""/>
+        <p:cNvGrpSpPr/>
+        <p:nvPr/>
+      </p:nvGrpSpPr>
+      <p:grpSpPr>
+        <a:xfrm>
+          <a:off x="0" y="0"/>
+          <a:ext cx="0" cy="0"/>
+          <a:chOff x="0" y="0"/>
+          <a:chExt cx="0" cy="0"/>
+        </a:xfrm>
+      </p:grpSpPr>
+      <p:pic>
+        <p:nvPicPr>
+          <p:cNvPr id="1027" name="Picture 3">
+            <a:hlinkClick r:id="rId2"/>
+          </p:cNvPr>
+          <p:cNvPicPr>
+            <a:picLocks noChangeAspect="1" noChangeArrowheads="1"/>
+          </p:cNvPicPr>
+          <p:nvPr/>
+        </p:nvPicPr>
+        <p:blipFill>
+          <a:blip r:embed="rId3">
+            <a:extLst>
+              <a:ext uri="{28A0092B-C50C-407E-A947-70E740481C1C}">
+                <a14:useLocalDpi xmlns:a14="http://schemas.microsoft.com/office/drawing/2010/main" val="0"/>
+              </a:ext>
+            </a:extLst>
+          </a:blip>
+          <a:srcRect/>
+          <a:stretch>
+            <a:fillRect/>
+          </a:stretch>
+        </p:blipFill>
+        <p:spPr bwMode="auto">
+          <a:xfrm>
+            <a:off x="304800" y="159676"/>
+            <a:ext cx="8534400" cy="4824148"/>
           </a:xfrm>
           <a:prstGeom prst="rect">
             <a:avLst/>
@@ -18653,13 +22545,13 @@
   <p:clrMapOvr>
     <a:masterClrMapping/>
   </p:clrMapOvr>
-  <mc:AlternateContent xmlns:mc="http://schemas.openxmlformats.org/markup-compatibility/2006">
-    <mc:Choice xmlns:p14="http://schemas.microsoft.com/office/powerpoint/2010/main" Requires="p14">
+  <mc:AlternateContent xmlns:mc="http://schemas.openxmlformats.org/markup-compatibility/2006" xmlns:p14="http://schemas.microsoft.com/office/powerpoint/2010/main">
+    <mc:Choice Requires="p14">
       <p:transition spd="med" p14:dur="700">
         <p:fade/>
       </p:transition>
     </mc:Choice>
-    <mc:Fallback>
+    <mc:Fallback xmlns="">
       <p:transition spd="med">
         <p:fade/>
       </p:transition>
@@ -18675,7 +22567,419 @@
 </p:sld>
 </file>
 
-<file path=ppt/slides/slide37.xml><?xml version="1.0" encoding="utf-8"?>
+<file path=ppt/slides/slide4.xml><?xml version="1.0" encoding="utf-8"?>
+<p:sld xmlns:a="http://schemas.openxmlformats.org/drawingml/2006/main" xmlns:r="http://schemas.openxmlformats.org/officeDocument/2006/relationships" xmlns:p="http://schemas.openxmlformats.org/presentationml/2006/main">
+  <p:cSld>
+    <p:spTree>
+      <p:nvGrpSpPr>
+        <p:cNvPr id="1" name=""/>
+        <p:cNvGrpSpPr/>
+        <p:nvPr/>
+      </p:nvGrpSpPr>
+      <p:grpSpPr>
+        <a:xfrm>
+          <a:off x="0" y="0"/>
+          <a:ext cx="0" cy="0"/>
+          <a:chOff x="0" y="0"/>
+          <a:chExt cx="0" cy="0"/>
+        </a:xfrm>
+      </p:grpSpPr>
+      <p:sp>
+        <p:nvSpPr>
+          <p:cNvPr id="2" name="Title 1"/>
+          <p:cNvSpPr>
+            <a:spLocks noGrp="1"/>
+          </p:cNvSpPr>
+          <p:nvPr>
+            <p:ph type="title"/>
+          </p:nvPr>
+        </p:nvSpPr>
+        <p:spPr/>
+        <p:txBody>
+          <a:bodyPr/>
+          <a:lstStyle/>
+          <a:p>
+            <a:r>
+              <a:rPr lang="en-US" dirty="0" smtClean="0"/>
+              <a:t>Hybrid is the norm</a:t>
+            </a:r>
+            <a:endParaRPr lang="en-US" dirty="0"/>
+          </a:p>
+        </p:txBody>
+      </p:sp>
+      <p:sp>
+        <p:nvSpPr>
+          <p:cNvPr id="3" name="Rectangle 2"/>
+          <p:cNvSpPr/>
+          <p:nvPr/>
+        </p:nvSpPr>
+        <p:spPr>
+          <a:xfrm>
+            <a:off x="381000" y="1809750"/>
+            <a:ext cx="2057400" cy="1600200"/>
+          </a:xfrm>
+          <a:prstGeom prst="rect">
+            <a:avLst/>
+          </a:prstGeom>
+          <a:solidFill>
+            <a:schemeClr val="accent3">
+              <a:lumMod val="75000"/>
+            </a:schemeClr>
+          </a:solidFill>
+        </p:spPr>
+        <p:style>
+          <a:lnRef idx="2">
+            <a:schemeClr val="accent1">
+              <a:shade val="50000"/>
+            </a:schemeClr>
+          </a:lnRef>
+          <a:fillRef idx="1">
+            <a:schemeClr val="accent1"/>
+          </a:fillRef>
+          <a:effectRef idx="0">
+            <a:schemeClr val="accent1"/>
+          </a:effectRef>
+          <a:fontRef idx="minor">
+            <a:schemeClr val="lt1"/>
+          </a:fontRef>
+        </p:style>
+        <p:txBody>
+          <a:bodyPr rtlCol="0" anchor="ctr"/>
+          <a:lstStyle/>
+          <a:p>
+            <a:pPr algn="ctr"/>
+            <a:r>
+              <a:rPr lang="en-US" dirty="0" smtClean="0"/>
+              <a:t>ASP Web Form</a:t>
+            </a:r>
+            <a:endParaRPr lang="en-US" dirty="0"/>
+          </a:p>
+        </p:txBody>
+      </p:sp>
+      <p:sp>
+        <p:nvSpPr>
+          <p:cNvPr id="4" name="Rectangle 3"/>
+          <p:cNvSpPr/>
+          <p:nvPr/>
+        </p:nvSpPr>
+        <p:spPr>
+          <a:xfrm>
+            <a:off x="2514600" y="1809750"/>
+            <a:ext cx="2057400" cy="1600200"/>
+          </a:xfrm>
+          <a:prstGeom prst="rect">
+            <a:avLst/>
+          </a:prstGeom>
+          <a:solidFill>
+            <a:schemeClr val="accent3">
+              <a:lumMod val="75000"/>
+            </a:schemeClr>
+          </a:solidFill>
+        </p:spPr>
+        <p:style>
+          <a:lnRef idx="2">
+            <a:schemeClr val="accent1">
+              <a:shade val="50000"/>
+            </a:schemeClr>
+          </a:lnRef>
+          <a:fillRef idx="1">
+            <a:schemeClr val="accent1"/>
+          </a:fillRef>
+          <a:effectRef idx="0">
+            <a:schemeClr val="accent1"/>
+          </a:effectRef>
+          <a:fontRef idx="minor">
+            <a:schemeClr val="lt1"/>
+          </a:fontRef>
+        </p:style>
+        <p:txBody>
+          <a:bodyPr rtlCol="0" anchor="ctr"/>
+          <a:lstStyle/>
+          <a:p>
+            <a:pPr algn="ctr"/>
+            <a:r>
+              <a:rPr lang="en-US" dirty="0" smtClean="0"/>
+              <a:t>ASP MVC Page</a:t>
+            </a:r>
+            <a:endParaRPr lang="en-US" dirty="0"/>
+          </a:p>
+        </p:txBody>
+      </p:sp>
+      <p:sp>
+        <p:nvSpPr>
+          <p:cNvPr id="5" name="Rectangle 4"/>
+          <p:cNvSpPr/>
+          <p:nvPr/>
+        </p:nvSpPr>
+        <p:spPr>
+          <a:xfrm>
+            <a:off x="6781800" y="1809750"/>
+            <a:ext cx="2057400" cy="1600200"/>
+          </a:xfrm>
+          <a:prstGeom prst="rect">
+            <a:avLst/>
+          </a:prstGeom>
+          <a:solidFill>
+            <a:schemeClr val="accent3">
+              <a:lumMod val="75000"/>
+            </a:schemeClr>
+          </a:solidFill>
+        </p:spPr>
+        <p:style>
+          <a:lnRef idx="2">
+            <a:schemeClr val="accent1">
+              <a:shade val="50000"/>
+            </a:schemeClr>
+          </a:lnRef>
+          <a:fillRef idx="1">
+            <a:schemeClr val="accent1"/>
+          </a:fillRef>
+          <a:effectRef idx="0">
+            <a:schemeClr val="accent1"/>
+          </a:effectRef>
+          <a:fontRef idx="minor">
+            <a:schemeClr val="lt1"/>
+          </a:fontRef>
+        </p:style>
+        <p:txBody>
+          <a:bodyPr rtlCol="0" anchor="ctr"/>
+          <a:lstStyle/>
+          <a:p>
+            <a:pPr algn="ctr"/>
+            <a:r>
+              <a:rPr lang="en-US" dirty="0" smtClean="0"/>
+              <a:t>ASP MVC Page</a:t>
+            </a:r>
+            <a:endParaRPr lang="en-US" dirty="0"/>
+          </a:p>
+        </p:txBody>
+      </p:sp>
+      <p:sp>
+        <p:nvSpPr>
+          <p:cNvPr id="6" name="Rectangle 5"/>
+          <p:cNvSpPr/>
+          <p:nvPr/>
+        </p:nvSpPr>
+        <p:spPr>
+          <a:xfrm>
+            <a:off x="4648200" y="1809750"/>
+            <a:ext cx="2057400" cy="1600200"/>
+          </a:xfrm>
+          <a:prstGeom prst="rect">
+            <a:avLst/>
+          </a:prstGeom>
+          <a:solidFill>
+            <a:srgbClr val="0070C0"/>
+          </a:solidFill>
+        </p:spPr>
+        <p:style>
+          <a:lnRef idx="2">
+            <a:schemeClr val="accent1">
+              <a:shade val="50000"/>
+            </a:schemeClr>
+          </a:lnRef>
+          <a:fillRef idx="1">
+            <a:schemeClr val="accent1"/>
+          </a:fillRef>
+          <a:effectRef idx="0">
+            <a:schemeClr val="accent1"/>
+          </a:effectRef>
+          <a:fontRef idx="minor">
+            <a:schemeClr val="lt1"/>
+          </a:fontRef>
+        </p:style>
+        <p:txBody>
+          <a:bodyPr rtlCol="0" anchor="ctr"/>
+          <a:lstStyle/>
+          <a:p>
+            <a:pPr algn="ctr"/>
+            <a:r>
+              <a:rPr lang="en-US" dirty="0" smtClean="0"/>
+              <a:t>SPA</a:t>
+            </a:r>
+            <a:endParaRPr lang="en-US" dirty="0"/>
+          </a:p>
+        </p:txBody>
+      </p:sp>
+      <p:sp>
+        <p:nvSpPr>
+          <p:cNvPr id="7" name="TextBox 6"/>
+          <p:cNvSpPr txBox="1"/>
+          <p:nvPr/>
+        </p:nvSpPr>
+        <p:spPr>
+          <a:xfrm>
+            <a:off x="304800" y="4381440"/>
+            <a:ext cx="8763000" cy="400110"/>
+          </a:xfrm>
+          <a:prstGeom prst="rect">
+            <a:avLst/>
+          </a:prstGeom>
+          <a:noFill/>
+        </p:spPr>
+        <p:txBody>
+          <a:bodyPr wrap="square" rtlCol="0">
+            <a:spAutoFit/>
+          </a:bodyPr>
+          <a:lstStyle/>
+          <a:p>
+            <a:pPr marL="5656263" indent="-5656263"/>
+            <a:r>
+              <a:rPr lang="en-US" sz="2000" dirty="0" smtClean="0"/>
+              <a:t>No one pattern is the best	Evolution, not revolution</a:t>
+            </a:r>
+            <a:endParaRPr lang="en-US" sz="2000" dirty="0"/>
+          </a:p>
+        </p:txBody>
+      </p:sp>
+    </p:spTree>
+    <p:extLst>
+      <p:ext uri="{BB962C8B-B14F-4D97-AF65-F5344CB8AC3E}">
+        <p14:creationId xmlns:p14="http://schemas.microsoft.com/office/powerpoint/2010/main" val="3066139975"/>
+      </p:ext>
+    </p:extLst>
+  </p:cSld>
+  <p:clrMapOvr>
+    <a:masterClrMapping/>
+  </p:clrMapOvr>
+  <mc:AlternateContent xmlns:mc="http://schemas.openxmlformats.org/markup-compatibility/2006" xmlns:p14="http://schemas.microsoft.com/office/powerpoint/2010/main">
+    <mc:Choice Requires="p14">
+      <p:transition spd="med" p14:dur="700">
+        <p:fade/>
+      </p:transition>
+    </mc:Choice>
+    <mc:Fallback xmlns="">
+      <p:transition spd="med">
+        <p:fade/>
+      </p:transition>
+    </mc:Fallback>
+  </mc:AlternateContent>
+  <p:timing>
+    <p:tnLst>
+      <p:par>
+        <p:cTn id="1" dur="indefinite" restart="never" nodeType="tmRoot"/>
+      </p:par>
+    </p:tnLst>
+  </p:timing>
+</p:sld>
+</file>
+
+<file path=ppt/slides/slide40.xml><?xml version="1.0" encoding="utf-8"?>
+<p:sld xmlns:a="http://schemas.openxmlformats.org/drawingml/2006/main" xmlns:r="http://schemas.openxmlformats.org/officeDocument/2006/relationships" xmlns:p="http://schemas.openxmlformats.org/presentationml/2006/main">
+  <p:cSld>
+    <p:spTree>
+      <p:nvGrpSpPr>
+        <p:cNvPr id="1" name=""/>
+        <p:cNvGrpSpPr/>
+        <p:nvPr/>
+      </p:nvGrpSpPr>
+      <p:grpSpPr>
+        <a:xfrm>
+          <a:off x="0" y="0"/>
+          <a:ext cx="0" cy="0"/>
+          <a:chOff x="0" y="0"/>
+          <a:chExt cx="0" cy="0"/>
+        </a:xfrm>
+      </p:grpSpPr>
+      <p:pic>
+        <p:nvPicPr>
+          <p:cNvPr id="2050" name="Picture 2">
+            <a:hlinkClick r:id="rId2"/>
+          </p:cNvPr>
+          <p:cNvPicPr>
+            <a:picLocks noChangeAspect="1" noChangeArrowheads="1"/>
+          </p:cNvPicPr>
+          <p:nvPr/>
+        </p:nvPicPr>
+        <p:blipFill>
+          <a:blip r:embed="rId3">
+            <a:extLst>
+              <a:ext uri="{28A0092B-C50C-407E-A947-70E740481C1C}">
+                <a14:useLocalDpi xmlns:a14="http://schemas.microsoft.com/office/drawing/2010/main" val="0"/>
+              </a:ext>
+            </a:extLst>
+          </a:blip>
+          <a:srcRect/>
+          <a:stretch>
+            <a:fillRect/>
+          </a:stretch>
+        </p:blipFill>
+        <p:spPr bwMode="auto">
+          <a:xfrm>
+            <a:off x="1197582" y="16371"/>
+            <a:ext cx="6748836" cy="5110758"/>
+          </a:xfrm>
+          <a:prstGeom prst="rect">
+            <a:avLst/>
+          </a:prstGeom>
+          <a:noFill/>
+          <a:ln>
+            <a:noFill/>
+          </a:ln>
+          <a:effectLst/>
+          <a:extLst>
+            <a:ext uri="{909E8E84-426E-40DD-AFC4-6F175D3DCCD1}">
+              <a14:hiddenFill xmlns:a14="http://schemas.microsoft.com/office/drawing/2010/main">
+                <a:solidFill>
+                  <a:schemeClr val="accent1"/>
+                </a:solidFill>
+              </a14:hiddenFill>
+            </a:ext>
+            <a:ext uri="{91240B29-F687-4F45-9708-019B960494DF}">
+              <a14:hiddenLine xmlns:a14="http://schemas.microsoft.com/office/drawing/2010/main" w="9525">
+                <a:solidFill>
+                  <a:schemeClr val="tx1"/>
+                </a:solidFill>
+                <a:miter lim="800000"/>
+                <a:headEnd/>
+                <a:tailEnd/>
+              </a14:hiddenLine>
+            </a:ext>
+            <a:ext uri="{AF507438-7753-43E0-B8FC-AC1667EBCBE1}">
+              <a14:hiddenEffects xmlns:a14="http://schemas.microsoft.com/office/drawing/2010/main">
+                <a:effectLst>
+                  <a:outerShdw dist="35921" dir="2700000" algn="ctr" rotWithShape="0">
+                    <a:schemeClr val="bg2"/>
+                  </a:outerShdw>
+                </a:effectLst>
+              </a14:hiddenEffects>
+            </a:ext>
+          </a:extLst>
+        </p:spPr>
+      </p:pic>
+    </p:spTree>
+    <p:extLst>
+      <p:ext uri="{BB962C8B-B14F-4D97-AF65-F5344CB8AC3E}">
+        <p14:creationId xmlns:p14="http://schemas.microsoft.com/office/powerpoint/2010/main" val="453929568"/>
+      </p:ext>
+    </p:extLst>
+  </p:cSld>
+  <p:clrMapOvr>
+    <a:masterClrMapping/>
+  </p:clrMapOvr>
+  <mc:AlternateContent xmlns:mc="http://schemas.openxmlformats.org/markup-compatibility/2006" xmlns:p14="http://schemas.microsoft.com/office/powerpoint/2010/main">
+    <mc:Choice Requires="p14">
+      <p:transition spd="med" p14:dur="700">
+        <p:fade/>
+      </p:transition>
+    </mc:Choice>
+    <mc:Fallback xmlns="">
+      <p:transition spd="med">
+        <p:fade/>
+      </p:transition>
+    </mc:Fallback>
+  </mc:AlternateContent>
+  <p:timing>
+    <p:tnLst>
+      <p:par>
+        <p:cTn id="1" dur="indefinite" restart="never" nodeType="tmRoot"/>
+      </p:par>
+    </p:tnLst>
+  </p:timing>
+</p:sld>
+</file>
+
+<file path=ppt/slides/slide41.xml><?xml version="1.0" encoding="utf-8"?>
 <p:sld xmlns:a="http://schemas.openxmlformats.org/drawingml/2006/main" xmlns:r="http://schemas.openxmlformats.org/officeDocument/2006/relationships" xmlns:p="http://schemas.openxmlformats.org/presentationml/2006/main">
   <p:cSld>
     <p:spTree>
@@ -18717,8 +23021,8 @@
         </p:blipFill>
         <p:spPr bwMode="auto">
           <a:xfrm>
-            <a:off x="649675" y="82748"/>
-            <a:ext cx="7844651" cy="4978004"/>
+            <a:off x="754856" y="37921"/>
+            <a:ext cx="7634288" cy="5067658"/>
           </a:xfrm>
           <a:prstGeom prst="rect">
             <a:avLst/>
@@ -18761,25 +23065,13 @@
     </p:spTree>
     <p:extLst>
       <p:ext uri="{BB962C8B-B14F-4D97-AF65-F5344CB8AC3E}">
-        <p14:creationId xmlns:p14="http://schemas.microsoft.com/office/powerpoint/2010/main" val="453929568"/>
+        <p14:creationId xmlns:p14="http://schemas.microsoft.com/office/powerpoint/2010/main" val="2007934283"/>
       </p:ext>
     </p:extLst>
   </p:cSld>
   <p:clrMapOvr>
     <a:masterClrMapping/>
   </p:clrMapOvr>
-  <mc:AlternateContent xmlns:mc="http://schemas.openxmlformats.org/markup-compatibility/2006">
-    <mc:Choice xmlns:p14="http://schemas.microsoft.com/office/powerpoint/2010/main" Requires="p14">
-      <p:transition spd="med" p14:dur="700">
-        <p:fade/>
-      </p:transition>
-    </mc:Choice>
-    <mc:Fallback>
-      <p:transition spd="med">
-        <p:fade/>
-      </p:transition>
-    </mc:Fallback>
-  </mc:AlternateContent>
   <p:timing>
     <p:tnLst>
       <p:par>
@@ -18790,7 +23082,7 @@
 </p:sld>
 </file>
 
-<file path=ppt/slides/slide38.xml><?xml version="1.0" encoding="utf-8"?>
+<file path=ppt/slides/slide42.xml><?xml version="1.0" encoding="utf-8"?>
 <p:sld xmlns:a="http://schemas.openxmlformats.org/drawingml/2006/main" xmlns:r="http://schemas.openxmlformats.org/officeDocument/2006/relationships" xmlns:p="http://schemas.openxmlformats.org/presentationml/2006/main">
   <p:cSld>
     <p:spTree>
@@ -18855,511 +23147,13 @@
   <p:clrMapOvr>
     <a:masterClrMapping/>
   </p:clrMapOvr>
-  <mc:AlternateContent xmlns:mc="http://schemas.openxmlformats.org/markup-compatibility/2006">
-    <mc:Choice xmlns:p14="http://schemas.microsoft.com/office/powerpoint/2010/main" Requires="p14">
+  <mc:AlternateContent xmlns:mc="http://schemas.openxmlformats.org/markup-compatibility/2006" xmlns:p14="http://schemas.microsoft.com/office/powerpoint/2010/main">
+    <mc:Choice Requires="p14">
       <p:transition spd="med" p14:dur="700">
         <p:fade/>
       </p:transition>
     </mc:Choice>
-    <mc:Fallback>
-      <p:transition spd="med">
-        <p:fade/>
-      </p:transition>
-    </mc:Fallback>
-  </mc:AlternateContent>
-  <p:timing>
-    <p:tnLst>
-      <p:par>
-        <p:cTn id="1" dur="indefinite" restart="never" nodeType="tmRoot"/>
-      </p:par>
-    </p:tnLst>
-  </p:timing>
-</p:sld>
-</file>
-
-<file path=ppt/slides/slide39.xml><?xml version="1.0" encoding="utf-8"?>
-<p:sld xmlns:a="http://schemas.openxmlformats.org/drawingml/2006/main" xmlns:r="http://schemas.openxmlformats.org/officeDocument/2006/relationships" xmlns:p="http://schemas.openxmlformats.org/presentationml/2006/main">
-  <p:cSld>
-    <p:spTree>
-      <p:nvGrpSpPr>
-        <p:cNvPr id="1" name=""/>
-        <p:cNvGrpSpPr/>
-        <p:nvPr/>
-      </p:nvGrpSpPr>
-      <p:grpSpPr>
-        <a:xfrm>
-          <a:off x="0" y="0"/>
-          <a:ext cx="0" cy="0"/>
-          <a:chOff x="0" y="0"/>
-          <a:chExt cx="0" cy="0"/>
-        </a:xfrm>
-      </p:grpSpPr>
-      <p:pic>
-        <p:nvPicPr>
-          <p:cNvPr id="6" name="Picture 5"/>
-          <p:cNvPicPr>
-            <a:picLocks noChangeAspect="1"/>
-          </p:cNvPicPr>
-          <p:nvPr/>
-        </p:nvPicPr>
-        <p:blipFill>
-          <a:blip r:embed="rId3">
-            <a:extLst>
-              <a:ext uri="{28A0092B-C50C-407E-A947-70E740481C1C}">
-                <a14:useLocalDpi xmlns:a14="http://schemas.microsoft.com/office/drawing/2010/main" val="0"/>
-              </a:ext>
-            </a:extLst>
-          </a:blip>
-          <a:stretch>
-            <a:fillRect/>
-          </a:stretch>
-        </p:blipFill>
-        <p:spPr>
-          <a:xfrm>
-            <a:off x="0" y="0"/>
-            <a:ext cx="9144000" cy="5143500"/>
-          </a:xfrm>
-          <a:prstGeom prst="rect">
-            <a:avLst/>
-          </a:prstGeom>
-        </p:spPr>
-      </p:pic>
-      <p:sp>
-        <p:nvSpPr>
-          <p:cNvPr id="4098" name="Rectangle 2"/>
-          <p:cNvSpPr>
-            <a:spLocks noGrp="1" noChangeArrowheads="1"/>
-          </p:cNvSpPr>
-          <p:nvPr>
-            <p:ph type="title"/>
-          </p:nvPr>
-        </p:nvSpPr>
-        <p:spPr/>
-        <p:txBody>
-          <a:bodyPr/>
-          <a:lstStyle/>
-          <a:p>
-            <a:pPr eaLnBrk="1" hangingPunct="1"/>
-            <a:r>
-              <a:rPr lang="en-US" smtClean="0"/>
-              <a:t>Your Feedback is Important</a:t>
-            </a:r>
-          </a:p>
-        </p:txBody>
-      </p:sp>
-      <p:sp>
-        <p:nvSpPr>
-          <p:cNvPr id="4099" name="Rectangle 3"/>
-          <p:cNvSpPr>
-            <a:spLocks noGrp="1" noChangeArrowheads="1"/>
-          </p:cNvSpPr>
-          <p:nvPr>
-            <p:ph type="body" idx="1"/>
-          </p:nvPr>
-        </p:nvSpPr>
-        <p:spPr>
-          <a:xfrm>
-            <a:off x="152400" y="1310878"/>
-            <a:ext cx="8839200" cy="3394472"/>
-          </a:xfrm>
-        </p:spPr>
-        <p:txBody>
-          <a:bodyPr/>
-          <a:lstStyle/>
-          <a:p>
-            <a:pPr algn="ctr" eaLnBrk="1" hangingPunct="1">
-              <a:buFontTx/>
-              <a:buNone/>
-            </a:pPr>
-            <a:r>
-              <a:rPr lang="en-US" dirty="0" smtClean="0"/>
-              <a:t>Please fill out a session evaluation form</a:t>
-            </a:r>
-          </a:p>
-          <a:p>
-            <a:pPr algn="ctr" eaLnBrk="1" hangingPunct="1">
-              <a:buFontTx/>
-              <a:buNone/>
-            </a:pPr>
-            <a:endParaRPr lang="en-US" dirty="0"/>
-          </a:p>
-          <a:p>
-            <a:pPr algn="ctr" eaLnBrk="1" hangingPunct="1">
-              <a:buFontTx/>
-              <a:buNone/>
-            </a:pPr>
-            <a:r>
-              <a:rPr lang="en-US" dirty="0" smtClean="0"/>
-              <a:t> </a:t>
-            </a:r>
-            <a:br>
-              <a:rPr lang="en-US" dirty="0" smtClean="0"/>
-            </a:br>
-            <a:r>
-              <a:rPr lang="en-US" dirty="0" smtClean="0"/>
-              <a:t>drop it off at the conference registration desk.</a:t>
-            </a:r>
-          </a:p>
-          <a:p>
-            <a:pPr algn="ctr" eaLnBrk="1" hangingPunct="1">
-              <a:buFontTx/>
-              <a:buNone/>
-            </a:pPr>
-            <a:r>
-              <a:rPr lang="en-US" dirty="0" smtClean="0"/>
-              <a:t>Thank you!</a:t>
-            </a:r>
-          </a:p>
-        </p:txBody>
-      </p:sp>
-      <p:sp>
-        <p:nvSpPr>
-          <p:cNvPr id="5" name="Rectangle 4"/>
-          <p:cNvSpPr/>
-          <p:nvPr/>
-        </p:nvSpPr>
-        <p:spPr>
-          <a:xfrm>
-            <a:off x="883178" y="2063175"/>
-            <a:ext cx="6605334" cy="646331"/>
-          </a:xfrm>
-          <a:prstGeom prst="rect">
-            <a:avLst/>
-          </a:prstGeom>
-        </p:spPr>
-        <p:txBody>
-          <a:bodyPr wrap="none">
-            <a:spAutoFit/>
-          </a:bodyPr>
-          <a:lstStyle/>
-          <a:p>
-            <a:pPr algn="ctr"/>
-            <a:r>
-              <a:rPr lang="en-US" sz="3600" dirty="0" smtClean="0"/>
-              <a:t>APA306</a:t>
-            </a:r>
-            <a:r>
-              <a:rPr lang="en-US" sz="3600" dirty="0" smtClean="0"/>
-              <a:t>: SPA Data with Breeze</a:t>
-            </a:r>
-            <a:endParaRPr lang="en-US" sz="3600" dirty="0"/>
-          </a:p>
-        </p:txBody>
-      </p:sp>
-    </p:spTree>
-    <p:extLst>
-      <p:ext uri="{BB962C8B-B14F-4D97-AF65-F5344CB8AC3E}">
-        <p14:creationId xmlns:p14="http://schemas.microsoft.com/office/powerpoint/2010/main" val="2965390482"/>
-      </p:ext>
-    </p:extLst>
-  </p:cSld>
-  <p:clrMapOvr>
-    <a:masterClrMapping/>
-  </p:clrMapOvr>
-  <mc:AlternateContent xmlns:mc="http://schemas.openxmlformats.org/markup-compatibility/2006">
-    <mc:Choice xmlns:p14="http://schemas.microsoft.com/office/powerpoint/2010/main" Requires="p14">
-      <p:transition spd="med" p14:dur="700">
-        <p:fade/>
-      </p:transition>
-    </mc:Choice>
-    <mc:Fallback>
-      <p:transition spd="med">
-        <p:fade/>
-      </p:transition>
-    </mc:Fallback>
-  </mc:AlternateContent>
-  <p:timing>
-    <p:tnLst>
-      <p:par>
-        <p:cTn id="1" dur="indefinite" restart="never" nodeType="tmRoot"/>
-      </p:par>
-    </p:tnLst>
-  </p:timing>
-</p:sld>
-</file>
-
-<file path=ppt/slides/slide4.xml><?xml version="1.0" encoding="utf-8"?>
-<p:sld xmlns:a="http://schemas.openxmlformats.org/drawingml/2006/main" xmlns:r="http://schemas.openxmlformats.org/officeDocument/2006/relationships" xmlns:p="http://schemas.openxmlformats.org/presentationml/2006/main">
-  <p:cSld>
-    <p:spTree>
-      <p:nvGrpSpPr>
-        <p:cNvPr id="1" name=""/>
-        <p:cNvGrpSpPr/>
-        <p:nvPr/>
-      </p:nvGrpSpPr>
-      <p:grpSpPr>
-        <a:xfrm>
-          <a:off x="0" y="0"/>
-          <a:ext cx="0" cy="0"/>
-          <a:chOff x="0" y="0"/>
-          <a:chExt cx="0" cy="0"/>
-        </a:xfrm>
-      </p:grpSpPr>
-      <p:sp>
-        <p:nvSpPr>
-          <p:cNvPr id="2" name="Title 1"/>
-          <p:cNvSpPr>
-            <a:spLocks noGrp="1"/>
-          </p:cNvSpPr>
-          <p:nvPr>
-            <p:ph type="title"/>
-          </p:nvPr>
-        </p:nvSpPr>
-        <p:spPr/>
-        <p:txBody>
-          <a:bodyPr/>
-          <a:lstStyle/>
-          <a:p>
-            <a:r>
-              <a:rPr lang="en-US" dirty="0" smtClean="0"/>
-              <a:t>Hybrid is the norm</a:t>
-            </a:r>
-            <a:endParaRPr lang="en-US" dirty="0"/>
-          </a:p>
-        </p:txBody>
-      </p:sp>
-      <p:sp>
-        <p:nvSpPr>
-          <p:cNvPr id="3" name="Rectangle 2"/>
-          <p:cNvSpPr/>
-          <p:nvPr/>
-        </p:nvSpPr>
-        <p:spPr>
-          <a:xfrm>
-            <a:off x="381000" y="1809750"/>
-            <a:ext cx="2057400" cy="1600200"/>
-          </a:xfrm>
-          <a:prstGeom prst="rect">
-            <a:avLst/>
-          </a:prstGeom>
-          <a:solidFill>
-            <a:schemeClr val="accent3">
-              <a:lumMod val="75000"/>
-            </a:schemeClr>
-          </a:solidFill>
-        </p:spPr>
-        <p:style>
-          <a:lnRef idx="2">
-            <a:schemeClr val="accent1">
-              <a:shade val="50000"/>
-            </a:schemeClr>
-          </a:lnRef>
-          <a:fillRef idx="1">
-            <a:schemeClr val="accent1"/>
-          </a:fillRef>
-          <a:effectRef idx="0">
-            <a:schemeClr val="accent1"/>
-          </a:effectRef>
-          <a:fontRef idx="minor">
-            <a:schemeClr val="lt1"/>
-          </a:fontRef>
-        </p:style>
-        <p:txBody>
-          <a:bodyPr rtlCol="0" anchor="ctr"/>
-          <a:lstStyle/>
-          <a:p>
-            <a:pPr algn="ctr"/>
-            <a:r>
-              <a:rPr lang="en-US" dirty="0" smtClean="0"/>
-              <a:t>ASP Web Form</a:t>
-            </a:r>
-            <a:endParaRPr lang="en-US" dirty="0"/>
-          </a:p>
-        </p:txBody>
-      </p:sp>
-      <p:sp>
-        <p:nvSpPr>
-          <p:cNvPr id="4" name="Rectangle 3"/>
-          <p:cNvSpPr/>
-          <p:nvPr/>
-        </p:nvSpPr>
-        <p:spPr>
-          <a:xfrm>
-            <a:off x="2514600" y="1809750"/>
-            <a:ext cx="2057400" cy="1600200"/>
-          </a:xfrm>
-          <a:prstGeom prst="rect">
-            <a:avLst/>
-          </a:prstGeom>
-          <a:solidFill>
-            <a:schemeClr val="accent3">
-              <a:lumMod val="75000"/>
-            </a:schemeClr>
-          </a:solidFill>
-        </p:spPr>
-        <p:style>
-          <a:lnRef idx="2">
-            <a:schemeClr val="accent1">
-              <a:shade val="50000"/>
-            </a:schemeClr>
-          </a:lnRef>
-          <a:fillRef idx="1">
-            <a:schemeClr val="accent1"/>
-          </a:fillRef>
-          <a:effectRef idx="0">
-            <a:schemeClr val="accent1"/>
-          </a:effectRef>
-          <a:fontRef idx="minor">
-            <a:schemeClr val="lt1"/>
-          </a:fontRef>
-        </p:style>
-        <p:txBody>
-          <a:bodyPr rtlCol="0" anchor="ctr"/>
-          <a:lstStyle/>
-          <a:p>
-            <a:pPr algn="ctr"/>
-            <a:r>
-              <a:rPr lang="en-US" dirty="0" smtClean="0"/>
-              <a:t>ASP MVC Page</a:t>
-            </a:r>
-            <a:endParaRPr lang="en-US" dirty="0"/>
-          </a:p>
-        </p:txBody>
-      </p:sp>
-      <p:sp>
-        <p:nvSpPr>
-          <p:cNvPr id="5" name="Rectangle 4"/>
-          <p:cNvSpPr/>
-          <p:nvPr/>
-        </p:nvSpPr>
-        <p:spPr>
-          <a:xfrm>
-            <a:off x="6781800" y="1809750"/>
-            <a:ext cx="2057400" cy="1600200"/>
-          </a:xfrm>
-          <a:prstGeom prst="rect">
-            <a:avLst/>
-          </a:prstGeom>
-          <a:solidFill>
-            <a:schemeClr val="accent3">
-              <a:lumMod val="75000"/>
-            </a:schemeClr>
-          </a:solidFill>
-        </p:spPr>
-        <p:style>
-          <a:lnRef idx="2">
-            <a:schemeClr val="accent1">
-              <a:shade val="50000"/>
-            </a:schemeClr>
-          </a:lnRef>
-          <a:fillRef idx="1">
-            <a:schemeClr val="accent1"/>
-          </a:fillRef>
-          <a:effectRef idx="0">
-            <a:schemeClr val="accent1"/>
-          </a:effectRef>
-          <a:fontRef idx="minor">
-            <a:schemeClr val="lt1"/>
-          </a:fontRef>
-        </p:style>
-        <p:txBody>
-          <a:bodyPr rtlCol="0" anchor="ctr"/>
-          <a:lstStyle/>
-          <a:p>
-            <a:pPr algn="ctr"/>
-            <a:r>
-              <a:rPr lang="en-US" dirty="0" smtClean="0"/>
-              <a:t>ASP MVC Page</a:t>
-            </a:r>
-            <a:endParaRPr lang="en-US" dirty="0"/>
-          </a:p>
-        </p:txBody>
-      </p:sp>
-      <p:sp>
-        <p:nvSpPr>
-          <p:cNvPr id="6" name="Rectangle 5"/>
-          <p:cNvSpPr/>
-          <p:nvPr/>
-        </p:nvSpPr>
-        <p:spPr>
-          <a:xfrm>
-            <a:off x="4648200" y="1809750"/>
-            <a:ext cx="2057400" cy="1600200"/>
-          </a:xfrm>
-          <a:prstGeom prst="rect">
-            <a:avLst/>
-          </a:prstGeom>
-          <a:solidFill>
-            <a:srgbClr val="0070C0"/>
-          </a:solidFill>
-        </p:spPr>
-        <p:style>
-          <a:lnRef idx="2">
-            <a:schemeClr val="accent1">
-              <a:shade val="50000"/>
-            </a:schemeClr>
-          </a:lnRef>
-          <a:fillRef idx="1">
-            <a:schemeClr val="accent1"/>
-          </a:fillRef>
-          <a:effectRef idx="0">
-            <a:schemeClr val="accent1"/>
-          </a:effectRef>
-          <a:fontRef idx="minor">
-            <a:schemeClr val="lt1"/>
-          </a:fontRef>
-        </p:style>
-        <p:txBody>
-          <a:bodyPr rtlCol="0" anchor="ctr"/>
-          <a:lstStyle/>
-          <a:p>
-            <a:pPr algn="ctr"/>
-            <a:r>
-              <a:rPr lang="en-US" dirty="0" smtClean="0"/>
-              <a:t>SPA</a:t>
-            </a:r>
-            <a:endParaRPr lang="en-US" dirty="0"/>
-          </a:p>
-        </p:txBody>
-      </p:sp>
-      <p:sp>
-        <p:nvSpPr>
-          <p:cNvPr id="7" name="TextBox 6"/>
-          <p:cNvSpPr txBox="1"/>
-          <p:nvPr/>
-        </p:nvSpPr>
-        <p:spPr>
-          <a:xfrm>
-            <a:off x="304800" y="4381440"/>
-            <a:ext cx="8763000" cy="400110"/>
-          </a:xfrm>
-          <a:prstGeom prst="rect">
-            <a:avLst/>
-          </a:prstGeom>
-          <a:noFill/>
-        </p:spPr>
-        <p:txBody>
-          <a:bodyPr wrap="square" rtlCol="0">
-            <a:spAutoFit/>
-          </a:bodyPr>
-          <a:lstStyle/>
-          <a:p>
-            <a:pPr marL="5656263" indent="-5656263"/>
-            <a:r>
-              <a:rPr lang="en-US" sz="2000" dirty="0" smtClean="0"/>
-              <a:t>No one pattern is the best	Evolution, not revolution</a:t>
-            </a:r>
-            <a:endParaRPr lang="en-US" sz="2000" dirty="0"/>
-          </a:p>
-        </p:txBody>
-      </p:sp>
-    </p:spTree>
-    <p:extLst>
-      <p:ext uri="{BB962C8B-B14F-4D97-AF65-F5344CB8AC3E}">
-        <p14:creationId xmlns:p14="http://schemas.microsoft.com/office/powerpoint/2010/main" val="3066139975"/>
-      </p:ext>
-    </p:extLst>
-  </p:cSld>
-  <p:clrMapOvr>
-    <a:masterClrMapping/>
-  </p:clrMapOvr>
-  <mc:AlternateContent xmlns:mc="http://schemas.openxmlformats.org/markup-compatibility/2006">
-    <mc:Choice xmlns:p14="http://schemas.microsoft.com/office/powerpoint/2010/main" Requires="p14">
-      <p:transition spd="med" p14:dur="700">
-        <p:fade/>
-      </p:transition>
-    </mc:Choice>
-    <mc:Fallback>
+    <mc:Fallback xmlns="">
       <p:transition spd="med">
         <p:fade/>
       </p:transition>
@@ -19516,13 +23310,13 @@
   <p:clrMapOvr>
     <a:masterClrMapping/>
   </p:clrMapOvr>
-  <mc:AlternateContent xmlns:mc="http://schemas.openxmlformats.org/markup-compatibility/2006">
-    <mc:Choice xmlns:p14="http://schemas.microsoft.com/office/powerpoint/2010/main" Requires="p14">
+  <mc:AlternateContent xmlns:mc="http://schemas.openxmlformats.org/markup-compatibility/2006" xmlns:p14="http://schemas.microsoft.com/office/powerpoint/2010/main">
+    <mc:Choice Requires="p14">
       <p:transition spd="med" p14:dur="700">
         <p:fade/>
       </p:transition>
     </mc:Choice>
-    <mc:Fallback>
+    <mc:Fallback xmlns="">
       <p:transition spd="med">
         <p:fade/>
       </p:transition>
@@ -19765,7 +23559,7 @@
         </p:nvSpPr>
         <p:spPr>
           <a:xfrm>
-            <a:off x="457200" y="4423886"/>
+            <a:off x="457200" y="4171950"/>
             <a:ext cx="2390398" cy="369332"/>
           </a:xfrm>
           <a:prstGeom prst="rect">
@@ -19779,9 +23573,12 @@
           <a:lstStyle/>
           <a:p>
             <a:r>
-              <a:rPr lang="en-US" dirty="0"/>
+              <a:rPr lang="en-US" dirty="0">
+                <a:hlinkClick r:id="rId2"/>
+              </a:rPr>
               <a:t>http://jpapa.me/spaps</a:t>
             </a:r>
+            <a:endParaRPr lang="en-US" dirty="0"/>
           </a:p>
         </p:txBody>
       </p:sp>
@@ -19793,7 +23590,7 @@
         </p:nvSpPr>
         <p:spPr>
           <a:xfrm>
-            <a:off x="457200" y="4705350"/>
+            <a:off x="457200" y="4465082"/>
             <a:ext cx="3621504" cy="369332"/>
           </a:xfrm>
           <a:prstGeom prst="rect">
@@ -19807,9 +23604,43 @@
           <a:lstStyle/>
           <a:p>
             <a:r>
-              <a:rPr lang="en-US" dirty="0"/>
+              <a:rPr lang="en-US" dirty="0">
+                <a:hlinkClick r:id="rId4"/>
+              </a:rPr>
               <a:t>http://jpapa.me/codecamperdemo</a:t>
             </a:r>
+            <a:endParaRPr lang="en-US" dirty="0"/>
+          </a:p>
+        </p:txBody>
+      </p:sp>
+      <p:sp>
+        <p:nvSpPr>
+          <p:cNvPr id="9" name="Rectangle 8"/>
+          <p:cNvSpPr/>
+          <p:nvPr/>
+        </p:nvSpPr>
+        <p:spPr>
+          <a:xfrm>
+            <a:off x="457200" y="4727496"/>
+            <a:ext cx="6276142" cy="369332"/>
+          </a:xfrm>
+          <a:prstGeom prst="rect">
+            <a:avLst/>
+          </a:prstGeom>
+        </p:spPr>
+        <p:txBody>
+          <a:bodyPr wrap="none">
+            <a:spAutoFit/>
+          </a:bodyPr>
+          <a:lstStyle/>
+          <a:p>
+            <a:r>
+              <a:rPr lang="en-US" dirty="0" smtClean="0">
+                <a:hlinkClick r:id="rId5"/>
+              </a:rPr>
+              <a:t>http://www.johnpapa.net/recent-presentation-on-spa-basics/</a:t>
+            </a:r>
+            <a:endParaRPr lang="en-US" dirty="0"/>
           </a:p>
         </p:txBody>
       </p:sp>
@@ -19823,13 +23654,13 @@
   <p:clrMapOvr>
     <a:masterClrMapping/>
   </p:clrMapOvr>
-  <mc:AlternateContent xmlns:mc="http://schemas.openxmlformats.org/markup-compatibility/2006">
-    <mc:Choice xmlns:p14="http://schemas.microsoft.com/office/powerpoint/2010/main" Requires="p14">
+  <mc:AlternateContent xmlns:mc="http://schemas.openxmlformats.org/markup-compatibility/2006" xmlns:p14="http://schemas.microsoft.com/office/powerpoint/2010/main">
+    <mc:Choice Requires="p14">
       <p:transition spd="med" p14:dur="700">
         <p:fade/>
       </p:transition>
     </mc:Choice>
-    <mc:Fallback>
+    <mc:Fallback xmlns="">
       <p:transition spd="med">
         <p:fade/>
       </p:transition>
@@ -20398,13 +24229,13 @@
   <p:clrMapOvr>
     <a:masterClrMapping/>
   </p:clrMapOvr>
-  <mc:AlternateContent xmlns:mc="http://schemas.openxmlformats.org/markup-compatibility/2006">
-    <mc:Choice xmlns:p14="http://schemas.microsoft.com/office/powerpoint/2010/main" Requires="p14">
+  <mc:AlternateContent xmlns:mc="http://schemas.openxmlformats.org/markup-compatibility/2006" xmlns:p14="http://schemas.microsoft.com/office/powerpoint/2010/main">
+    <mc:Choice Requires="p14">
       <p:transition spd="med" p14:dur="700">
         <p:fade/>
       </p:transition>
     </mc:Choice>
-    <mc:Fallback>
+    <mc:Fallback xmlns="">
       <p:transition spd="med">
         <p:fade/>
       </p:transition>
@@ -22158,13 +25989,13 @@
   <p:clrMapOvr>
     <a:masterClrMapping/>
   </p:clrMapOvr>
-  <mc:AlternateContent xmlns:mc="http://schemas.openxmlformats.org/markup-compatibility/2006">
-    <mc:Choice xmlns:p14="http://schemas.microsoft.com/office/powerpoint/2010/main" Requires="p14">
+  <mc:AlternateContent xmlns:mc="http://schemas.openxmlformats.org/markup-compatibility/2006" xmlns:p14="http://schemas.microsoft.com/office/powerpoint/2010/main">
+    <mc:Choice Requires="p14">
       <p:transition spd="med" p14:dur="700">
         <p:fade/>
       </p:transition>
     </mc:Choice>
-    <mc:Fallback>
+    <mc:Fallback xmlns="">
       <p:transition spd="med">
         <p:fade/>
       </p:transition>
